--- a/提交材料/プレゼンテーション.pptx
+++ b/提交材料/プレゼンテーション.pptx
@@ -7,6 +7,43 @@
   <p:sldIdLst>
     <p:sldId id="256" r:id="rId2"/>
     <p:sldId id="257" r:id="rId3"/>
+    <p:sldId id="259" r:id="rId4"/>
+    <p:sldId id="265" r:id="rId5"/>
+    <p:sldId id="266" r:id="rId6"/>
+    <p:sldId id="260" r:id="rId7"/>
+    <p:sldId id="268" r:id="rId8"/>
+    <p:sldId id="269" r:id="rId9"/>
+    <p:sldId id="267" r:id="rId10"/>
+    <p:sldId id="284" r:id="rId11"/>
+    <p:sldId id="285" r:id="rId12"/>
+    <p:sldId id="286" r:id="rId13"/>
+    <p:sldId id="261" r:id="rId14"/>
+    <p:sldId id="270" r:id="rId15"/>
+    <p:sldId id="271" r:id="rId16"/>
+    <p:sldId id="272" r:id="rId17"/>
+    <p:sldId id="287" r:id="rId18"/>
+    <p:sldId id="288" r:id="rId19"/>
+    <p:sldId id="289" r:id="rId20"/>
+    <p:sldId id="262" r:id="rId21"/>
+    <p:sldId id="273" r:id="rId22"/>
+    <p:sldId id="274" r:id="rId23"/>
+    <p:sldId id="275" r:id="rId24"/>
+    <p:sldId id="276" r:id="rId25"/>
+    <p:sldId id="277" r:id="rId26"/>
+    <p:sldId id="263" r:id="rId27"/>
+    <p:sldId id="278" r:id="rId28"/>
+    <p:sldId id="279" r:id="rId29"/>
+    <p:sldId id="280" r:id="rId30"/>
+    <p:sldId id="290" r:id="rId31"/>
+    <p:sldId id="291" r:id="rId32"/>
+    <p:sldId id="292" r:id="rId33"/>
+    <p:sldId id="293" r:id="rId34"/>
+    <p:sldId id="281" r:id="rId35"/>
+    <p:sldId id="282" r:id="rId36"/>
+    <p:sldId id="283" r:id="rId37"/>
+    <p:sldId id="264" r:id="rId38"/>
+    <p:sldId id="294" r:id="rId39"/>
+    <p:sldId id="295" r:id="rId40"/>
   </p:sldIdLst>
   <p:sldSz cx="12192000" cy="6858000"/>
   <p:notesSz cx="6858000" cy="9144000"/>
@@ -105,6 +142,11 @@
       </a:defRPr>
     </a:lvl9pPr>
   </p:defaultTextStyle>
+  <p:extLst>
+    <p:ext uri="{EFAFB233-063F-42B5-8137-9DF3F51BA10A}">
+      <p15:sldGuideLst xmlns:p15="http://schemas.microsoft.com/office/powerpoint/2012/main"/>
+    </p:ext>
+  </p:extLst>
 </p:presentation>
 </file>
 
@@ -3827,8 +3869,8 @@
         </p:nvSpPr>
         <p:spPr>
           <a:xfrm>
-            <a:off x="1066800" y="2059718"/>
-            <a:ext cx="10058400" cy="2035763"/>
+            <a:off x="565265" y="1263536"/>
+            <a:ext cx="10906299" cy="2831946"/>
           </a:xfrm>
         </p:spPr>
         <p:txBody>
@@ -3840,15 +3882,14 @@
             <a:pPr algn="ctr"/>
             <a:r>
               <a:rPr lang="ja-JP" altLang="zh-CN" sz="4800" dirty="0"/>
-              <a:t>クロスモダリティを用いたカラーベース</a:t>
-            </a:r>
-            <a:r>
+              <a:t>クロスモダリティを用いた</a:t>
+            </a:r>
+            <a:br>
               <a:rPr lang="en-US" altLang="ja-JP" sz="4800" dirty="0"/>
-              <a:t>	</a:t>
-            </a:r>
+            </a:br>
             <a:r>
               <a:rPr lang="ja-JP" altLang="zh-CN" sz="4800" dirty="0"/>
-              <a:t>レコメンダーシステムの開発</a:t>
+              <a:t>カラーベースレコメンダーシステムの開発</a:t>
             </a:r>
             <a:br>
               <a:rPr lang="zh-CN" altLang="zh-CN" sz="4800" dirty="0"/>
@@ -3885,55 +3926,55 @@
         </p:spPr>
         <p:txBody>
           <a:bodyPr>
-            <a:normAutofit fontScale="92500" lnSpcReduction="10000"/>
+            <a:noAutofit/>
           </a:bodyPr>
           <a:lstStyle/>
           <a:p>
             <a:pPr algn="r"/>
             <a:r>
-              <a:rPr lang="ja-JP" altLang="en-US" dirty="0"/>
+              <a:rPr lang="ja-JP" altLang="en-US" sz="2800" dirty="0"/>
               <a:t>システム情報工学研究科　コンピュータサイエンス専攻</a:t>
             </a:r>
             <a:r>
-              <a:rPr lang="en-US" altLang="ja-JP" dirty="0"/>
+              <a:rPr lang="en-US" altLang="ja-JP" sz="2800" dirty="0"/>
               <a:t>2</a:t>
             </a:r>
             <a:r>
-              <a:rPr lang="ja-JP" altLang="en-US" dirty="0"/>
+              <a:rPr lang="ja-JP" altLang="en-US" sz="2800" dirty="0"/>
               <a:t>年</a:t>
             </a:r>
-            <a:endParaRPr lang="en-US" altLang="ja-JP" dirty="0"/>
+            <a:endParaRPr lang="en-US" altLang="ja-JP" sz="2800" dirty="0"/>
           </a:p>
           <a:p>
             <a:pPr algn="r"/>
             <a:r>
-              <a:rPr lang="en-US" altLang="ja-JP" dirty="0"/>
+              <a:rPr lang="en-US" altLang="ja-JP" sz="2800" dirty="0"/>
               <a:t>201620715</a:t>
             </a:r>
             <a:r>
-              <a:rPr lang="ja-JP" altLang="en-US" dirty="0"/>
+              <a:rPr lang="ja-JP" altLang="en-US" sz="2800" dirty="0"/>
               <a:t>　</a:t>
             </a:r>
             <a:r>
-              <a:rPr lang="en-US" altLang="ja-JP" dirty="0"/>
+              <a:rPr lang="en-US" altLang="ja-JP" sz="2800" dirty="0"/>
               <a:t>DU</a:t>
             </a:r>
             <a:r>
-              <a:rPr lang="ja-JP" altLang="en-US" dirty="0"/>
+              <a:rPr lang="ja-JP" altLang="en-US" sz="2800" dirty="0"/>
               <a:t> </a:t>
             </a:r>
             <a:r>
-              <a:rPr lang="en-US" altLang="ja-JP" dirty="0"/>
+              <a:rPr lang="en-US" altLang="ja-JP" sz="2800" dirty="0"/>
               <a:t>YAN</a:t>
             </a:r>
           </a:p>
           <a:p>
             <a:pPr algn="r"/>
             <a:r>
-              <a:rPr lang="ja-JP" altLang="en-US" dirty="0"/>
+              <a:rPr lang="ja-JP" altLang="en-US" sz="2800" dirty="0"/>
               <a:t>指導教官　蔡東生</a:t>
             </a:r>
-            <a:endParaRPr lang="zh-CN" altLang="en-US" dirty="0"/>
+            <a:endParaRPr lang="zh-CN" altLang="en-US" sz="2800" dirty="0"/>
           </a:p>
         </p:txBody>
       </p:sp>
@@ -3941,6 +3982,2450 @@
     <p:extLst>
       <p:ext uri="{BB962C8B-B14F-4D97-AF65-F5344CB8AC3E}">
         <p14:creationId xmlns:p14="http://schemas.microsoft.com/office/powerpoint/2010/main" val="4220386798"/>
+      </p:ext>
+    </p:extLst>
+  </p:cSld>
+  <p:clrMapOvr>
+    <a:masterClrMapping/>
+  </p:clrMapOvr>
+</p:sld>
+</file>
+
+<file path=ppt/slides/slide10.xml><?xml version="1.0" encoding="utf-8"?>
+<p:sld xmlns:a="http://schemas.openxmlformats.org/drawingml/2006/main" xmlns:r="http://schemas.openxmlformats.org/officeDocument/2006/relationships" xmlns:p="http://schemas.openxmlformats.org/presentationml/2006/main">
+  <p:cSld>
+    <p:spTree>
+      <p:nvGrpSpPr>
+        <p:cNvPr id="1" name=""/>
+        <p:cNvGrpSpPr/>
+        <p:nvPr/>
+      </p:nvGrpSpPr>
+      <p:grpSpPr>
+        <a:xfrm>
+          <a:off x="0" y="0"/>
+          <a:ext cx="0" cy="0"/>
+          <a:chOff x="0" y="0"/>
+          <a:chExt cx="0" cy="0"/>
+        </a:xfrm>
+      </p:grpSpPr>
+      <p:sp>
+        <p:nvSpPr>
+          <p:cNvPr id="2" name="标题 1">
+            <a:extLst>
+              <a:ext uri="{FF2B5EF4-FFF2-40B4-BE49-F238E27FC236}">
+                <a16:creationId xmlns:a16="http://schemas.microsoft.com/office/drawing/2014/main" id="{78969922-AB0E-4BE9-8EC2-170F60C76248}"/>
+              </a:ext>
+            </a:extLst>
+          </p:cNvPr>
+          <p:cNvSpPr>
+            <a:spLocks noGrp="1"/>
+          </p:cNvSpPr>
+          <p:nvPr>
+            <p:ph type="title"/>
+          </p:nvPr>
+        </p:nvSpPr>
+        <p:spPr/>
+        <p:txBody>
+          <a:bodyPr/>
+          <a:lstStyle/>
+          <a:p>
+            <a:r>
+              <a:rPr lang="ja-JP" altLang="en-US" dirty="0"/>
+              <a:t>協調フィルタリング</a:t>
+            </a:r>
+            <a:endParaRPr lang="en-US" altLang="ja-JP" dirty="0"/>
+          </a:p>
+        </p:txBody>
+      </p:sp>
+      <p:sp>
+        <p:nvSpPr>
+          <p:cNvPr id="3" name="内容占位符 2">
+            <a:extLst>
+              <a:ext uri="{FF2B5EF4-FFF2-40B4-BE49-F238E27FC236}">
+                <a16:creationId xmlns:a16="http://schemas.microsoft.com/office/drawing/2014/main" id="{C5EA540F-DA6F-47EF-830F-AD325A64CEE2}"/>
+              </a:ext>
+            </a:extLst>
+          </p:cNvPr>
+          <p:cNvSpPr>
+            <a:spLocks noGrp="1"/>
+          </p:cNvSpPr>
+          <p:nvPr>
+            <p:ph idx="1"/>
+          </p:nvPr>
+        </p:nvSpPr>
+        <p:spPr/>
+        <p:txBody>
+          <a:bodyPr>
+            <a:normAutofit/>
+          </a:bodyPr>
+          <a:lstStyle/>
+          <a:p>
+            <a:pPr>
+              <a:buFont typeface="Wingdings" panose="05000000000000000000" pitchFamily="2" charset="2"/>
+              <a:buChar char="l"/>
+            </a:pPr>
+            <a:r>
+              <a:rPr lang="en-US" altLang="zh-CN" sz="2800" dirty="0" err="1"/>
+              <a:t>Ss</a:t>
+            </a:r>
+            <a:endParaRPr lang="en-US" altLang="zh-CN" sz="2800" dirty="0"/>
+          </a:p>
+          <a:p>
+            <a:pPr>
+              <a:buFont typeface="Wingdings" panose="05000000000000000000" pitchFamily="2" charset="2"/>
+              <a:buChar char="l"/>
+            </a:pPr>
+            <a:endParaRPr lang="zh-CN" altLang="en-US" sz="2800" dirty="0"/>
+          </a:p>
+        </p:txBody>
+      </p:sp>
+    </p:spTree>
+    <p:extLst>
+      <p:ext uri="{BB962C8B-B14F-4D97-AF65-F5344CB8AC3E}">
+        <p14:creationId xmlns:p14="http://schemas.microsoft.com/office/powerpoint/2010/main" val="4019565006"/>
+      </p:ext>
+    </p:extLst>
+  </p:cSld>
+  <p:clrMapOvr>
+    <a:masterClrMapping/>
+  </p:clrMapOvr>
+</p:sld>
+</file>
+
+<file path=ppt/slides/slide11.xml><?xml version="1.0" encoding="utf-8"?>
+<p:sld xmlns:a="http://schemas.openxmlformats.org/drawingml/2006/main" xmlns:r="http://schemas.openxmlformats.org/officeDocument/2006/relationships" xmlns:p="http://schemas.openxmlformats.org/presentationml/2006/main">
+  <p:cSld>
+    <p:spTree>
+      <p:nvGrpSpPr>
+        <p:cNvPr id="1" name=""/>
+        <p:cNvGrpSpPr/>
+        <p:nvPr/>
+      </p:nvGrpSpPr>
+      <p:grpSpPr>
+        <a:xfrm>
+          <a:off x="0" y="0"/>
+          <a:ext cx="0" cy="0"/>
+          <a:chOff x="0" y="0"/>
+          <a:chExt cx="0" cy="0"/>
+        </a:xfrm>
+      </p:grpSpPr>
+      <p:sp>
+        <p:nvSpPr>
+          <p:cNvPr id="2" name="标题 1">
+            <a:extLst>
+              <a:ext uri="{FF2B5EF4-FFF2-40B4-BE49-F238E27FC236}">
+                <a16:creationId xmlns:a16="http://schemas.microsoft.com/office/drawing/2014/main" id="{78969922-AB0E-4BE9-8EC2-170F60C76248}"/>
+              </a:ext>
+            </a:extLst>
+          </p:cNvPr>
+          <p:cNvSpPr>
+            <a:spLocks noGrp="1"/>
+          </p:cNvSpPr>
+          <p:nvPr>
+            <p:ph type="title"/>
+          </p:nvPr>
+        </p:nvSpPr>
+        <p:spPr/>
+        <p:txBody>
+          <a:bodyPr/>
+          <a:lstStyle/>
+          <a:p>
+            <a:r>
+              <a:rPr lang="en-US" altLang="ja-JP" dirty="0"/>
+              <a:t>SVD</a:t>
+            </a:r>
+            <a:r>
+              <a:rPr lang="ja-JP" altLang="en-US" dirty="0"/>
+              <a:t>特異値分解</a:t>
+            </a:r>
+            <a:endParaRPr lang="en-US" altLang="ja-JP" dirty="0"/>
+          </a:p>
+        </p:txBody>
+      </p:sp>
+      <p:pic>
+        <p:nvPicPr>
+          <p:cNvPr id="2051" name="图片 35">
+            <a:extLst>
+              <a:ext uri="{FF2B5EF4-FFF2-40B4-BE49-F238E27FC236}">
+                <a16:creationId xmlns:a16="http://schemas.microsoft.com/office/drawing/2014/main" id="{104E1CBF-63DF-4700-A67E-D83FE4DB2998}"/>
+              </a:ext>
+            </a:extLst>
+          </p:cNvPr>
+          <p:cNvPicPr>
+            <a:picLocks noChangeAspect="1" noChangeArrowheads="1"/>
+          </p:cNvPicPr>
+          <p:nvPr/>
+        </p:nvPicPr>
+        <p:blipFill>
+          <a:blip r:embed="rId2">
+            <a:extLst>
+              <a:ext uri="{28A0092B-C50C-407E-A947-70E740481C1C}">
+                <a14:useLocalDpi xmlns:a14="http://schemas.microsoft.com/office/drawing/2010/main" val="0"/>
+              </a:ext>
+            </a:extLst>
+          </a:blip>
+          <a:srcRect/>
+          <a:stretch>
+            <a:fillRect/>
+          </a:stretch>
+        </p:blipFill>
+        <p:spPr bwMode="auto">
+          <a:xfrm>
+            <a:off x="362959" y="1737360"/>
+            <a:ext cx="6254579" cy="2918987"/>
+          </a:xfrm>
+          <a:prstGeom prst="rect">
+            <a:avLst/>
+          </a:prstGeom>
+          <a:noFill/>
+          <a:ln>
+            <a:noFill/>
+          </a:ln>
+          <a:extLst>
+            <a:ext uri="{909E8E84-426E-40DD-AFC4-6F175D3DCCD1}">
+              <a14:hiddenFill xmlns:a14="http://schemas.microsoft.com/office/drawing/2010/main">
+                <a:solidFill>
+                  <a:srgbClr val="FFFFFF"/>
+                </a:solidFill>
+              </a14:hiddenFill>
+            </a:ext>
+            <a:ext uri="{91240B29-F687-4F45-9708-019B960494DF}">
+              <a14:hiddenLine xmlns:a14="http://schemas.microsoft.com/office/drawing/2010/main" w="9525">
+                <a:solidFill>
+                  <a:srgbClr val="000000"/>
+                </a:solidFill>
+                <a:miter lim="800000"/>
+                <a:headEnd/>
+                <a:tailEnd/>
+              </a14:hiddenLine>
+            </a:ext>
+          </a:extLst>
+        </p:spPr>
+      </p:pic>
+      <p:pic>
+        <p:nvPicPr>
+          <p:cNvPr id="2050" name="图片 1">
+            <a:extLst>
+              <a:ext uri="{FF2B5EF4-FFF2-40B4-BE49-F238E27FC236}">
+                <a16:creationId xmlns:a16="http://schemas.microsoft.com/office/drawing/2014/main" id="{27B0A18A-C377-4A03-A4B3-597940166E63}"/>
+              </a:ext>
+            </a:extLst>
+          </p:cNvPr>
+          <p:cNvPicPr>
+            <a:picLocks noChangeAspect="1" noChangeArrowheads="1"/>
+          </p:cNvPicPr>
+          <p:nvPr/>
+        </p:nvPicPr>
+        <p:blipFill>
+          <a:blip r:embed="rId3">
+            <a:extLst>
+              <a:ext uri="{28A0092B-C50C-407E-A947-70E740481C1C}">
+                <a14:useLocalDpi xmlns:a14="http://schemas.microsoft.com/office/drawing/2010/main" val="0"/>
+              </a:ext>
+            </a:extLst>
+          </a:blip>
+          <a:srcRect/>
+          <a:stretch>
+            <a:fillRect/>
+          </a:stretch>
+        </p:blipFill>
+        <p:spPr bwMode="auto">
+          <a:xfrm>
+            <a:off x="5389449" y="3999729"/>
+            <a:ext cx="6439592" cy="2241824"/>
+          </a:xfrm>
+          <a:prstGeom prst="rect">
+            <a:avLst/>
+          </a:prstGeom>
+          <a:noFill/>
+          <a:ln>
+            <a:noFill/>
+          </a:ln>
+          <a:extLst>
+            <a:ext uri="{909E8E84-426E-40DD-AFC4-6F175D3DCCD1}">
+              <a14:hiddenFill xmlns:a14="http://schemas.microsoft.com/office/drawing/2010/main">
+                <a:solidFill>
+                  <a:srgbClr val="FFFFFF"/>
+                </a:solidFill>
+              </a14:hiddenFill>
+            </a:ext>
+            <a:ext uri="{91240B29-F687-4F45-9708-019B960494DF}">
+              <a14:hiddenLine xmlns:a14="http://schemas.microsoft.com/office/drawing/2010/main" w="9525">
+                <a:solidFill>
+                  <a:srgbClr val="000000"/>
+                </a:solidFill>
+                <a:miter lim="800000"/>
+                <a:headEnd/>
+                <a:tailEnd/>
+              </a14:hiddenLine>
+            </a:ext>
+          </a:extLst>
+        </p:spPr>
+      </p:pic>
+      <p:sp>
+        <p:nvSpPr>
+          <p:cNvPr id="4" name="箭头: 下弧形 3">
+            <a:extLst>
+              <a:ext uri="{FF2B5EF4-FFF2-40B4-BE49-F238E27FC236}">
+                <a16:creationId xmlns:a16="http://schemas.microsoft.com/office/drawing/2014/main" id="{B4611755-EAA2-433D-B7C3-EE0428042EEA}"/>
+              </a:ext>
+            </a:extLst>
+          </p:cNvPr>
+          <p:cNvSpPr/>
+          <p:nvPr/>
+        </p:nvSpPr>
+        <p:spPr>
+          <a:xfrm rot="10800000">
+            <a:off x="6926579" y="3196851"/>
+            <a:ext cx="3382543" cy="1006437"/>
+          </a:xfrm>
+          <a:prstGeom prst="curvedUpArrow">
+            <a:avLst/>
+          </a:prstGeom>
+        </p:spPr>
+        <p:style>
+          <a:lnRef idx="2">
+            <a:schemeClr val="accent1">
+              <a:shade val="50000"/>
+            </a:schemeClr>
+          </a:lnRef>
+          <a:fillRef idx="1">
+            <a:schemeClr val="accent1"/>
+          </a:fillRef>
+          <a:effectRef idx="0">
+            <a:schemeClr val="accent1"/>
+          </a:effectRef>
+          <a:fontRef idx="minor">
+            <a:schemeClr val="lt1"/>
+          </a:fontRef>
+        </p:style>
+        <p:txBody>
+          <a:bodyPr rtlCol="0" anchor="ctr"/>
+          <a:lstStyle/>
+          <a:p>
+            <a:pPr algn="ctr"/>
+            <a:endParaRPr lang="zh-CN" altLang="en-US">
+              <a:solidFill>
+                <a:schemeClr val="tx1"/>
+              </a:solidFill>
+            </a:endParaRPr>
+          </a:p>
+        </p:txBody>
+      </p:sp>
+    </p:spTree>
+    <p:extLst>
+      <p:ext uri="{BB962C8B-B14F-4D97-AF65-F5344CB8AC3E}">
+        <p14:creationId xmlns:p14="http://schemas.microsoft.com/office/powerpoint/2010/main" val="141505368"/>
+      </p:ext>
+    </p:extLst>
+  </p:cSld>
+  <p:clrMapOvr>
+    <a:masterClrMapping/>
+  </p:clrMapOvr>
+</p:sld>
+</file>
+
+<file path=ppt/slides/slide12.xml><?xml version="1.0" encoding="utf-8"?>
+<p:sld xmlns:a="http://schemas.openxmlformats.org/drawingml/2006/main" xmlns:r="http://schemas.openxmlformats.org/officeDocument/2006/relationships" xmlns:p="http://schemas.openxmlformats.org/presentationml/2006/main">
+  <p:cSld>
+    <p:spTree>
+      <p:nvGrpSpPr>
+        <p:cNvPr id="1" name=""/>
+        <p:cNvGrpSpPr/>
+        <p:nvPr/>
+      </p:nvGrpSpPr>
+      <p:grpSpPr>
+        <a:xfrm>
+          <a:off x="0" y="0"/>
+          <a:ext cx="0" cy="0"/>
+          <a:chOff x="0" y="0"/>
+          <a:chExt cx="0" cy="0"/>
+        </a:xfrm>
+      </p:grpSpPr>
+      <p:sp>
+        <p:nvSpPr>
+          <p:cNvPr id="2" name="标题 1">
+            <a:extLst>
+              <a:ext uri="{FF2B5EF4-FFF2-40B4-BE49-F238E27FC236}">
+                <a16:creationId xmlns:a16="http://schemas.microsoft.com/office/drawing/2014/main" id="{78969922-AB0E-4BE9-8EC2-170F60C76248}"/>
+              </a:ext>
+            </a:extLst>
+          </p:cNvPr>
+          <p:cNvSpPr>
+            <a:spLocks noGrp="1"/>
+          </p:cNvSpPr>
+          <p:nvPr>
+            <p:ph type="title"/>
+          </p:nvPr>
+        </p:nvSpPr>
+        <p:spPr/>
+        <p:txBody>
+          <a:bodyPr/>
+          <a:lstStyle/>
+          <a:p>
+            <a:r>
+              <a:rPr lang="en-US" altLang="ja-JP" dirty="0"/>
+              <a:t>Restricted </a:t>
+            </a:r>
+            <a:r>
+              <a:rPr lang="en-US" altLang="ja-JP" dirty="0" err="1"/>
+              <a:t>Boltzman</a:t>
+            </a:r>
+            <a:r>
+              <a:rPr lang="en-US" altLang="ja-JP" dirty="0"/>
+              <a:t> Machines</a:t>
+            </a:r>
+            <a:endParaRPr lang="zh-CN" altLang="en-US" dirty="0"/>
+          </a:p>
+        </p:txBody>
+      </p:sp>
+      <p:pic>
+        <p:nvPicPr>
+          <p:cNvPr id="4" name="图片 3">
+            <a:extLst>
+              <a:ext uri="{FF2B5EF4-FFF2-40B4-BE49-F238E27FC236}">
+                <a16:creationId xmlns:a16="http://schemas.microsoft.com/office/drawing/2014/main" id="{19D42638-6DE4-485C-AC30-CF086DBD3E4D}"/>
+              </a:ext>
+            </a:extLst>
+          </p:cNvPr>
+          <p:cNvPicPr>
+            <a:picLocks noChangeAspect="1"/>
+          </p:cNvPicPr>
+          <p:nvPr/>
+        </p:nvPicPr>
+        <p:blipFill>
+          <a:blip r:embed="rId2"/>
+          <a:stretch>
+            <a:fillRect/>
+          </a:stretch>
+        </p:blipFill>
+        <p:spPr>
+          <a:xfrm>
+            <a:off x="1684799" y="1903614"/>
+            <a:ext cx="7326197" cy="4409607"/>
+          </a:xfrm>
+          <a:prstGeom prst="rect">
+            <a:avLst/>
+          </a:prstGeom>
+        </p:spPr>
+      </p:pic>
+    </p:spTree>
+    <p:extLst>
+      <p:ext uri="{BB962C8B-B14F-4D97-AF65-F5344CB8AC3E}">
+        <p14:creationId xmlns:p14="http://schemas.microsoft.com/office/powerpoint/2010/main" val="533531315"/>
+      </p:ext>
+    </p:extLst>
+  </p:cSld>
+  <p:clrMapOvr>
+    <a:masterClrMapping/>
+  </p:clrMapOvr>
+</p:sld>
+</file>
+
+<file path=ppt/slides/slide13.xml><?xml version="1.0" encoding="utf-8"?>
+<p:sld xmlns:a="http://schemas.openxmlformats.org/drawingml/2006/main" xmlns:r="http://schemas.openxmlformats.org/officeDocument/2006/relationships" xmlns:p="http://schemas.openxmlformats.org/presentationml/2006/main">
+  <p:cSld>
+    <p:spTree>
+      <p:nvGrpSpPr>
+        <p:cNvPr id="1" name=""/>
+        <p:cNvGrpSpPr/>
+        <p:nvPr/>
+      </p:nvGrpSpPr>
+      <p:grpSpPr>
+        <a:xfrm>
+          <a:off x="0" y="0"/>
+          <a:ext cx="0" cy="0"/>
+          <a:chOff x="0" y="0"/>
+          <a:chExt cx="0" cy="0"/>
+        </a:xfrm>
+      </p:grpSpPr>
+      <p:sp>
+        <p:nvSpPr>
+          <p:cNvPr id="2" name="标题 1">
+            <a:extLst>
+              <a:ext uri="{FF2B5EF4-FFF2-40B4-BE49-F238E27FC236}">
+                <a16:creationId xmlns:a16="http://schemas.microsoft.com/office/drawing/2014/main" id="{8961A1C8-2EE3-40FC-AA45-4CCE63CCF7EB}"/>
+              </a:ext>
+            </a:extLst>
+          </p:cNvPr>
+          <p:cNvSpPr>
+            <a:spLocks noGrp="1"/>
+          </p:cNvSpPr>
+          <p:nvPr>
+            <p:ph type="title"/>
+          </p:nvPr>
+        </p:nvSpPr>
+        <p:spPr/>
+        <p:txBody>
+          <a:bodyPr>
+            <a:normAutofit/>
+          </a:bodyPr>
+          <a:lstStyle/>
+          <a:p>
+            <a:r>
+              <a:rPr lang="ja-JP" altLang="en-US" sz="7200" dirty="0"/>
+              <a:t>レコメンダ</a:t>
+            </a:r>
+            <a:r>
+              <a:rPr lang="en-US" altLang="ja-JP" sz="7200" dirty="0"/>
+              <a:t>―</a:t>
+            </a:r>
+            <a:r>
+              <a:rPr lang="ja-JP" altLang="en-US" sz="7200" dirty="0"/>
+              <a:t>システム設計</a:t>
+            </a:r>
+            <a:endParaRPr lang="en-US" altLang="ja-JP" sz="7200" dirty="0"/>
+          </a:p>
+        </p:txBody>
+      </p:sp>
+      <p:sp>
+        <p:nvSpPr>
+          <p:cNvPr id="3" name="文本占位符 2">
+            <a:extLst>
+              <a:ext uri="{FF2B5EF4-FFF2-40B4-BE49-F238E27FC236}">
+                <a16:creationId xmlns:a16="http://schemas.microsoft.com/office/drawing/2014/main" id="{20B84D2A-CAB4-473E-A70C-EC2C747CAB00}"/>
+              </a:ext>
+            </a:extLst>
+          </p:cNvPr>
+          <p:cNvSpPr>
+            <a:spLocks noGrp="1"/>
+          </p:cNvSpPr>
+          <p:nvPr>
+            <p:ph type="body" idx="1"/>
+          </p:nvPr>
+        </p:nvSpPr>
+        <p:spPr/>
+        <p:txBody>
+          <a:bodyPr/>
+          <a:lstStyle/>
+          <a:p>
+            <a:endParaRPr lang="zh-CN" altLang="en-US" dirty="0"/>
+          </a:p>
+        </p:txBody>
+      </p:sp>
+    </p:spTree>
+    <p:extLst>
+      <p:ext uri="{BB962C8B-B14F-4D97-AF65-F5344CB8AC3E}">
+        <p14:creationId xmlns:p14="http://schemas.microsoft.com/office/powerpoint/2010/main" val="2110874189"/>
+      </p:ext>
+    </p:extLst>
+  </p:cSld>
+  <p:clrMapOvr>
+    <a:masterClrMapping/>
+  </p:clrMapOvr>
+</p:sld>
+</file>
+
+<file path=ppt/slides/slide14.xml><?xml version="1.0" encoding="utf-8"?>
+<p:sld xmlns:a="http://schemas.openxmlformats.org/drawingml/2006/main" xmlns:r="http://schemas.openxmlformats.org/officeDocument/2006/relationships" xmlns:p="http://schemas.openxmlformats.org/presentationml/2006/main">
+  <p:cSld>
+    <p:spTree>
+      <p:nvGrpSpPr>
+        <p:cNvPr id="1" name=""/>
+        <p:cNvGrpSpPr/>
+        <p:nvPr/>
+      </p:nvGrpSpPr>
+      <p:grpSpPr>
+        <a:xfrm>
+          <a:off x="0" y="0"/>
+          <a:ext cx="0" cy="0"/>
+          <a:chOff x="0" y="0"/>
+          <a:chExt cx="0" cy="0"/>
+        </a:xfrm>
+      </p:grpSpPr>
+      <p:sp>
+        <p:nvSpPr>
+          <p:cNvPr id="2" name="标题 1">
+            <a:extLst>
+              <a:ext uri="{FF2B5EF4-FFF2-40B4-BE49-F238E27FC236}">
+                <a16:creationId xmlns:a16="http://schemas.microsoft.com/office/drawing/2014/main" id="{FFF3CDD6-343E-4651-A86A-26913441292B}"/>
+              </a:ext>
+            </a:extLst>
+          </p:cNvPr>
+          <p:cNvSpPr>
+            <a:spLocks noGrp="1"/>
+          </p:cNvSpPr>
+          <p:nvPr>
+            <p:ph type="title"/>
+          </p:nvPr>
+        </p:nvSpPr>
+        <p:spPr/>
+        <p:txBody>
+          <a:bodyPr/>
+          <a:lstStyle/>
+          <a:p>
+            <a:r>
+              <a:rPr lang="ja-JP" altLang="en-US" dirty="0"/>
+              <a:t>ユーザーベースフィルタリング</a:t>
+            </a:r>
+            <a:endParaRPr lang="zh-CN" altLang="en-US" dirty="0"/>
+          </a:p>
+        </p:txBody>
+      </p:sp>
+      <p:sp>
+        <p:nvSpPr>
+          <p:cNvPr id="4" name="Rectangle 4">
+            <a:extLst>
+              <a:ext uri="{FF2B5EF4-FFF2-40B4-BE49-F238E27FC236}">
+                <a16:creationId xmlns:a16="http://schemas.microsoft.com/office/drawing/2014/main" id="{534FE418-A04F-43FA-9607-33635DCDA6A4}"/>
+              </a:ext>
+            </a:extLst>
+          </p:cNvPr>
+          <p:cNvSpPr>
+            <a:spLocks noChangeArrowheads="1"/>
+          </p:cNvSpPr>
+          <p:nvPr/>
+        </p:nvSpPr>
+        <p:spPr bwMode="auto">
+          <a:xfrm>
+            <a:off x="7561943" y="2304089"/>
+            <a:ext cx="12192000" cy="0"/>
+          </a:xfrm>
+          <a:prstGeom prst="rect">
+            <a:avLst/>
+          </a:prstGeom>
+          <a:noFill/>
+          <a:ln>
+            <a:noFill/>
+          </a:ln>
+          <a:effectLst/>
+          <a:extLst>
+            <a:ext uri="{909E8E84-426E-40DD-AFC4-6F175D3DCCD1}">
+              <a14:hiddenFill xmlns:a14="http://schemas.microsoft.com/office/drawing/2010/main">
+                <a:solidFill>
+                  <a:schemeClr val="accent1"/>
+                </a:solidFill>
+              </a14:hiddenFill>
+            </a:ext>
+            <a:ext uri="{91240B29-F687-4F45-9708-019B960494DF}">
+              <a14:hiddenLine xmlns:a14="http://schemas.microsoft.com/office/drawing/2010/main" w="9525">
+                <a:solidFill>
+                  <a:schemeClr val="tx1"/>
+                </a:solidFill>
+                <a:miter lim="800000"/>
+                <a:headEnd/>
+                <a:tailEnd/>
+              </a14:hiddenLine>
+            </a:ext>
+            <a:ext uri="{AF507438-7753-43E0-B8FC-AC1667EBCBE1}">
+              <a14:hiddenEffects xmlns:a14="http://schemas.microsoft.com/office/drawing/2010/main">
+                <a:effectLst>
+                  <a:outerShdw dist="35921" dir="2700000" algn="ctr" rotWithShape="0">
+                    <a:schemeClr val="bg2"/>
+                  </a:outerShdw>
+                </a:effectLst>
+              </a14:hiddenEffects>
+            </a:ext>
+          </a:extLst>
+        </p:spPr>
+        <p:txBody>
+          <a:bodyPr vert="horz" wrap="none" lIns="91440" tIns="45720" rIns="91440" bIns="45720" numCol="1" anchor="ctr" anchorCtr="0" compatLnSpc="1">
+            <a:prstTxWarp prst="textNoShape">
+              <a:avLst/>
+            </a:prstTxWarp>
+            <a:spAutoFit/>
+          </a:bodyPr>
+          <a:lstStyle/>
+          <a:p>
+            <a:endParaRPr lang="zh-CN" altLang="en-US"/>
+          </a:p>
+        </p:txBody>
+      </p:sp>
+      <p:graphicFrame>
+        <p:nvGraphicFramePr>
+          <p:cNvPr id="5" name="对象 4">
+            <a:extLst>
+              <a:ext uri="{FF2B5EF4-FFF2-40B4-BE49-F238E27FC236}">
+                <a16:creationId xmlns:a16="http://schemas.microsoft.com/office/drawing/2014/main" id="{0BC87C44-ACDF-4ADA-91B2-91A6764258DD}"/>
+              </a:ext>
+            </a:extLst>
+          </p:cNvPr>
+          <p:cNvGraphicFramePr>
+            <a:graphicFrameLocks noChangeAspect="1"/>
+          </p:cNvGraphicFramePr>
+          <p:nvPr>
+            <p:extLst>
+              <p:ext uri="{D42A27DB-BD31-4B8C-83A1-F6EECF244321}">
+                <p14:modId xmlns:p14="http://schemas.microsoft.com/office/powerpoint/2010/main" val="3268616561"/>
+              </p:ext>
+            </p:extLst>
+          </p:nvPr>
+        </p:nvGraphicFramePr>
+        <p:xfrm>
+          <a:off x="4740767" y="4827361"/>
+          <a:ext cx="4308684" cy="947110"/>
+        </p:xfrm>
+        <a:graphic>
+          <a:graphicData uri="http://schemas.openxmlformats.org/presentationml/2006/ole">
+            <mc:AlternateContent xmlns:mc="http://schemas.openxmlformats.org/markup-compatibility/2006">
+              <mc:Choice xmlns:v="urn:schemas-microsoft-com:vml" Requires="v">
+                <p:oleObj spid="_x0000_s1163" name="公式" r:id="rId3" imgW="2616200" imgH="533400" progId="Equation.3">
+                  <p:embed/>
+                </p:oleObj>
+              </mc:Choice>
+              <mc:Fallback>
+                <p:oleObj name="公式" r:id="rId3" imgW="2616200" imgH="533400" progId="Equation.3">
+                  <p:embed/>
+                  <p:pic>
+                    <p:nvPicPr>
+                      <p:cNvPr id="0" name="Object 3"/>
+                      <p:cNvPicPr>
+                        <a:picLocks noChangeAspect="1" noChangeArrowheads="1"/>
+                      </p:cNvPicPr>
+                      <p:nvPr/>
+                    </p:nvPicPr>
+                    <p:blipFill>
+                      <a:blip r:embed="rId4">
+                        <a:extLst>
+                          <a:ext uri="{28A0092B-C50C-407E-A947-70E740481C1C}">
+                            <a14:useLocalDpi xmlns:a14="http://schemas.microsoft.com/office/drawing/2010/main" val="0"/>
+                          </a:ext>
+                        </a:extLst>
+                      </a:blip>
+                      <a:srcRect/>
+                      <a:stretch>
+                        <a:fillRect/>
+                      </a:stretch>
+                    </p:blipFill>
+                    <p:spPr bwMode="auto">
+                      <a:xfrm>
+                        <a:off x="4740767" y="4827361"/>
+                        <a:ext cx="4308684" cy="947110"/>
+                      </a:xfrm>
+                      <a:prstGeom prst="rect">
+                        <a:avLst/>
+                      </a:prstGeom>
+                      <a:noFill/>
+                    </p:spPr>
+                  </p:pic>
+                </p:oleObj>
+              </mc:Fallback>
+            </mc:AlternateContent>
+          </a:graphicData>
+        </a:graphic>
+      </p:graphicFrame>
+      <p:sp>
+        <p:nvSpPr>
+          <p:cNvPr id="6" name="Rectangle 6">
+            <a:extLst>
+              <a:ext uri="{FF2B5EF4-FFF2-40B4-BE49-F238E27FC236}">
+                <a16:creationId xmlns:a16="http://schemas.microsoft.com/office/drawing/2014/main" id="{AEE186F6-EBA8-4D3A-A446-D600D575E3D3}"/>
+              </a:ext>
+            </a:extLst>
+          </p:cNvPr>
+          <p:cNvSpPr>
+            <a:spLocks noChangeArrowheads="1"/>
+          </p:cNvSpPr>
+          <p:nvPr/>
+        </p:nvSpPr>
+        <p:spPr bwMode="auto">
+          <a:xfrm>
+            <a:off x="7561943" y="3367260"/>
+            <a:ext cx="12192000" cy="0"/>
+          </a:xfrm>
+          <a:prstGeom prst="rect">
+            <a:avLst/>
+          </a:prstGeom>
+          <a:noFill/>
+          <a:ln>
+            <a:noFill/>
+          </a:ln>
+          <a:effectLst/>
+          <a:extLst>
+            <a:ext uri="{909E8E84-426E-40DD-AFC4-6F175D3DCCD1}">
+              <a14:hiddenFill xmlns:a14="http://schemas.microsoft.com/office/drawing/2010/main">
+                <a:solidFill>
+                  <a:schemeClr val="accent1"/>
+                </a:solidFill>
+              </a14:hiddenFill>
+            </a:ext>
+            <a:ext uri="{91240B29-F687-4F45-9708-019B960494DF}">
+              <a14:hiddenLine xmlns:a14="http://schemas.microsoft.com/office/drawing/2010/main" w="9525">
+                <a:solidFill>
+                  <a:schemeClr val="tx1"/>
+                </a:solidFill>
+                <a:miter lim="800000"/>
+                <a:headEnd/>
+                <a:tailEnd/>
+              </a14:hiddenLine>
+            </a:ext>
+            <a:ext uri="{AF507438-7753-43E0-B8FC-AC1667EBCBE1}">
+              <a14:hiddenEffects xmlns:a14="http://schemas.microsoft.com/office/drawing/2010/main">
+                <a:effectLst>
+                  <a:outerShdw dist="35921" dir="2700000" algn="ctr" rotWithShape="0">
+                    <a:schemeClr val="bg2"/>
+                  </a:outerShdw>
+                </a:effectLst>
+              </a14:hiddenEffects>
+            </a:ext>
+          </a:extLst>
+        </p:spPr>
+        <p:txBody>
+          <a:bodyPr vert="horz" wrap="none" lIns="91440" tIns="45720" rIns="91440" bIns="45720" numCol="1" anchor="ctr" anchorCtr="0" compatLnSpc="1">
+            <a:prstTxWarp prst="textNoShape">
+              <a:avLst/>
+            </a:prstTxWarp>
+            <a:spAutoFit/>
+          </a:bodyPr>
+          <a:lstStyle/>
+          <a:p>
+            <a:endParaRPr lang="zh-CN" altLang="en-US"/>
+          </a:p>
+        </p:txBody>
+      </p:sp>
+      <p:graphicFrame>
+        <p:nvGraphicFramePr>
+          <p:cNvPr id="7" name="对象 6">
+            <a:extLst>
+              <a:ext uri="{FF2B5EF4-FFF2-40B4-BE49-F238E27FC236}">
+                <a16:creationId xmlns:a16="http://schemas.microsoft.com/office/drawing/2014/main" id="{33EA23EE-3F79-473B-9B63-631E93BB1E23}"/>
+              </a:ext>
+            </a:extLst>
+          </p:cNvPr>
+          <p:cNvGraphicFramePr>
+            <a:graphicFrameLocks noChangeAspect="1"/>
+          </p:cNvGraphicFramePr>
+          <p:nvPr>
+            <p:extLst>
+              <p:ext uri="{D42A27DB-BD31-4B8C-83A1-F6EECF244321}">
+                <p14:modId xmlns:p14="http://schemas.microsoft.com/office/powerpoint/2010/main" val="1682344809"/>
+              </p:ext>
+            </p:extLst>
+          </p:nvPr>
+        </p:nvGraphicFramePr>
+        <p:xfrm>
+          <a:off x="1355031" y="4882466"/>
+          <a:ext cx="2531472" cy="892677"/>
+        </p:xfrm>
+        <a:graphic>
+          <a:graphicData uri="http://schemas.openxmlformats.org/presentationml/2006/ole">
+            <mc:AlternateContent xmlns:mc="http://schemas.openxmlformats.org/markup-compatibility/2006">
+              <mc:Choice xmlns:v="urn:schemas-microsoft-com:vml" Requires="v">
+                <p:oleObj spid="_x0000_s1164" name="公式" r:id="rId5" imgW="1295280" imgH="457200" progId="Equation.3">
+                  <p:embed/>
+                </p:oleObj>
+              </mc:Choice>
+              <mc:Fallback>
+                <p:oleObj name="公式" r:id="rId5" imgW="1295280" imgH="457200" progId="Equation.3">
+                  <p:embed/>
+                  <p:pic>
+                    <p:nvPicPr>
+                      <p:cNvPr id="0" name="对象 8"/>
+                      <p:cNvPicPr>
+                        <a:picLocks noChangeAspect="1" noChangeArrowheads="1"/>
+                      </p:cNvPicPr>
+                      <p:nvPr/>
+                    </p:nvPicPr>
+                    <p:blipFill>
+                      <a:blip r:embed="rId6">
+                        <a:extLst>
+                          <a:ext uri="{28A0092B-C50C-407E-A947-70E740481C1C}">
+                            <a14:useLocalDpi xmlns:a14="http://schemas.microsoft.com/office/drawing/2010/main" val="0"/>
+                          </a:ext>
+                        </a:extLst>
+                      </a:blip>
+                      <a:srcRect/>
+                      <a:stretch>
+                        <a:fillRect/>
+                      </a:stretch>
+                    </p:blipFill>
+                    <p:spPr bwMode="auto">
+                      <a:xfrm>
+                        <a:off x="1355031" y="4882466"/>
+                        <a:ext cx="2531472" cy="892677"/>
+                      </a:xfrm>
+                      <a:prstGeom prst="rect">
+                        <a:avLst/>
+                      </a:prstGeom>
+                      <a:noFill/>
+                    </p:spPr>
+                  </p:pic>
+                </p:oleObj>
+              </mc:Fallback>
+            </mc:AlternateContent>
+          </a:graphicData>
+        </a:graphic>
+      </p:graphicFrame>
+      <p:grpSp>
+        <p:nvGrpSpPr>
+          <p:cNvPr id="3" name="组合 2">
+            <a:extLst>
+              <a:ext uri="{FF2B5EF4-FFF2-40B4-BE49-F238E27FC236}">
+                <a16:creationId xmlns:a16="http://schemas.microsoft.com/office/drawing/2014/main" id="{EFCA9996-8C3E-4DFF-B296-FA0E2961393C}"/>
+              </a:ext>
+            </a:extLst>
+          </p:cNvPr>
+          <p:cNvGrpSpPr/>
+          <p:nvPr/>
+        </p:nvGrpSpPr>
+        <p:grpSpPr>
+          <a:xfrm>
+            <a:off x="899591" y="1915317"/>
+            <a:ext cx="7413135" cy="2795984"/>
+            <a:chOff x="725714" y="2284435"/>
+            <a:chExt cx="6645726" cy="2316590"/>
+          </a:xfrm>
+        </p:grpSpPr>
+        <p:pic>
+          <p:nvPicPr>
+            <p:cNvPr id="1026" name="图片 26">
+              <a:extLst>
+                <a:ext uri="{FF2B5EF4-FFF2-40B4-BE49-F238E27FC236}">
+                  <a16:creationId xmlns:a16="http://schemas.microsoft.com/office/drawing/2014/main" id="{34C745FE-8AC4-4E16-937A-4F0F28CD7FFD}"/>
+                </a:ext>
+              </a:extLst>
+            </p:cNvPr>
+            <p:cNvPicPr>
+              <a:picLocks noChangeAspect="1" noChangeArrowheads="1"/>
+            </p:cNvPicPr>
+            <p:nvPr/>
+          </p:nvPicPr>
+          <p:blipFill>
+            <a:blip r:embed="rId7">
+              <a:extLst>
+                <a:ext uri="{28A0092B-C50C-407E-A947-70E740481C1C}">
+                  <a14:useLocalDpi xmlns:a14="http://schemas.microsoft.com/office/drawing/2010/main" val="0"/>
+                </a:ext>
+              </a:extLst>
+            </a:blip>
+            <a:srcRect/>
+            <a:stretch>
+              <a:fillRect/>
+            </a:stretch>
+          </p:blipFill>
+          <p:spPr bwMode="auto">
+            <a:xfrm>
+              <a:off x="800343" y="2284435"/>
+              <a:ext cx="6571097" cy="2316590"/>
+            </a:xfrm>
+            <a:prstGeom prst="rect">
+              <a:avLst/>
+            </a:prstGeom>
+            <a:noFill/>
+            <a:ln>
+              <a:noFill/>
+            </a:ln>
+            <a:extLst>
+              <a:ext uri="{909E8E84-426E-40DD-AFC4-6F175D3DCCD1}">
+                <a14:hiddenFill xmlns:a14="http://schemas.microsoft.com/office/drawing/2010/main">
+                  <a:solidFill>
+                    <a:srgbClr val="FFFFFF"/>
+                  </a:solidFill>
+                </a14:hiddenFill>
+              </a:ext>
+              <a:ext uri="{91240B29-F687-4F45-9708-019B960494DF}">
+                <a14:hiddenLine xmlns:a14="http://schemas.microsoft.com/office/drawing/2010/main" w="9525">
+                  <a:solidFill>
+                    <a:srgbClr val="000000"/>
+                  </a:solidFill>
+                  <a:miter lim="800000"/>
+                  <a:headEnd/>
+                  <a:tailEnd/>
+                </a14:hiddenLine>
+              </a:ext>
+            </a:extLst>
+          </p:spPr>
+        </p:pic>
+        <p:sp>
+          <p:nvSpPr>
+            <p:cNvPr id="8" name="矩形: 圆角 7">
+              <a:extLst>
+                <a:ext uri="{FF2B5EF4-FFF2-40B4-BE49-F238E27FC236}">
+                  <a16:creationId xmlns:a16="http://schemas.microsoft.com/office/drawing/2014/main" id="{24425547-19A8-437D-8632-D7AD890619D0}"/>
+                </a:ext>
+              </a:extLst>
+            </p:cNvPr>
+            <p:cNvSpPr/>
+            <p:nvPr/>
+          </p:nvSpPr>
+          <p:spPr>
+            <a:xfrm>
+              <a:off x="725714" y="2685142"/>
+              <a:ext cx="6386286" cy="406400"/>
+            </a:xfrm>
+            <a:prstGeom prst="roundRect">
+              <a:avLst/>
+            </a:prstGeom>
+            <a:noFill/>
+            <a:ln w="38100">
+              <a:solidFill>
+                <a:srgbClr val="FF0000"/>
+              </a:solidFill>
+            </a:ln>
+          </p:spPr>
+          <p:style>
+            <a:lnRef idx="2">
+              <a:schemeClr val="accent1">
+                <a:shade val="50000"/>
+              </a:schemeClr>
+            </a:lnRef>
+            <a:fillRef idx="1">
+              <a:schemeClr val="accent1"/>
+            </a:fillRef>
+            <a:effectRef idx="0">
+              <a:schemeClr val="accent1"/>
+            </a:effectRef>
+            <a:fontRef idx="minor">
+              <a:schemeClr val="lt1"/>
+            </a:fontRef>
+          </p:style>
+          <p:txBody>
+            <a:bodyPr rtlCol="0" anchor="ctr"/>
+            <a:lstStyle/>
+            <a:p>
+              <a:pPr algn="ctr"/>
+              <a:endParaRPr lang="zh-CN" altLang="en-US"/>
+            </a:p>
+          </p:txBody>
+        </p:sp>
+        <p:sp>
+          <p:nvSpPr>
+            <p:cNvPr id="10" name="矩形: 圆角 9">
+              <a:extLst>
+                <a:ext uri="{FF2B5EF4-FFF2-40B4-BE49-F238E27FC236}">
+                  <a16:creationId xmlns:a16="http://schemas.microsoft.com/office/drawing/2014/main" id="{605A5D0F-ED97-4CBA-9908-57897A3C016D}"/>
+                </a:ext>
+              </a:extLst>
+            </p:cNvPr>
+            <p:cNvSpPr/>
+            <p:nvPr/>
+          </p:nvSpPr>
+          <p:spPr>
+            <a:xfrm>
+              <a:off x="740228" y="3171370"/>
+              <a:ext cx="6386286" cy="406400"/>
+            </a:xfrm>
+            <a:prstGeom prst="roundRect">
+              <a:avLst/>
+            </a:prstGeom>
+            <a:noFill/>
+            <a:ln w="38100">
+              <a:solidFill>
+                <a:srgbClr val="0070C0"/>
+              </a:solidFill>
+            </a:ln>
+          </p:spPr>
+          <p:style>
+            <a:lnRef idx="2">
+              <a:schemeClr val="accent1">
+                <a:shade val="50000"/>
+              </a:schemeClr>
+            </a:lnRef>
+            <a:fillRef idx="1">
+              <a:schemeClr val="accent1"/>
+            </a:fillRef>
+            <a:effectRef idx="0">
+              <a:schemeClr val="accent1"/>
+            </a:effectRef>
+            <a:fontRef idx="minor">
+              <a:schemeClr val="lt1"/>
+            </a:fontRef>
+          </p:style>
+          <p:txBody>
+            <a:bodyPr rtlCol="0" anchor="ctr"/>
+            <a:lstStyle/>
+            <a:p>
+              <a:pPr algn="ctr"/>
+              <a:endParaRPr lang="zh-CN" altLang="en-US"/>
+            </a:p>
+          </p:txBody>
+        </p:sp>
+        <p:sp>
+          <p:nvSpPr>
+            <p:cNvPr id="9" name="矩形: 圆角 8">
+              <a:extLst>
+                <a:ext uri="{FF2B5EF4-FFF2-40B4-BE49-F238E27FC236}">
+                  <a16:creationId xmlns:a16="http://schemas.microsoft.com/office/drawing/2014/main" id="{10D1195D-54A7-4250-8B5A-26EA957FE5D7}"/>
+                </a:ext>
+              </a:extLst>
+            </p:cNvPr>
+            <p:cNvSpPr/>
+            <p:nvPr/>
+          </p:nvSpPr>
+          <p:spPr>
+            <a:xfrm>
+              <a:off x="1913921" y="2626177"/>
+              <a:ext cx="478972" cy="974271"/>
+            </a:xfrm>
+            <a:prstGeom prst="roundRect">
+              <a:avLst/>
+            </a:prstGeom>
+            <a:noFill/>
+            <a:ln w="38100">
+              <a:solidFill>
+                <a:srgbClr val="7030A0"/>
+              </a:solidFill>
+              <a:prstDash val="dash"/>
+            </a:ln>
+          </p:spPr>
+          <p:style>
+            <a:lnRef idx="2">
+              <a:schemeClr val="accent1">
+                <a:shade val="50000"/>
+              </a:schemeClr>
+            </a:lnRef>
+            <a:fillRef idx="1">
+              <a:schemeClr val="accent1"/>
+            </a:fillRef>
+            <a:effectRef idx="0">
+              <a:schemeClr val="accent1"/>
+            </a:effectRef>
+            <a:fontRef idx="minor">
+              <a:schemeClr val="lt1"/>
+            </a:fontRef>
+          </p:style>
+          <p:txBody>
+            <a:bodyPr rtlCol="0" anchor="ctr"/>
+            <a:lstStyle/>
+            <a:p>
+              <a:pPr algn="ctr"/>
+              <a:endParaRPr lang="zh-CN" altLang="en-US"/>
+            </a:p>
+          </p:txBody>
+        </p:sp>
+        <p:sp>
+          <p:nvSpPr>
+            <p:cNvPr id="12" name="矩形: 圆角 11">
+              <a:extLst>
+                <a:ext uri="{FF2B5EF4-FFF2-40B4-BE49-F238E27FC236}">
+                  <a16:creationId xmlns:a16="http://schemas.microsoft.com/office/drawing/2014/main" id="{B91B8C6A-307E-436F-91D1-1A87BE3604B5}"/>
+                </a:ext>
+              </a:extLst>
+            </p:cNvPr>
+            <p:cNvSpPr/>
+            <p:nvPr/>
+          </p:nvSpPr>
+          <p:spPr>
+            <a:xfrm>
+              <a:off x="2966110" y="2640692"/>
+              <a:ext cx="478972" cy="974271"/>
+            </a:xfrm>
+            <a:prstGeom prst="roundRect">
+              <a:avLst/>
+            </a:prstGeom>
+            <a:noFill/>
+            <a:ln w="38100">
+              <a:solidFill>
+                <a:srgbClr val="7030A0"/>
+              </a:solidFill>
+              <a:prstDash val="dash"/>
+            </a:ln>
+          </p:spPr>
+          <p:style>
+            <a:lnRef idx="2">
+              <a:schemeClr val="accent1">
+                <a:shade val="50000"/>
+              </a:schemeClr>
+            </a:lnRef>
+            <a:fillRef idx="1">
+              <a:schemeClr val="accent1"/>
+            </a:fillRef>
+            <a:effectRef idx="0">
+              <a:schemeClr val="accent1"/>
+            </a:effectRef>
+            <a:fontRef idx="minor">
+              <a:schemeClr val="lt1"/>
+            </a:fontRef>
+          </p:style>
+          <p:txBody>
+            <a:bodyPr rtlCol="0" anchor="ctr"/>
+            <a:lstStyle/>
+            <a:p>
+              <a:pPr algn="ctr"/>
+              <a:endParaRPr lang="zh-CN" altLang="en-US"/>
+            </a:p>
+          </p:txBody>
+        </p:sp>
+      </p:grpSp>
+    </p:spTree>
+    <p:extLst>
+      <p:ext uri="{BB962C8B-B14F-4D97-AF65-F5344CB8AC3E}">
+        <p14:creationId xmlns:p14="http://schemas.microsoft.com/office/powerpoint/2010/main" val="3721517954"/>
+      </p:ext>
+    </p:extLst>
+  </p:cSld>
+  <p:clrMapOvr>
+    <a:masterClrMapping/>
+  </p:clrMapOvr>
+</p:sld>
+</file>
+
+<file path=ppt/slides/slide15.xml><?xml version="1.0" encoding="utf-8"?>
+<p:sld xmlns:a="http://schemas.openxmlformats.org/drawingml/2006/main" xmlns:r="http://schemas.openxmlformats.org/officeDocument/2006/relationships" xmlns:p="http://schemas.openxmlformats.org/presentationml/2006/main">
+  <p:cSld>
+    <p:spTree>
+      <p:nvGrpSpPr>
+        <p:cNvPr id="1" name=""/>
+        <p:cNvGrpSpPr/>
+        <p:nvPr/>
+      </p:nvGrpSpPr>
+      <p:grpSpPr>
+        <a:xfrm>
+          <a:off x="0" y="0"/>
+          <a:ext cx="0" cy="0"/>
+          <a:chOff x="0" y="0"/>
+          <a:chExt cx="0" cy="0"/>
+        </a:xfrm>
+      </p:grpSpPr>
+      <p:sp>
+        <p:nvSpPr>
+          <p:cNvPr id="2" name="标题 1">
+            <a:extLst>
+              <a:ext uri="{FF2B5EF4-FFF2-40B4-BE49-F238E27FC236}">
+                <a16:creationId xmlns:a16="http://schemas.microsoft.com/office/drawing/2014/main" id="{FFF3CDD6-343E-4651-A86A-26913441292B}"/>
+              </a:ext>
+            </a:extLst>
+          </p:cNvPr>
+          <p:cNvSpPr>
+            <a:spLocks noGrp="1"/>
+          </p:cNvSpPr>
+          <p:nvPr>
+            <p:ph type="title"/>
+          </p:nvPr>
+        </p:nvSpPr>
+        <p:spPr/>
+        <p:txBody>
+          <a:bodyPr/>
+          <a:lstStyle/>
+          <a:p>
+            <a:r>
+              <a:rPr lang="ja-JP" altLang="en-US" dirty="0"/>
+              <a:t>コンテンツベースフィルタリング</a:t>
+            </a:r>
+            <a:endParaRPr lang="zh-CN" altLang="en-US" dirty="0"/>
+          </a:p>
+        </p:txBody>
+      </p:sp>
+      <p:grpSp>
+        <p:nvGrpSpPr>
+          <p:cNvPr id="5" name="组合 4">
+            <a:extLst>
+              <a:ext uri="{FF2B5EF4-FFF2-40B4-BE49-F238E27FC236}">
+                <a16:creationId xmlns:a16="http://schemas.microsoft.com/office/drawing/2014/main" id="{C9E1B642-721D-4CDF-8062-2E3FC6D30248}"/>
+              </a:ext>
+            </a:extLst>
+          </p:cNvPr>
+          <p:cNvGrpSpPr/>
+          <p:nvPr/>
+        </p:nvGrpSpPr>
+        <p:grpSpPr>
+          <a:xfrm>
+            <a:off x="1097280" y="2266359"/>
+            <a:ext cx="6253900" cy="3083606"/>
+            <a:chOff x="1097280" y="2152091"/>
+            <a:chExt cx="6253900" cy="3083606"/>
+          </a:xfrm>
+        </p:grpSpPr>
+        <p:pic>
+          <p:nvPicPr>
+            <p:cNvPr id="2050" name="图片 5">
+              <a:extLst>
+                <a:ext uri="{FF2B5EF4-FFF2-40B4-BE49-F238E27FC236}">
+                  <a16:creationId xmlns:a16="http://schemas.microsoft.com/office/drawing/2014/main" id="{E5631BF2-05E7-4DF2-9F8B-01D8C00797A4}"/>
+                </a:ext>
+              </a:extLst>
+            </p:cNvPr>
+            <p:cNvPicPr>
+              <a:picLocks noChangeAspect="1" noChangeArrowheads="1"/>
+            </p:cNvPicPr>
+            <p:nvPr/>
+          </p:nvPicPr>
+          <p:blipFill>
+            <a:blip r:embed="rId2">
+              <a:extLst>
+                <a:ext uri="{28A0092B-C50C-407E-A947-70E740481C1C}">
+                  <a14:useLocalDpi xmlns:a14="http://schemas.microsoft.com/office/drawing/2010/main" val="0"/>
+                </a:ext>
+              </a:extLst>
+            </a:blip>
+            <a:srcRect/>
+            <a:stretch>
+              <a:fillRect/>
+            </a:stretch>
+          </p:blipFill>
+          <p:spPr bwMode="auto">
+            <a:xfrm>
+              <a:off x="1097280" y="2152091"/>
+              <a:ext cx="6253900" cy="3083606"/>
+            </a:xfrm>
+            <a:prstGeom prst="rect">
+              <a:avLst/>
+            </a:prstGeom>
+            <a:noFill/>
+            <a:ln>
+              <a:noFill/>
+            </a:ln>
+            <a:effectLst/>
+            <a:extLst>
+              <a:ext uri="{909E8E84-426E-40DD-AFC4-6F175D3DCCD1}">
+                <a14:hiddenFill xmlns:a14="http://schemas.microsoft.com/office/drawing/2010/main">
+                  <a:solidFill>
+                    <a:srgbClr val="FFFFFF"/>
+                  </a:solidFill>
+                </a14:hiddenFill>
+              </a:ext>
+              <a:ext uri="{91240B29-F687-4F45-9708-019B960494DF}">
+                <a14:hiddenLine xmlns:a14="http://schemas.microsoft.com/office/drawing/2010/main" w="9525">
+                  <a:solidFill>
+                    <a:srgbClr val="000000"/>
+                  </a:solidFill>
+                  <a:miter lim="800000"/>
+                  <a:headEnd/>
+                  <a:tailEnd/>
+                </a14:hiddenLine>
+              </a:ext>
+              <a:ext uri="{AF507438-7753-43E0-B8FC-AC1667EBCBE1}">
+                <a14:hiddenEffects xmlns:a14="http://schemas.microsoft.com/office/drawing/2010/main">
+                  <a:effectLst>
+                    <a:outerShdw dist="35921" dir="2700000" algn="ctr" rotWithShape="0">
+                      <a:srgbClr val="808080"/>
+                    </a:outerShdw>
+                  </a:effectLst>
+                </a14:hiddenEffects>
+              </a:ext>
+            </a:extLst>
+          </p:spPr>
+        </p:pic>
+        <p:sp>
+          <p:nvSpPr>
+            <p:cNvPr id="4" name="矩形: 圆角 3">
+              <a:extLst>
+                <a:ext uri="{FF2B5EF4-FFF2-40B4-BE49-F238E27FC236}">
+                  <a16:creationId xmlns:a16="http://schemas.microsoft.com/office/drawing/2014/main" id="{79E35CCF-6DB8-49BA-A1C0-5F458EA584DA}"/>
+                </a:ext>
+              </a:extLst>
+            </p:cNvPr>
+            <p:cNvSpPr/>
+            <p:nvPr/>
+          </p:nvSpPr>
+          <p:spPr>
+            <a:xfrm>
+              <a:off x="1785257" y="3033486"/>
+              <a:ext cx="682172" cy="261258"/>
+            </a:xfrm>
+            <a:prstGeom prst="roundRect">
+              <a:avLst/>
+            </a:prstGeom>
+            <a:noFill/>
+            <a:ln w="38100">
+              <a:solidFill>
+                <a:srgbClr val="FF0000"/>
+              </a:solidFill>
+            </a:ln>
+          </p:spPr>
+          <p:style>
+            <a:lnRef idx="2">
+              <a:schemeClr val="accent1">
+                <a:shade val="50000"/>
+              </a:schemeClr>
+            </a:lnRef>
+            <a:fillRef idx="1">
+              <a:schemeClr val="accent1"/>
+            </a:fillRef>
+            <a:effectRef idx="0">
+              <a:schemeClr val="accent1"/>
+            </a:effectRef>
+            <a:fontRef idx="minor">
+              <a:schemeClr val="lt1"/>
+            </a:fontRef>
+          </p:style>
+          <p:txBody>
+            <a:bodyPr rtlCol="0" anchor="ctr"/>
+            <a:lstStyle/>
+            <a:p>
+              <a:pPr algn="ctr"/>
+              <a:endParaRPr lang="zh-CN" altLang="en-US"/>
+            </a:p>
+          </p:txBody>
+        </p:sp>
+        <p:sp>
+          <p:nvSpPr>
+            <p:cNvPr id="6" name="矩形: 圆角 5">
+              <a:extLst>
+                <a:ext uri="{FF2B5EF4-FFF2-40B4-BE49-F238E27FC236}">
+                  <a16:creationId xmlns:a16="http://schemas.microsoft.com/office/drawing/2014/main" id="{A3C666BF-D2EA-409F-8DB4-95F7F543056A}"/>
+                </a:ext>
+              </a:extLst>
+            </p:cNvPr>
+            <p:cNvSpPr/>
+            <p:nvPr/>
+          </p:nvSpPr>
+          <p:spPr>
+            <a:xfrm>
+              <a:off x="5820954" y="3048003"/>
+              <a:ext cx="1479006" cy="261258"/>
+            </a:xfrm>
+            <a:prstGeom prst="roundRect">
+              <a:avLst/>
+            </a:prstGeom>
+            <a:noFill/>
+            <a:ln w="38100">
+              <a:solidFill>
+                <a:srgbClr val="FF0000"/>
+              </a:solidFill>
+            </a:ln>
+          </p:spPr>
+          <p:style>
+            <a:lnRef idx="2">
+              <a:schemeClr val="accent1">
+                <a:shade val="50000"/>
+              </a:schemeClr>
+            </a:lnRef>
+            <a:fillRef idx="1">
+              <a:schemeClr val="accent1"/>
+            </a:fillRef>
+            <a:effectRef idx="0">
+              <a:schemeClr val="accent1"/>
+            </a:effectRef>
+            <a:fontRef idx="minor">
+              <a:schemeClr val="lt1"/>
+            </a:fontRef>
+          </p:style>
+          <p:txBody>
+            <a:bodyPr rtlCol="0" anchor="ctr"/>
+            <a:lstStyle/>
+            <a:p>
+              <a:pPr algn="ctr"/>
+              <a:endParaRPr lang="zh-CN" altLang="en-US"/>
+            </a:p>
+          </p:txBody>
+        </p:sp>
+      </p:grpSp>
+    </p:spTree>
+    <p:extLst>
+      <p:ext uri="{BB962C8B-B14F-4D97-AF65-F5344CB8AC3E}">
+        <p14:creationId xmlns:p14="http://schemas.microsoft.com/office/powerpoint/2010/main" val="564020494"/>
+      </p:ext>
+    </p:extLst>
+  </p:cSld>
+  <p:clrMapOvr>
+    <a:masterClrMapping/>
+  </p:clrMapOvr>
+</p:sld>
+</file>
+
+<file path=ppt/slides/slide16.xml><?xml version="1.0" encoding="utf-8"?>
+<p:sld xmlns:a="http://schemas.openxmlformats.org/drawingml/2006/main" xmlns:r="http://schemas.openxmlformats.org/officeDocument/2006/relationships" xmlns:p="http://schemas.openxmlformats.org/presentationml/2006/main">
+  <p:cSld>
+    <p:spTree>
+      <p:nvGrpSpPr>
+        <p:cNvPr id="1" name=""/>
+        <p:cNvGrpSpPr/>
+        <p:nvPr/>
+      </p:nvGrpSpPr>
+      <p:grpSpPr>
+        <a:xfrm>
+          <a:off x="0" y="0"/>
+          <a:ext cx="0" cy="0"/>
+          <a:chOff x="0" y="0"/>
+          <a:chExt cx="0" cy="0"/>
+        </a:xfrm>
+      </p:grpSpPr>
+      <p:sp>
+        <p:nvSpPr>
+          <p:cNvPr id="2" name="标题 1">
+            <a:extLst>
+              <a:ext uri="{FF2B5EF4-FFF2-40B4-BE49-F238E27FC236}">
+                <a16:creationId xmlns:a16="http://schemas.microsoft.com/office/drawing/2014/main" id="{FFF3CDD6-343E-4651-A86A-26913441292B}"/>
+              </a:ext>
+            </a:extLst>
+          </p:cNvPr>
+          <p:cNvSpPr>
+            <a:spLocks noGrp="1"/>
+          </p:cNvSpPr>
+          <p:nvPr>
+            <p:ph type="title"/>
+          </p:nvPr>
+        </p:nvSpPr>
+        <p:spPr/>
+        <p:txBody>
+          <a:bodyPr/>
+          <a:lstStyle/>
+          <a:p>
+            <a:r>
+              <a:rPr lang="ja-JP" altLang="en-US" dirty="0"/>
+              <a:t>カラーベースフィルタリング</a:t>
+            </a:r>
+            <a:endParaRPr lang="zh-CN" altLang="en-US" dirty="0"/>
+          </a:p>
+        </p:txBody>
+      </p:sp>
+      <p:pic>
+        <p:nvPicPr>
+          <p:cNvPr id="3075" name="图片 1">
+            <a:extLst>
+              <a:ext uri="{FF2B5EF4-FFF2-40B4-BE49-F238E27FC236}">
+                <a16:creationId xmlns:a16="http://schemas.microsoft.com/office/drawing/2014/main" id="{1B845D08-7A28-40D7-B1CF-A2D1C0DBEDE2}"/>
+              </a:ext>
+            </a:extLst>
+          </p:cNvPr>
+          <p:cNvPicPr>
+            <a:picLocks noChangeAspect="1" noChangeArrowheads="1"/>
+          </p:cNvPicPr>
+          <p:nvPr/>
+        </p:nvPicPr>
+        <p:blipFill>
+          <a:blip r:embed="rId2">
+            <a:extLst>
+              <a:ext uri="{28A0092B-C50C-407E-A947-70E740481C1C}">
+                <a14:useLocalDpi xmlns:a14="http://schemas.microsoft.com/office/drawing/2010/main" val="0"/>
+              </a:ext>
+            </a:extLst>
+          </a:blip>
+          <a:srcRect/>
+          <a:stretch>
+            <a:fillRect/>
+          </a:stretch>
+        </p:blipFill>
+        <p:spPr bwMode="auto">
+          <a:xfrm>
+            <a:off x="1282021" y="2143397"/>
+            <a:ext cx="6221866" cy="3657127"/>
+          </a:xfrm>
+          <a:prstGeom prst="rect">
+            <a:avLst/>
+          </a:prstGeom>
+          <a:noFill/>
+          <a:ln>
+            <a:noFill/>
+          </a:ln>
+          <a:extLst>
+            <a:ext uri="{909E8E84-426E-40DD-AFC4-6F175D3DCCD1}">
+              <a14:hiddenFill xmlns:a14="http://schemas.microsoft.com/office/drawing/2010/main">
+                <a:solidFill>
+                  <a:srgbClr val="FFFFFF"/>
+                </a:solidFill>
+              </a14:hiddenFill>
+            </a:ext>
+            <a:ext uri="{91240B29-F687-4F45-9708-019B960494DF}">
+              <a14:hiddenLine xmlns:a14="http://schemas.microsoft.com/office/drawing/2010/main" w="9525">
+                <a:solidFill>
+                  <a:srgbClr val="000000"/>
+                </a:solidFill>
+                <a:miter lim="800000"/>
+                <a:headEnd/>
+                <a:tailEnd/>
+              </a14:hiddenLine>
+            </a:ext>
+          </a:extLst>
+        </p:spPr>
+      </p:pic>
+    </p:spTree>
+    <p:extLst>
+      <p:ext uri="{BB962C8B-B14F-4D97-AF65-F5344CB8AC3E}">
+        <p14:creationId xmlns:p14="http://schemas.microsoft.com/office/powerpoint/2010/main" val="2115918603"/>
+      </p:ext>
+    </p:extLst>
+  </p:cSld>
+  <p:clrMapOvr>
+    <a:masterClrMapping/>
+  </p:clrMapOvr>
+</p:sld>
+</file>
+
+<file path=ppt/slides/slide17.xml><?xml version="1.0" encoding="utf-8"?>
+<p:sld xmlns:a="http://schemas.openxmlformats.org/drawingml/2006/main" xmlns:r="http://schemas.openxmlformats.org/officeDocument/2006/relationships" xmlns:p="http://schemas.openxmlformats.org/presentationml/2006/main">
+  <p:cSld>
+    <p:spTree>
+      <p:nvGrpSpPr>
+        <p:cNvPr id="1" name=""/>
+        <p:cNvGrpSpPr/>
+        <p:nvPr/>
+      </p:nvGrpSpPr>
+      <p:grpSpPr>
+        <a:xfrm>
+          <a:off x="0" y="0"/>
+          <a:ext cx="0" cy="0"/>
+          <a:chOff x="0" y="0"/>
+          <a:chExt cx="0" cy="0"/>
+        </a:xfrm>
+      </p:grpSpPr>
+      <p:sp>
+        <p:nvSpPr>
+          <p:cNvPr id="2" name="标题 1">
+            <a:extLst>
+              <a:ext uri="{FF2B5EF4-FFF2-40B4-BE49-F238E27FC236}">
+                <a16:creationId xmlns:a16="http://schemas.microsoft.com/office/drawing/2014/main" id="{71716253-D123-4B31-941E-FA0FA43DC06F}"/>
+              </a:ext>
+            </a:extLst>
+          </p:cNvPr>
+          <p:cNvSpPr>
+            <a:spLocks noGrp="1"/>
+          </p:cNvSpPr>
+          <p:nvPr>
+            <p:ph type="title"/>
+          </p:nvPr>
+        </p:nvSpPr>
+        <p:spPr/>
+        <p:txBody>
+          <a:bodyPr/>
+          <a:lstStyle/>
+          <a:p>
+            <a:r>
+              <a:rPr lang="en-US" altLang="ja-JP" dirty="0"/>
+              <a:t>CM</a:t>
+            </a:r>
+            <a:r>
+              <a:rPr lang="ja-JP" altLang="en-US" dirty="0"/>
+              <a:t>調性格の</a:t>
+            </a:r>
+            <a:r>
+              <a:rPr lang="en-US" altLang="ja-JP" dirty="0"/>
+              <a:t>Munsell</a:t>
+            </a:r>
+            <a:r>
+              <a:rPr lang="ja-JP" altLang="en-US" dirty="0"/>
+              <a:t>色分布</a:t>
+            </a:r>
+            <a:endParaRPr lang="zh-CN" altLang="en-US" dirty="0"/>
+          </a:p>
+        </p:txBody>
+      </p:sp>
+      <p:pic>
+        <p:nvPicPr>
+          <p:cNvPr id="4098" name="图片 1">
+            <a:extLst>
+              <a:ext uri="{FF2B5EF4-FFF2-40B4-BE49-F238E27FC236}">
+                <a16:creationId xmlns:a16="http://schemas.microsoft.com/office/drawing/2014/main" id="{09FF816A-5536-4215-891D-7FFC861119CC}"/>
+              </a:ext>
+            </a:extLst>
+          </p:cNvPr>
+          <p:cNvPicPr>
+            <a:picLocks noChangeAspect="1" noChangeArrowheads="1"/>
+          </p:cNvPicPr>
+          <p:nvPr/>
+        </p:nvPicPr>
+        <p:blipFill>
+          <a:blip r:embed="rId2">
+            <a:extLst>
+              <a:ext uri="{28A0092B-C50C-407E-A947-70E740481C1C}">
+                <a14:useLocalDpi xmlns:a14="http://schemas.microsoft.com/office/drawing/2010/main" val="0"/>
+              </a:ext>
+            </a:extLst>
+          </a:blip>
+          <a:srcRect/>
+          <a:stretch>
+            <a:fillRect/>
+          </a:stretch>
+        </p:blipFill>
+        <p:spPr bwMode="auto">
+          <a:xfrm>
+            <a:off x="1219045" y="1871653"/>
+            <a:ext cx="10058401" cy="3210128"/>
+          </a:xfrm>
+          <a:prstGeom prst="rect">
+            <a:avLst/>
+          </a:prstGeom>
+          <a:noFill/>
+          <a:ln>
+            <a:noFill/>
+          </a:ln>
+          <a:extLst>
+            <a:ext uri="{909E8E84-426E-40DD-AFC4-6F175D3DCCD1}">
+              <a14:hiddenFill xmlns:a14="http://schemas.microsoft.com/office/drawing/2010/main">
+                <a:solidFill>
+                  <a:srgbClr val="FFFFFF"/>
+                </a:solidFill>
+              </a14:hiddenFill>
+            </a:ext>
+            <a:ext uri="{91240B29-F687-4F45-9708-019B960494DF}">
+              <a14:hiddenLine xmlns:a14="http://schemas.microsoft.com/office/drawing/2010/main" w="9525">
+                <a:solidFill>
+                  <a:srgbClr val="000000"/>
+                </a:solidFill>
+                <a:miter lim="800000"/>
+                <a:headEnd/>
+                <a:tailEnd/>
+              </a14:hiddenLine>
+            </a:ext>
+          </a:extLst>
+        </p:spPr>
+      </p:pic>
+    </p:spTree>
+    <p:extLst>
+      <p:ext uri="{BB962C8B-B14F-4D97-AF65-F5344CB8AC3E}">
+        <p14:creationId xmlns:p14="http://schemas.microsoft.com/office/powerpoint/2010/main" val="158384434"/>
+      </p:ext>
+    </p:extLst>
+  </p:cSld>
+  <p:clrMapOvr>
+    <a:masterClrMapping/>
+  </p:clrMapOvr>
+</p:sld>
+</file>
+
+<file path=ppt/slides/slide18.xml><?xml version="1.0" encoding="utf-8"?>
+<p:sld xmlns:a="http://schemas.openxmlformats.org/drawingml/2006/main" xmlns:r="http://schemas.openxmlformats.org/officeDocument/2006/relationships" xmlns:p="http://schemas.openxmlformats.org/presentationml/2006/main">
+  <p:cSld>
+    <p:spTree>
+      <p:nvGrpSpPr>
+        <p:cNvPr id="1" name=""/>
+        <p:cNvGrpSpPr/>
+        <p:nvPr/>
+      </p:nvGrpSpPr>
+      <p:grpSpPr>
+        <a:xfrm>
+          <a:off x="0" y="0"/>
+          <a:ext cx="0" cy="0"/>
+          <a:chOff x="0" y="0"/>
+          <a:chExt cx="0" cy="0"/>
+        </a:xfrm>
+      </p:grpSpPr>
+      <p:sp>
+        <p:nvSpPr>
+          <p:cNvPr id="2" name="标题 1">
+            <a:extLst>
+              <a:ext uri="{FF2B5EF4-FFF2-40B4-BE49-F238E27FC236}">
+                <a16:creationId xmlns:a16="http://schemas.microsoft.com/office/drawing/2014/main" id="{71716253-D123-4B31-941E-FA0FA43DC06F}"/>
+              </a:ext>
+            </a:extLst>
+          </p:cNvPr>
+          <p:cNvSpPr>
+            <a:spLocks noGrp="1"/>
+          </p:cNvSpPr>
+          <p:nvPr>
+            <p:ph type="title"/>
+          </p:nvPr>
+        </p:nvSpPr>
+        <p:spPr/>
+        <p:txBody>
+          <a:bodyPr/>
+          <a:lstStyle/>
+          <a:p>
+            <a:r>
+              <a:rPr lang="ja-JP" altLang="en-US" dirty="0"/>
+              <a:t>商品の</a:t>
+            </a:r>
+            <a:r>
+              <a:rPr lang="en-US" altLang="ja-JP" dirty="0"/>
+              <a:t>Munsell</a:t>
+            </a:r>
+            <a:r>
+              <a:rPr lang="ja-JP" altLang="en-US" dirty="0"/>
+              <a:t>色分布</a:t>
+            </a:r>
+            <a:endParaRPr lang="zh-CN" altLang="en-US" dirty="0"/>
+          </a:p>
+        </p:txBody>
+      </p:sp>
+      <p:pic>
+        <p:nvPicPr>
+          <p:cNvPr id="5122" name="图片 1">
+            <a:extLst>
+              <a:ext uri="{FF2B5EF4-FFF2-40B4-BE49-F238E27FC236}">
+                <a16:creationId xmlns:a16="http://schemas.microsoft.com/office/drawing/2014/main" id="{52AC0724-E636-46F6-AF65-2A41F8786FDB}"/>
+              </a:ext>
+            </a:extLst>
+          </p:cNvPr>
+          <p:cNvPicPr>
+            <a:picLocks noChangeAspect="1" noChangeArrowheads="1"/>
+          </p:cNvPicPr>
+          <p:nvPr/>
+        </p:nvPicPr>
+        <p:blipFill>
+          <a:blip r:embed="rId2">
+            <a:extLst>
+              <a:ext uri="{28A0092B-C50C-407E-A947-70E740481C1C}">
+                <a14:useLocalDpi xmlns:a14="http://schemas.microsoft.com/office/drawing/2010/main" val="0"/>
+              </a:ext>
+            </a:extLst>
+          </a:blip>
+          <a:srcRect/>
+          <a:stretch>
+            <a:fillRect/>
+          </a:stretch>
+        </p:blipFill>
+        <p:spPr bwMode="auto">
+          <a:xfrm>
+            <a:off x="1097281" y="2251984"/>
+            <a:ext cx="10058400" cy="2563062"/>
+          </a:xfrm>
+          <a:prstGeom prst="rect">
+            <a:avLst/>
+          </a:prstGeom>
+          <a:noFill/>
+          <a:ln>
+            <a:noFill/>
+          </a:ln>
+          <a:extLst>
+            <a:ext uri="{909E8E84-426E-40DD-AFC4-6F175D3DCCD1}">
+              <a14:hiddenFill xmlns:a14="http://schemas.microsoft.com/office/drawing/2010/main">
+                <a:solidFill>
+                  <a:srgbClr val="FFFFFF"/>
+                </a:solidFill>
+              </a14:hiddenFill>
+            </a:ext>
+            <a:ext uri="{91240B29-F687-4F45-9708-019B960494DF}">
+              <a14:hiddenLine xmlns:a14="http://schemas.microsoft.com/office/drawing/2010/main" w="9525">
+                <a:solidFill>
+                  <a:srgbClr val="000000"/>
+                </a:solidFill>
+                <a:miter lim="800000"/>
+                <a:headEnd/>
+                <a:tailEnd/>
+              </a14:hiddenLine>
+            </a:ext>
+          </a:extLst>
+        </p:spPr>
+      </p:pic>
+    </p:spTree>
+    <p:extLst>
+      <p:ext uri="{BB962C8B-B14F-4D97-AF65-F5344CB8AC3E}">
+        <p14:creationId xmlns:p14="http://schemas.microsoft.com/office/powerpoint/2010/main" val="3102139439"/>
+      </p:ext>
+    </p:extLst>
+  </p:cSld>
+  <p:clrMapOvr>
+    <a:masterClrMapping/>
+  </p:clrMapOvr>
+</p:sld>
+</file>
+
+<file path=ppt/slides/slide19.xml><?xml version="1.0" encoding="utf-8"?>
+<p:sld xmlns:a="http://schemas.openxmlformats.org/drawingml/2006/main" xmlns:r="http://schemas.openxmlformats.org/officeDocument/2006/relationships" xmlns:p="http://schemas.openxmlformats.org/presentationml/2006/main">
+  <p:cSld>
+    <p:spTree>
+      <p:nvGrpSpPr>
+        <p:cNvPr id="1" name=""/>
+        <p:cNvGrpSpPr/>
+        <p:nvPr/>
+      </p:nvGrpSpPr>
+      <p:grpSpPr>
+        <a:xfrm>
+          <a:off x="0" y="0"/>
+          <a:ext cx="0" cy="0"/>
+          <a:chOff x="0" y="0"/>
+          <a:chExt cx="0" cy="0"/>
+        </a:xfrm>
+      </p:grpSpPr>
+      <p:sp>
+        <p:nvSpPr>
+          <p:cNvPr id="2" name="标题 1">
+            <a:extLst>
+              <a:ext uri="{FF2B5EF4-FFF2-40B4-BE49-F238E27FC236}">
+                <a16:creationId xmlns:a16="http://schemas.microsoft.com/office/drawing/2014/main" id="{542EC3CB-4949-4A6C-AE8A-65B1FDE29774}"/>
+              </a:ext>
+            </a:extLst>
+          </p:cNvPr>
+          <p:cNvSpPr>
+            <a:spLocks noGrp="1"/>
+          </p:cNvSpPr>
+          <p:nvPr>
+            <p:ph type="title"/>
+          </p:nvPr>
+        </p:nvSpPr>
+        <p:spPr/>
+        <p:txBody>
+          <a:bodyPr/>
+          <a:lstStyle/>
+          <a:p>
+            <a:r>
+              <a:rPr lang="en-US" altLang="ja-JP" dirty="0"/>
+              <a:t>EMD</a:t>
+            </a:r>
+            <a:r>
+              <a:rPr lang="ja-JP" altLang="en-US" dirty="0"/>
+              <a:t>距離により調性格推定</a:t>
+            </a:r>
+            <a:endParaRPr lang="zh-CN" altLang="en-US" dirty="0"/>
+          </a:p>
+        </p:txBody>
+      </p:sp>
+      <p:grpSp>
+        <p:nvGrpSpPr>
+          <p:cNvPr id="19" name="组合 18">
+            <a:extLst>
+              <a:ext uri="{FF2B5EF4-FFF2-40B4-BE49-F238E27FC236}">
+                <a16:creationId xmlns:a16="http://schemas.microsoft.com/office/drawing/2014/main" id="{D611F225-5B10-46F4-AD16-2CBCA503B99B}"/>
+              </a:ext>
+            </a:extLst>
+          </p:cNvPr>
+          <p:cNvGrpSpPr/>
+          <p:nvPr/>
+        </p:nvGrpSpPr>
+        <p:grpSpPr>
+          <a:xfrm>
+            <a:off x="1036320" y="1737360"/>
+            <a:ext cx="9457509" cy="4463195"/>
+            <a:chOff x="290146" y="330154"/>
+            <a:chExt cx="11248292" cy="5870401"/>
+          </a:xfrm>
+        </p:grpSpPr>
+        <p:pic>
+          <p:nvPicPr>
+            <p:cNvPr id="20" name="图片 19">
+              <a:extLst>
+                <a:ext uri="{FF2B5EF4-FFF2-40B4-BE49-F238E27FC236}">
+                  <a16:creationId xmlns:a16="http://schemas.microsoft.com/office/drawing/2014/main" id="{499B4F9D-E6CA-4077-81D2-C8219DF8294A}"/>
+                </a:ext>
+              </a:extLst>
+            </p:cNvPr>
+            <p:cNvPicPr>
+              <a:picLocks noChangeAspect="1"/>
+            </p:cNvPicPr>
+            <p:nvPr/>
+          </p:nvPicPr>
+          <p:blipFill>
+            <a:blip r:embed="rId2"/>
+            <a:stretch>
+              <a:fillRect/>
+            </a:stretch>
+          </p:blipFill>
+          <p:spPr>
+            <a:xfrm>
+              <a:off x="6674822" y="589311"/>
+              <a:ext cx="4671818" cy="1503257"/>
+            </a:xfrm>
+            <a:prstGeom prst="rect">
+              <a:avLst/>
+            </a:prstGeom>
+          </p:spPr>
+        </p:pic>
+        <p:pic>
+          <p:nvPicPr>
+            <p:cNvPr id="21" name="图片 20">
+              <a:extLst>
+                <a:ext uri="{FF2B5EF4-FFF2-40B4-BE49-F238E27FC236}">
+                  <a16:creationId xmlns:a16="http://schemas.microsoft.com/office/drawing/2014/main" id="{EF742754-998A-4E95-B0DE-52B695FE93D8}"/>
+                </a:ext>
+              </a:extLst>
+            </p:cNvPr>
+            <p:cNvPicPr>
+              <a:picLocks noChangeAspect="1"/>
+            </p:cNvPicPr>
+            <p:nvPr/>
+          </p:nvPicPr>
+          <p:blipFill>
+            <a:blip r:embed="rId3"/>
+            <a:stretch>
+              <a:fillRect/>
+            </a:stretch>
+          </p:blipFill>
+          <p:spPr>
+            <a:xfrm>
+              <a:off x="6674822" y="2402995"/>
+              <a:ext cx="4670066" cy="1358080"/>
+            </a:xfrm>
+            <a:prstGeom prst="rect">
+              <a:avLst/>
+            </a:prstGeom>
+          </p:spPr>
+        </p:pic>
+        <p:pic>
+          <p:nvPicPr>
+            <p:cNvPr id="22" name="图片 21">
+              <a:extLst>
+                <a:ext uri="{FF2B5EF4-FFF2-40B4-BE49-F238E27FC236}">
+                  <a16:creationId xmlns:a16="http://schemas.microsoft.com/office/drawing/2014/main" id="{BB76776F-533B-4AD8-A9B5-0D5E557BEDA9}"/>
+                </a:ext>
+              </a:extLst>
+            </p:cNvPr>
+            <p:cNvPicPr>
+              <a:picLocks noChangeAspect="1"/>
+            </p:cNvPicPr>
+            <p:nvPr/>
+          </p:nvPicPr>
+          <p:blipFill>
+            <a:blip r:embed="rId4"/>
+            <a:stretch>
+              <a:fillRect/>
+            </a:stretch>
+          </p:blipFill>
+          <p:spPr>
+            <a:xfrm>
+              <a:off x="449874" y="3082035"/>
+              <a:ext cx="4664848" cy="1296534"/>
+            </a:xfrm>
+            <a:prstGeom prst="rect">
+              <a:avLst/>
+            </a:prstGeom>
+          </p:spPr>
+        </p:pic>
+        <p:sp>
+          <p:nvSpPr>
+            <p:cNvPr id="23" name="文本框 22">
+              <a:extLst>
+                <a:ext uri="{FF2B5EF4-FFF2-40B4-BE49-F238E27FC236}">
+                  <a16:creationId xmlns:a16="http://schemas.microsoft.com/office/drawing/2014/main" id="{980EF13E-C15A-4827-9DA9-A0DA8A2C21C0}"/>
+                </a:ext>
+              </a:extLst>
+            </p:cNvPr>
+            <p:cNvSpPr txBox="1"/>
+            <p:nvPr/>
+          </p:nvSpPr>
+          <p:spPr>
+            <a:xfrm>
+              <a:off x="9238391" y="4699432"/>
+              <a:ext cx="861774" cy="1186961"/>
+            </a:xfrm>
+            <a:prstGeom prst="rect">
+              <a:avLst/>
+            </a:prstGeom>
+            <a:noFill/>
+          </p:spPr>
+          <p:txBody>
+            <a:bodyPr vert="eaVert" wrap="square" rtlCol="0">
+              <a:spAutoFit/>
+            </a:bodyPr>
+            <a:lstStyle/>
+            <a:p>
+              <a:r>
+                <a:rPr lang="en-US" altLang="zh-CN" sz="4400" dirty="0"/>
+                <a:t>……</a:t>
+              </a:r>
+              <a:endParaRPr lang="zh-CN" altLang="en-US" sz="4400" dirty="0"/>
+            </a:p>
+          </p:txBody>
+        </p:sp>
+        <p:sp>
+          <p:nvSpPr>
+            <p:cNvPr id="24" name="文本框 23">
+              <a:extLst>
+                <a:ext uri="{FF2B5EF4-FFF2-40B4-BE49-F238E27FC236}">
+                  <a16:creationId xmlns:a16="http://schemas.microsoft.com/office/drawing/2014/main" id="{7DB956C0-D6B6-4D5B-A79C-A8850FE95CDF}"/>
+                </a:ext>
+              </a:extLst>
+            </p:cNvPr>
+            <p:cNvSpPr txBox="1"/>
+            <p:nvPr/>
+          </p:nvSpPr>
+          <p:spPr>
+            <a:xfrm>
+              <a:off x="9302280" y="971607"/>
+              <a:ext cx="505267" cy="369332"/>
+            </a:xfrm>
+            <a:prstGeom prst="rect">
+              <a:avLst/>
+            </a:prstGeom>
+            <a:noFill/>
+          </p:spPr>
+          <p:txBody>
+            <a:bodyPr wrap="none" rtlCol="0">
+              <a:spAutoFit/>
+            </a:bodyPr>
+            <a:lstStyle/>
+            <a:p>
+              <a:r>
+                <a:rPr lang="en-US" altLang="zh-CN" dirty="0"/>
+                <a:t>CM</a:t>
+              </a:r>
+            </a:p>
+          </p:txBody>
+        </p:sp>
+        <p:sp>
+          <p:nvSpPr>
+            <p:cNvPr id="25" name="文本框 24">
+              <a:extLst>
+                <a:ext uri="{FF2B5EF4-FFF2-40B4-BE49-F238E27FC236}">
+                  <a16:creationId xmlns:a16="http://schemas.microsoft.com/office/drawing/2014/main" id="{21136C02-314D-430F-A613-8BFDDD1BEE5B}"/>
+                </a:ext>
+              </a:extLst>
+            </p:cNvPr>
+            <p:cNvSpPr txBox="1"/>
+            <p:nvPr/>
+          </p:nvSpPr>
+          <p:spPr>
+            <a:xfrm>
+              <a:off x="9302280" y="2727620"/>
+              <a:ext cx="524503" cy="369332"/>
+            </a:xfrm>
+            <a:prstGeom prst="rect">
+              <a:avLst/>
+            </a:prstGeom>
+            <a:noFill/>
+          </p:spPr>
+          <p:txBody>
+            <a:bodyPr wrap="none" rtlCol="0">
+              <a:spAutoFit/>
+            </a:bodyPr>
+            <a:lstStyle/>
+            <a:p>
+              <a:r>
+                <a:rPr lang="en-US" altLang="zh-CN" dirty="0"/>
+                <a:t>DM</a:t>
+              </a:r>
+            </a:p>
+          </p:txBody>
+        </p:sp>
+        <p:cxnSp>
+          <p:nvCxnSpPr>
+            <p:cNvPr id="26" name="直接箭头连接符 25">
+              <a:extLst>
+                <a:ext uri="{FF2B5EF4-FFF2-40B4-BE49-F238E27FC236}">
+                  <a16:creationId xmlns:a16="http://schemas.microsoft.com/office/drawing/2014/main" id="{756F2708-DD3D-461C-A4A3-4A7399BEED24}"/>
+                </a:ext>
+              </a:extLst>
+            </p:cNvPr>
+            <p:cNvCxnSpPr>
+              <a:cxnSpLocks/>
+              <a:stCxn id="22" idx="3"/>
+              <a:endCxn id="20" idx="1"/>
+            </p:cNvCxnSpPr>
+            <p:nvPr/>
+          </p:nvCxnSpPr>
+          <p:spPr>
+            <a:xfrm flipV="1">
+              <a:off x="5114722" y="1340940"/>
+              <a:ext cx="1560100" cy="2389362"/>
+            </a:xfrm>
+            <a:prstGeom prst="straightConnector1">
+              <a:avLst/>
+            </a:prstGeom>
+            <a:ln w="38100">
+              <a:headEnd type="triangle"/>
+              <a:tailEnd type="triangle"/>
+            </a:ln>
+          </p:spPr>
+          <p:style>
+            <a:lnRef idx="1">
+              <a:schemeClr val="accent1"/>
+            </a:lnRef>
+            <a:fillRef idx="0">
+              <a:schemeClr val="accent1"/>
+            </a:fillRef>
+            <a:effectRef idx="0">
+              <a:schemeClr val="accent1"/>
+            </a:effectRef>
+            <a:fontRef idx="minor">
+              <a:schemeClr val="tx1"/>
+            </a:fontRef>
+          </p:style>
+        </p:cxnSp>
+        <p:cxnSp>
+          <p:nvCxnSpPr>
+            <p:cNvPr id="27" name="直接箭头连接符 26">
+              <a:extLst>
+                <a:ext uri="{FF2B5EF4-FFF2-40B4-BE49-F238E27FC236}">
+                  <a16:creationId xmlns:a16="http://schemas.microsoft.com/office/drawing/2014/main" id="{1476E205-1F64-46FB-9372-4CEF1E4CB953}"/>
+                </a:ext>
+              </a:extLst>
+            </p:cNvPr>
+            <p:cNvCxnSpPr>
+              <a:cxnSpLocks/>
+              <a:stCxn id="22" idx="3"/>
+              <a:endCxn id="21" idx="1"/>
+            </p:cNvCxnSpPr>
+            <p:nvPr/>
+          </p:nvCxnSpPr>
+          <p:spPr>
+            <a:xfrm flipV="1">
+              <a:off x="5114722" y="3082035"/>
+              <a:ext cx="1560100" cy="648267"/>
+            </a:xfrm>
+            <a:prstGeom prst="straightConnector1">
+              <a:avLst/>
+            </a:prstGeom>
+            <a:ln w="38100">
+              <a:headEnd type="triangle"/>
+              <a:tailEnd type="triangle"/>
+            </a:ln>
+          </p:spPr>
+          <p:style>
+            <a:lnRef idx="1">
+              <a:schemeClr val="accent1"/>
+            </a:lnRef>
+            <a:fillRef idx="0">
+              <a:schemeClr val="accent1"/>
+            </a:fillRef>
+            <a:effectRef idx="0">
+              <a:schemeClr val="accent1"/>
+            </a:effectRef>
+            <a:fontRef idx="minor">
+              <a:schemeClr val="tx1"/>
+            </a:fontRef>
+          </p:style>
+        </p:cxnSp>
+        <p:cxnSp>
+          <p:nvCxnSpPr>
+            <p:cNvPr id="28" name="直接箭头连接符 27">
+              <a:extLst>
+                <a:ext uri="{FF2B5EF4-FFF2-40B4-BE49-F238E27FC236}">
+                  <a16:creationId xmlns:a16="http://schemas.microsoft.com/office/drawing/2014/main" id="{C8F2E3AB-A722-4B38-BC25-895769B19A72}"/>
+                </a:ext>
+              </a:extLst>
+            </p:cNvPr>
+            <p:cNvCxnSpPr>
+              <a:cxnSpLocks/>
+              <a:stCxn id="22" idx="3"/>
+            </p:cNvCxnSpPr>
+            <p:nvPr/>
+          </p:nvCxnSpPr>
+          <p:spPr>
+            <a:xfrm>
+              <a:off x="5114722" y="3730302"/>
+              <a:ext cx="1599140" cy="850491"/>
+            </a:xfrm>
+            <a:prstGeom prst="straightConnector1">
+              <a:avLst/>
+            </a:prstGeom>
+            <a:ln w="38100">
+              <a:headEnd type="triangle"/>
+              <a:tailEnd type="triangle"/>
+            </a:ln>
+          </p:spPr>
+          <p:style>
+            <a:lnRef idx="1">
+              <a:schemeClr val="accent1"/>
+            </a:lnRef>
+            <a:fillRef idx="0">
+              <a:schemeClr val="accent1"/>
+            </a:fillRef>
+            <a:effectRef idx="0">
+              <a:schemeClr val="accent1"/>
+            </a:effectRef>
+            <a:fontRef idx="minor">
+              <a:schemeClr val="tx1"/>
+            </a:fontRef>
+          </p:style>
+        </p:cxnSp>
+        <p:sp>
+          <p:nvSpPr>
+            <p:cNvPr id="29" name="文本框 28">
+              <a:extLst>
+                <a:ext uri="{FF2B5EF4-FFF2-40B4-BE49-F238E27FC236}">
+                  <a16:creationId xmlns:a16="http://schemas.microsoft.com/office/drawing/2014/main" id="{04AF77DB-DA1C-42BF-83A9-309DC1EE4E69}"/>
+                </a:ext>
+              </a:extLst>
+            </p:cNvPr>
+            <p:cNvSpPr txBox="1"/>
+            <p:nvPr/>
+          </p:nvSpPr>
+          <p:spPr>
+            <a:xfrm>
+              <a:off x="9302280" y="4211461"/>
+              <a:ext cx="494046" cy="369332"/>
+            </a:xfrm>
+            <a:prstGeom prst="rect">
+              <a:avLst/>
+            </a:prstGeom>
+            <a:noFill/>
+          </p:spPr>
+          <p:txBody>
+            <a:bodyPr wrap="none" rtlCol="0">
+              <a:spAutoFit/>
+            </a:bodyPr>
+            <a:lstStyle/>
+            <a:p>
+              <a:r>
+                <a:rPr lang="en-US" altLang="zh-CN" dirty="0"/>
+                <a:t>EM</a:t>
+              </a:r>
+            </a:p>
+          </p:txBody>
+        </p:sp>
+        <p:sp>
+          <p:nvSpPr>
+            <p:cNvPr id="30" name="文本框 29">
+              <a:extLst>
+                <a:ext uri="{FF2B5EF4-FFF2-40B4-BE49-F238E27FC236}">
+                  <a16:creationId xmlns:a16="http://schemas.microsoft.com/office/drawing/2014/main" id="{0D8BF70A-8466-4A8C-B9B3-9D6B83F23FDB}"/>
+                </a:ext>
+              </a:extLst>
+            </p:cNvPr>
+            <p:cNvSpPr txBox="1"/>
+            <p:nvPr/>
+          </p:nvSpPr>
+          <p:spPr>
+            <a:xfrm>
+              <a:off x="5114722" y="5831166"/>
+              <a:ext cx="1560042" cy="369332"/>
+            </a:xfrm>
+            <a:prstGeom prst="rect">
+              <a:avLst/>
+            </a:prstGeom>
+            <a:noFill/>
+          </p:spPr>
+          <p:txBody>
+            <a:bodyPr wrap="none" rtlCol="0">
+              <a:spAutoFit/>
+            </a:bodyPr>
+            <a:lstStyle/>
+            <a:p>
+              <a:r>
+                <a:rPr lang="en-US" altLang="zh-CN" dirty="0"/>
+                <a:t>EMD</a:t>
+              </a:r>
+              <a:r>
+                <a:rPr lang="ja-JP" altLang="en-US" dirty="0"/>
+                <a:t>距離計算</a:t>
+              </a:r>
+              <a:endParaRPr lang="zh-CN" altLang="en-US" dirty="0"/>
+            </a:p>
+          </p:txBody>
+        </p:sp>
+        <p:sp>
+          <p:nvSpPr>
+            <p:cNvPr id="31" name="文本框 30">
+              <a:extLst>
+                <a:ext uri="{FF2B5EF4-FFF2-40B4-BE49-F238E27FC236}">
+                  <a16:creationId xmlns:a16="http://schemas.microsoft.com/office/drawing/2014/main" id="{85B5BB28-FDB6-499B-80C7-9008D5D230EE}"/>
+                </a:ext>
+              </a:extLst>
+            </p:cNvPr>
+            <p:cNvSpPr txBox="1"/>
+            <p:nvPr/>
+          </p:nvSpPr>
+          <p:spPr>
+            <a:xfrm>
+              <a:off x="2020882" y="5831166"/>
+              <a:ext cx="1338828" cy="369332"/>
+            </a:xfrm>
+            <a:prstGeom prst="rect">
+              <a:avLst/>
+            </a:prstGeom>
+            <a:noFill/>
+          </p:spPr>
+          <p:txBody>
+            <a:bodyPr wrap="none" rtlCol="0">
+              <a:spAutoFit/>
+            </a:bodyPr>
+            <a:lstStyle/>
+            <a:p>
+              <a:r>
+                <a:rPr lang="ja-JP" altLang="en-US" dirty="0"/>
+                <a:t>商品色分布</a:t>
+              </a:r>
+              <a:endParaRPr lang="zh-CN" altLang="en-US" dirty="0"/>
+            </a:p>
+          </p:txBody>
+        </p:sp>
+        <p:sp>
+          <p:nvSpPr>
+            <p:cNvPr id="32" name="文本框 31">
+              <a:extLst>
+                <a:ext uri="{FF2B5EF4-FFF2-40B4-BE49-F238E27FC236}">
+                  <a16:creationId xmlns:a16="http://schemas.microsoft.com/office/drawing/2014/main" id="{2AA8067E-BF56-4E1C-BE93-9231A22121E7}"/>
+                </a:ext>
+              </a:extLst>
+            </p:cNvPr>
+            <p:cNvSpPr txBox="1"/>
+            <p:nvPr/>
+          </p:nvSpPr>
+          <p:spPr>
+            <a:xfrm>
+              <a:off x="7744843" y="5831223"/>
+              <a:ext cx="2492990" cy="369332"/>
+            </a:xfrm>
+            <a:prstGeom prst="rect">
+              <a:avLst/>
+            </a:prstGeom>
+            <a:noFill/>
+          </p:spPr>
+          <p:txBody>
+            <a:bodyPr wrap="none" rtlCol="0">
+              <a:spAutoFit/>
+            </a:bodyPr>
+            <a:lstStyle/>
+            <a:p>
+              <a:r>
+                <a:rPr lang="ja-JP" altLang="en-US" dirty="0"/>
+                <a:t>調性格の共感覚色分布</a:t>
+              </a:r>
+              <a:endParaRPr lang="zh-CN" altLang="en-US" dirty="0"/>
+            </a:p>
+          </p:txBody>
+        </p:sp>
+        <p:sp>
+          <p:nvSpPr>
+            <p:cNvPr id="33" name="矩形: 圆角 32">
+              <a:extLst>
+                <a:ext uri="{FF2B5EF4-FFF2-40B4-BE49-F238E27FC236}">
+                  <a16:creationId xmlns:a16="http://schemas.microsoft.com/office/drawing/2014/main" id="{B592184A-BF09-4392-8720-A1096A8EC2F2}"/>
+                </a:ext>
+              </a:extLst>
+            </p:cNvPr>
+            <p:cNvSpPr/>
+            <p:nvPr/>
+          </p:nvSpPr>
+          <p:spPr>
+            <a:xfrm>
+              <a:off x="290146" y="2535621"/>
+              <a:ext cx="5029200" cy="2440825"/>
+            </a:xfrm>
+            <a:prstGeom prst="roundRect">
+              <a:avLst/>
+            </a:prstGeom>
+            <a:noFill/>
+            <a:ln w="28575"/>
+          </p:spPr>
+          <p:style>
+            <a:lnRef idx="2">
+              <a:schemeClr val="accent1">
+                <a:shade val="50000"/>
+              </a:schemeClr>
+            </a:lnRef>
+            <a:fillRef idx="1">
+              <a:schemeClr val="accent1"/>
+            </a:fillRef>
+            <a:effectRef idx="0">
+              <a:schemeClr val="accent1"/>
+            </a:effectRef>
+            <a:fontRef idx="minor">
+              <a:schemeClr val="lt1"/>
+            </a:fontRef>
+          </p:style>
+          <p:txBody>
+            <a:bodyPr rtlCol="0" anchor="ctr"/>
+            <a:lstStyle/>
+            <a:p>
+              <a:pPr algn="ctr"/>
+              <a:endParaRPr lang="zh-CN" altLang="en-US"/>
+            </a:p>
+          </p:txBody>
+        </p:sp>
+        <p:sp>
+          <p:nvSpPr>
+            <p:cNvPr id="34" name="矩形: 圆角 33">
+              <a:extLst>
+                <a:ext uri="{FF2B5EF4-FFF2-40B4-BE49-F238E27FC236}">
+                  <a16:creationId xmlns:a16="http://schemas.microsoft.com/office/drawing/2014/main" id="{155AACF7-E50C-4CAA-B0CE-320DCF71558E}"/>
+                </a:ext>
+              </a:extLst>
+            </p:cNvPr>
+            <p:cNvSpPr/>
+            <p:nvPr/>
+          </p:nvSpPr>
+          <p:spPr>
+            <a:xfrm>
+              <a:off x="6509238" y="330154"/>
+              <a:ext cx="5029200" cy="5420015"/>
+            </a:xfrm>
+            <a:prstGeom prst="roundRect">
+              <a:avLst/>
+            </a:prstGeom>
+            <a:noFill/>
+            <a:ln w="28575"/>
+          </p:spPr>
+          <p:style>
+            <a:lnRef idx="2">
+              <a:schemeClr val="accent1">
+                <a:shade val="50000"/>
+              </a:schemeClr>
+            </a:lnRef>
+            <a:fillRef idx="1">
+              <a:schemeClr val="accent1"/>
+            </a:fillRef>
+            <a:effectRef idx="0">
+              <a:schemeClr val="accent1"/>
+            </a:effectRef>
+            <a:fontRef idx="minor">
+              <a:schemeClr val="lt1"/>
+            </a:fontRef>
+          </p:style>
+          <p:txBody>
+            <a:bodyPr rtlCol="0" anchor="ctr"/>
+            <a:lstStyle/>
+            <a:p>
+              <a:pPr algn="ctr"/>
+              <a:endParaRPr lang="zh-CN" altLang="en-US"/>
+            </a:p>
+          </p:txBody>
+        </p:sp>
+      </p:grpSp>
+    </p:spTree>
+    <p:extLst>
+      <p:ext uri="{BB962C8B-B14F-4D97-AF65-F5344CB8AC3E}">
+        <p14:creationId xmlns:p14="http://schemas.microsoft.com/office/powerpoint/2010/main" val="420494027"/>
       </p:ext>
     </p:extLst>
   </p:cSld>
@@ -3988,7 +6473,11 @@
           <a:bodyPr/>
           <a:lstStyle/>
           <a:p>
-            <a:endParaRPr lang="zh-CN" altLang="en-US"/>
+            <a:r>
+              <a:rPr lang="ja-JP" altLang="en-US" dirty="0"/>
+              <a:t>発表の流れ</a:t>
+            </a:r>
+            <a:endParaRPr lang="zh-CN" altLang="en-US" dirty="0"/>
           </a:p>
         </p:txBody>
       </p:sp>
@@ -4010,10 +6499,98 @@
         </p:nvSpPr>
         <p:spPr/>
         <p:txBody>
-          <a:bodyPr/>
-          <a:lstStyle/>
-          <a:p>
-            <a:endParaRPr lang="zh-CN" altLang="en-US"/>
+          <a:bodyPr>
+            <a:normAutofit/>
+          </a:bodyPr>
+          <a:lstStyle/>
+          <a:p>
+            <a:pPr>
+              <a:buFont typeface="Wingdings" panose="05000000000000000000" pitchFamily="2" charset="2"/>
+              <a:buChar char="l"/>
+            </a:pPr>
+            <a:r>
+              <a:rPr lang="ja-JP" altLang="en-US" sz="2800" dirty="0"/>
+              <a:t>プロジェクト概要</a:t>
+            </a:r>
+            <a:endParaRPr lang="en-US" altLang="ja-JP" sz="2800" dirty="0"/>
+          </a:p>
+          <a:p>
+            <a:pPr>
+              <a:buFont typeface="Wingdings" panose="05000000000000000000" pitchFamily="2" charset="2"/>
+              <a:buChar char="l"/>
+            </a:pPr>
+            <a:r>
+              <a:rPr lang="ja-JP" altLang="en-US" sz="2800" dirty="0"/>
+              <a:t>関連研究と設計方針</a:t>
+            </a:r>
+            <a:endParaRPr lang="en-US" altLang="ja-JP" sz="2800" dirty="0"/>
+          </a:p>
+          <a:p>
+            <a:pPr>
+              <a:buFont typeface="Wingdings" panose="05000000000000000000" pitchFamily="2" charset="2"/>
+              <a:buChar char="l"/>
+            </a:pPr>
+            <a:r>
+              <a:rPr lang="ja-JP" altLang="en-US" sz="2800" dirty="0"/>
+              <a:t>レコメンダ</a:t>
+            </a:r>
+            <a:r>
+              <a:rPr lang="en-US" altLang="ja-JP" sz="2800" dirty="0"/>
+              <a:t>―</a:t>
+            </a:r>
+            <a:r>
+              <a:rPr lang="ja-JP" altLang="en-US" sz="2800" dirty="0"/>
+              <a:t>システム設計</a:t>
+            </a:r>
+            <a:endParaRPr lang="en-US" altLang="ja-JP" sz="2800" dirty="0"/>
+          </a:p>
+          <a:p>
+            <a:pPr>
+              <a:buFont typeface="Wingdings" panose="05000000000000000000" pitchFamily="2" charset="2"/>
+              <a:buChar char="l"/>
+            </a:pPr>
+            <a:r>
+              <a:rPr lang="ja-JP" altLang="en-US" sz="2800" dirty="0"/>
+              <a:t>レコメンダ</a:t>
+            </a:r>
+            <a:r>
+              <a:rPr lang="en-US" altLang="ja-JP" sz="2800" dirty="0"/>
+              <a:t>―</a:t>
+            </a:r>
+            <a:r>
+              <a:rPr lang="ja-JP" altLang="en-US" sz="2800" dirty="0"/>
+              <a:t>システム実装</a:t>
+            </a:r>
+            <a:endParaRPr lang="en-US" altLang="ja-JP" sz="2800" dirty="0"/>
+          </a:p>
+          <a:p>
+            <a:pPr>
+              <a:buFont typeface="Wingdings" panose="05000000000000000000" pitchFamily="2" charset="2"/>
+              <a:buChar char="l"/>
+            </a:pPr>
+            <a:r>
+              <a:rPr lang="ja-JP" altLang="en-US" sz="2800" dirty="0"/>
+              <a:t>評価手法と実験結果分析</a:t>
+            </a:r>
+            <a:endParaRPr lang="en-US" altLang="ja-JP" sz="2800" dirty="0"/>
+          </a:p>
+          <a:p>
+            <a:pPr>
+              <a:buFont typeface="Wingdings" panose="05000000000000000000" pitchFamily="2" charset="2"/>
+              <a:buChar char="l"/>
+            </a:pPr>
+            <a:r>
+              <a:rPr lang="ja-JP" altLang="en-US" sz="2800" dirty="0"/>
+              <a:t>まとめと今後の課題</a:t>
+            </a:r>
+            <a:endParaRPr lang="en-US" altLang="ja-JP" sz="2800" dirty="0"/>
+          </a:p>
+          <a:p>
+            <a:pPr>
+              <a:buFont typeface="Wingdings" panose="05000000000000000000" pitchFamily="2" charset="2"/>
+              <a:buChar char="l"/>
+            </a:pPr>
+            <a:endParaRPr lang="zh-CN" altLang="en-US" sz="2800" dirty="0"/>
           </a:p>
         </p:txBody>
       </p:sp>
@@ -4021,6 +6598,6135 @@
     <p:extLst>
       <p:ext uri="{BB962C8B-B14F-4D97-AF65-F5344CB8AC3E}">
         <p14:creationId xmlns:p14="http://schemas.microsoft.com/office/powerpoint/2010/main" val="2821515585"/>
+      </p:ext>
+    </p:extLst>
+  </p:cSld>
+  <p:clrMapOvr>
+    <a:masterClrMapping/>
+  </p:clrMapOvr>
+</p:sld>
+</file>
+
+<file path=ppt/slides/slide20.xml><?xml version="1.0" encoding="utf-8"?>
+<p:sld xmlns:a="http://schemas.openxmlformats.org/drawingml/2006/main" xmlns:r="http://schemas.openxmlformats.org/officeDocument/2006/relationships" xmlns:p="http://schemas.openxmlformats.org/presentationml/2006/main">
+  <p:cSld>
+    <p:spTree>
+      <p:nvGrpSpPr>
+        <p:cNvPr id="1" name=""/>
+        <p:cNvGrpSpPr/>
+        <p:nvPr/>
+      </p:nvGrpSpPr>
+      <p:grpSpPr>
+        <a:xfrm>
+          <a:off x="0" y="0"/>
+          <a:ext cx="0" cy="0"/>
+          <a:chOff x="0" y="0"/>
+          <a:chExt cx="0" cy="0"/>
+        </a:xfrm>
+      </p:grpSpPr>
+      <p:sp>
+        <p:nvSpPr>
+          <p:cNvPr id="2" name="标题 1">
+            <a:extLst>
+              <a:ext uri="{FF2B5EF4-FFF2-40B4-BE49-F238E27FC236}">
+                <a16:creationId xmlns:a16="http://schemas.microsoft.com/office/drawing/2014/main" id="{8961A1C8-2EE3-40FC-AA45-4CCE63CCF7EB}"/>
+              </a:ext>
+            </a:extLst>
+          </p:cNvPr>
+          <p:cNvSpPr>
+            <a:spLocks noGrp="1"/>
+          </p:cNvSpPr>
+          <p:nvPr>
+            <p:ph type="title"/>
+          </p:nvPr>
+        </p:nvSpPr>
+        <p:spPr/>
+        <p:txBody>
+          <a:bodyPr>
+            <a:normAutofit/>
+          </a:bodyPr>
+          <a:lstStyle/>
+          <a:p>
+            <a:r>
+              <a:rPr lang="ja-JP" altLang="en-US" sz="7200" dirty="0"/>
+              <a:t>レコメンダ</a:t>
+            </a:r>
+            <a:r>
+              <a:rPr lang="en-US" altLang="ja-JP" sz="7200" dirty="0"/>
+              <a:t>―</a:t>
+            </a:r>
+            <a:r>
+              <a:rPr lang="ja-JP" altLang="en-US" sz="7200" dirty="0"/>
+              <a:t>システム実装</a:t>
+            </a:r>
+            <a:endParaRPr lang="en-US" altLang="ja-JP" sz="7200" dirty="0"/>
+          </a:p>
+        </p:txBody>
+      </p:sp>
+      <p:sp>
+        <p:nvSpPr>
+          <p:cNvPr id="3" name="文本占位符 2">
+            <a:extLst>
+              <a:ext uri="{FF2B5EF4-FFF2-40B4-BE49-F238E27FC236}">
+                <a16:creationId xmlns:a16="http://schemas.microsoft.com/office/drawing/2014/main" id="{20B84D2A-CAB4-473E-A70C-EC2C747CAB00}"/>
+              </a:ext>
+            </a:extLst>
+          </p:cNvPr>
+          <p:cNvSpPr>
+            <a:spLocks noGrp="1"/>
+          </p:cNvSpPr>
+          <p:nvPr>
+            <p:ph type="body" idx="1"/>
+          </p:nvPr>
+        </p:nvSpPr>
+        <p:spPr/>
+        <p:txBody>
+          <a:bodyPr/>
+          <a:lstStyle/>
+          <a:p>
+            <a:endParaRPr lang="zh-CN" altLang="en-US" dirty="0"/>
+          </a:p>
+        </p:txBody>
+      </p:sp>
+    </p:spTree>
+    <p:extLst>
+      <p:ext uri="{BB962C8B-B14F-4D97-AF65-F5344CB8AC3E}">
+        <p14:creationId xmlns:p14="http://schemas.microsoft.com/office/powerpoint/2010/main" val="2331985741"/>
+      </p:ext>
+    </p:extLst>
+  </p:cSld>
+  <p:clrMapOvr>
+    <a:masterClrMapping/>
+  </p:clrMapOvr>
+</p:sld>
+</file>
+
+<file path=ppt/slides/slide21.xml><?xml version="1.0" encoding="utf-8"?>
+<p:sld xmlns:a="http://schemas.openxmlformats.org/drawingml/2006/main" xmlns:r="http://schemas.openxmlformats.org/officeDocument/2006/relationships" xmlns:p="http://schemas.openxmlformats.org/presentationml/2006/main">
+  <p:cSld>
+    <p:spTree>
+      <p:nvGrpSpPr>
+        <p:cNvPr id="1" name=""/>
+        <p:cNvGrpSpPr/>
+        <p:nvPr/>
+      </p:nvGrpSpPr>
+      <p:grpSpPr>
+        <a:xfrm>
+          <a:off x="0" y="0"/>
+          <a:ext cx="0" cy="0"/>
+          <a:chOff x="0" y="0"/>
+          <a:chExt cx="0" cy="0"/>
+        </a:xfrm>
+      </p:grpSpPr>
+      <p:sp>
+        <p:nvSpPr>
+          <p:cNvPr id="2" name="标题 1">
+            <a:extLst>
+              <a:ext uri="{FF2B5EF4-FFF2-40B4-BE49-F238E27FC236}">
+                <a16:creationId xmlns:a16="http://schemas.microsoft.com/office/drawing/2014/main" id="{F7537A04-F7AE-4554-AEAF-01A83F94A040}"/>
+              </a:ext>
+            </a:extLst>
+          </p:cNvPr>
+          <p:cNvSpPr>
+            <a:spLocks noGrp="1"/>
+          </p:cNvSpPr>
+          <p:nvPr>
+            <p:ph type="title"/>
+          </p:nvPr>
+        </p:nvSpPr>
+        <p:spPr/>
+        <p:txBody>
+          <a:bodyPr/>
+          <a:lstStyle/>
+          <a:p>
+            <a:r>
+              <a:rPr lang="ja-JP" altLang="en-US" dirty="0"/>
+              <a:t>システム全体像</a:t>
+            </a:r>
+            <a:endParaRPr lang="zh-CN" altLang="en-US" dirty="0"/>
+          </a:p>
+        </p:txBody>
+      </p:sp>
+      <p:grpSp>
+        <p:nvGrpSpPr>
+          <p:cNvPr id="5" name="组合 4">
+            <a:extLst>
+              <a:ext uri="{FF2B5EF4-FFF2-40B4-BE49-F238E27FC236}">
+                <a16:creationId xmlns:a16="http://schemas.microsoft.com/office/drawing/2014/main" id="{1E223223-F8C6-4FC9-9184-55D20DA922C1}"/>
+              </a:ext>
+            </a:extLst>
+          </p:cNvPr>
+          <p:cNvGrpSpPr/>
+          <p:nvPr/>
+        </p:nvGrpSpPr>
+        <p:grpSpPr>
+          <a:xfrm>
+            <a:off x="1118142" y="1796359"/>
+            <a:ext cx="9777073" cy="4516897"/>
+            <a:chOff x="322782" y="443312"/>
+            <a:chExt cx="10588712" cy="5791317"/>
+          </a:xfrm>
+        </p:grpSpPr>
+        <p:pic>
+          <p:nvPicPr>
+            <p:cNvPr id="6" name="图片 5">
+              <a:extLst>
+                <a:ext uri="{FF2B5EF4-FFF2-40B4-BE49-F238E27FC236}">
+                  <a16:creationId xmlns:a16="http://schemas.microsoft.com/office/drawing/2014/main" id="{788245E7-8A7F-4C16-9385-4D27BFDFD47C}"/>
+                </a:ext>
+              </a:extLst>
+            </p:cNvPr>
+            <p:cNvPicPr>
+              <a:picLocks noChangeAspect="1"/>
+            </p:cNvPicPr>
+            <p:nvPr/>
+          </p:nvPicPr>
+          <p:blipFill>
+            <a:blip r:embed="rId2"/>
+            <a:stretch>
+              <a:fillRect/>
+            </a:stretch>
+          </p:blipFill>
+          <p:spPr>
+            <a:xfrm>
+              <a:off x="349886" y="619678"/>
+              <a:ext cx="2095500" cy="2380615"/>
+            </a:xfrm>
+            <a:prstGeom prst="rect">
+              <a:avLst/>
+            </a:prstGeom>
+          </p:spPr>
+        </p:pic>
+        <p:pic>
+          <p:nvPicPr>
+            <p:cNvPr id="7" name="图片 6">
+              <a:extLst>
+                <a:ext uri="{FF2B5EF4-FFF2-40B4-BE49-F238E27FC236}">
+                  <a16:creationId xmlns:a16="http://schemas.microsoft.com/office/drawing/2014/main" id="{2FAC7ACB-61CD-4BA5-8927-27AD1B162213}"/>
+                </a:ext>
+              </a:extLst>
+            </p:cNvPr>
+            <p:cNvPicPr>
+              <a:picLocks noChangeAspect="1"/>
+            </p:cNvPicPr>
+            <p:nvPr/>
+          </p:nvPicPr>
+          <p:blipFill>
+            <a:blip r:embed="rId3"/>
+            <a:stretch>
+              <a:fillRect/>
+            </a:stretch>
+          </p:blipFill>
+          <p:spPr>
+            <a:xfrm>
+              <a:off x="7441247" y="443312"/>
+              <a:ext cx="2707005" cy="2228850"/>
+            </a:xfrm>
+            <a:prstGeom prst="rect">
+              <a:avLst/>
+            </a:prstGeom>
+          </p:spPr>
+        </p:pic>
+        <p:sp>
+          <p:nvSpPr>
+            <p:cNvPr id="8" name="圆角矩形 9">
+              <a:extLst>
+                <a:ext uri="{FF2B5EF4-FFF2-40B4-BE49-F238E27FC236}">
+                  <a16:creationId xmlns:a16="http://schemas.microsoft.com/office/drawing/2014/main" id="{D29A217D-AE1E-409C-8818-DC829A3BCFE6}"/>
+                </a:ext>
+              </a:extLst>
+            </p:cNvPr>
+            <p:cNvSpPr/>
+            <p:nvPr/>
+          </p:nvSpPr>
+          <p:spPr>
+            <a:xfrm>
+              <a:off x="322782" y="4225730"/>
+              <a:ext cx="2746621" cy="1934490"/>
+            </a:xfrm>
+            <a:prstGeom prst="roundRect">
+              <a:avLst/>
+            </a:prstGeom>
+            <a:noFill/>
+            <a:extLst>
+              <a:ext uri="{909E8E84-426E-40DD-AFC4-6F175D3DCCD1}">
+                <a14:hiddenFill xmlns:a14="http://schemas.microsoft.com/office/drawing/2010/main">
+                  <a:solidFill>
+                    <a:schemeClr val="accent1"/>
+                  </a:solidFill>
+                </a14:hiddenFill>
+              </a:ext>
+            </a:extLst>
+          </p:spPr>
+          <p:style>
+            <a:lnRef idx="2">
+              <a:schemeClr val="accent1">
+                <a:shade val="50000"/>
+              </a:schemeClr>
+            </a:lnRef>
+            <a:fillRef idx="1">
+              <a:schemeClr val="accent1"/>
+            </a:fillRef>
+            <a:effectRef idx="0">
+              <a:schemeClr val="accent1"/>
+            </a:effectRef>
+            <a:fontRef idx="minor">
+              <a:schemeClr val="lt1"/>
+            </a:fontRef>
+          </p:style>
+          <p:txBody>
+            <a:bodyPr rtlCol="0" anchor="ctr"/>
+            <a:lstStyle/>
+            <a:p>
+              <a:pPr algn="ctr"/>
+              <a:r>
+                <a:rPr lang="ja-JP" altLang="zh-CN" sz="3600">
+                  <a:solidFill>
+                    <a:schemeClr val="tx1"/>
+                  </a:solidFill>
+                </a:rPr>
+                <a:t>レコメンド</a:t>
+              </a:r>
+            </a:p>
+            <a:p>
+              <a:pPr algn="ctr"/>
+              <a:r>
+                <a:rPr lang="ja-JP" altLang="zh-CN" sz="3600">
+                  <a:solidFill>
+                    <a:schemeClr val="tx1"/>
+                  </a:solidFill>
+                </a:rPr>
+                <a:t>エンジン</a:t>
+              </a:r>
+            </a:p>
+          </p:txBody>
+        </p:sp>
+        <p:pic>
+          <p:nvPicPr>
+            <p:cNvPr id="9" name="图片 8">
+              <a:extLst>
+                <a:ext uri="{FF2B5EF4-FFF2-40B4-BE49-F238E27FC236}">
+                  <a16:creationId xmlns:a16="http://schemas.microsoft.com/office/drawing/2014/main" id="{E7C81EF1-1BAA-4963-AF4C-63C3DA25C86C}"/>
+                </a:ext>
+              </a:extLst>
+            </p:cNvPr>
+            <p:cNvPicPr>
+              <a:picLocks noChangeAspect="1"/>
+            </p:cNvPicPr>
+            <p:nvPr/>
+          </p:nvPicPr>
+          <p:blipFill>
+            <a:blip r:embed="rId4"/>
+            <a:stretch>
+              <a:fillRect/>
+            </a:stretch>
+          </p:blipFill>
+          <p:spPr>
+            <a:xfrm>
+              <a:off x="8292754" y="4300139"/>
+              <a:ext cx="2618740" cy="1743075"/>
+            </a:xfrm>
+            <a:prstGeom prst="rect">
+              <a:avLst/>
+            </a:prstGeom>
+          </p:spPr>
+        </p:pic>
+        <p:cxnSp>
+          <p:nvCxnSpPr>
+            <p:cNvPr id="10" name="直接箭头连接符 9">
+              <a:extLst>
+                <a:ext uri="{FF2B5EF4-FFF2-40B4-BE49-F238E27FC236}">
+                  <a16:creationId xmlns:a16="http://schemas.microsoft.com/office/drawing/2014/main" id="{9F0760FE-E718-4E15-83C6-1A94FE681F22}"/>
+                </a:ext>
+              </a:extLst>
+            </p:cNvPr>
+            <p:cNvCxnSpPr/>
+            <p:nvPr/>
+          </p:nvCxnSpPr>
+          <p:spPr>
+            <a:xfrm flipV="1">
+              <a:off x="2859405" y="1398482"/>
+              <a:ext cx="3698875" cy="6350"/>
+            </a:xfrm>
+            <a:prstGeom prst="straightConnector1">
+              <a:avLst/>
+            </a:prstGeom>
+            <a:ln w="38100">
+              <a:tailEnd type="arrow"/>
+            </a:ln>
+          </p:spPr>
+          <p:style>
+            <a:lnRef idx="1">
+              <a:schemeClr val="accent1"/>
+            </a:lnRef>
+            <a:fillRef idx="0">
+              <a:schemeClr val="accent1"/>
+            </a:fillRef>
+            <a:effectRef idx="0">
+              <a:schemeClr val="accent1"/>
+            </a:effectRef>
+            <a:fontRef idx="minor">
+              <a:schemeClr val="tx1"/>
+            </a:fontRef>
+          </p:style>
+        </p:cxnSp>
+        <p:cxnSp>
+          <p:nvCxnSpPr>
+            <p:cNvPr id="11" name="直接箭头连接符 10">
+              <a:extLst>
+                <a:ext uri="{FF2B5EF4-FFF2-40B4-BE49-F238E27FC236}">
+                  <a16:creationId xmlns:a16="http://schemas.microsoft.com/office/drawing/2014/main" id="{36EBDC57-D032-4866-821F-C4768326D401}"/>
+                </a:ext>
+              </a:extLst>
+            </p:cNvPr>
+            <p:cNvCxnSpPr/>
+            <p:nvPr/>
+          </p:nvCxnSpPr>
+          <p:spPr>
+            <a:xfrm>
+              <a:off x="8794750" y="2748280"/>
+              <a:ext cx="4445" cy="1136015"/>
+            </a:xfrm>
+            <a:prstGeom prst="straightConnector1">
+              <a:avLst/>
+            </a:prstGeom>
+            <a:ln w="38100">
+              <a:tailEnd type="arrow"/>
+            </a:ln>
+          </p:spPr>
+          <p:style>
+            <a:lnRef idx="1">
+              <a:schemeClr val="accent1"/>
+            </a:lnRef>
+            <a:fillRef idx="0">
+              <a:schemeClr val="accent1"/>
+            </a:fillRef>
+            <a:effectRef idx="0">
+              <a:schemeClr val="accent1"/>
+            </a:effectRef>
+            <a:fontRef idx="minor">
+              <a:schemeClr val="tx1"/>
+            </a:fontRef>
+          </p:style>
+        </p:cxnSp>
+        <p:cxnSp>
+          <p:nvCxnSpPr>
+            <p:cNvPr id="12" name="直接箭头连接符 11">
+              <a:extLst>
+                <a:ext uri="{FF2B5EF4-FFF2-40B4-BE49-F238E27FC236}">
+                  <a16:creationId xmlns:a16="http://schemas.microsoft.com/office/drawing/2014/main" id="{035AFF09-A9E2-45E6-BB0E-08ECCB31BE1C}"/>
+                </a:ext>
+              </a:extLst>
+            </p:cNvPr>
+            <p:cNvCxnSpPr/>
+            <p:nvPr/>
+          </p:nvCxnSpPr>
+          <p:spPr>
+            <a:xfrm flipH="1" flipV="1">
+              <a:off x="3593946" y="5535930"/>
+              <a:ext cx="2910840" cy="1271"/>
+            </a:xfrm>
+            <a:prstGeom prst="straightConnector1">
+              <a:avLst/>
+            </a:prstGeom>
+            <a:ln w="38100">
+              <a:tailEnd type="arrow"/>
+            </a:ln>
+          </p:spPr>
+          <p:style>
+            <a:lnRef idx="1">
+              <a:schemeClr val="accent1"/>
+            </a:lnRef>
+            <a:fillRef idx="0">
+              <a:schemeClr val="accent1"/>
+            </a:fillRef>
+            <a:effectRef idx="0">
+              <a:schemeClr val="accent1"/>
+            </a:effectRef>
+            <a:fontRef idx="minor">
+              <a:schemeClr val="tx1"/>
+            </a:fontRef>
+          </p:style>
+        </p:cxnSp>
+        <p:cxnSp>
+          <p:nvCxnSpPr>
+            <p:cNvPr id="13" name="直接箭头连接符 12">
+              <a:extLst>
+                <a:ext uri="{FF2B5EF4-FFF2-40B4-BE49-F238E27FC236}">
+                  <a16:creationId xmlns:a16="http://schemas.microsoft.com/office/drawing/2014/main" id="{47FCF6C3-1442-46A7-8E51-F32CBBD2933B}"/>
+                </a:ext>
+              </a:extLst>
+            </p:cNvPr>
+            <p:cNvCxnSpPr/>
+            <p:nvPr/>
+          </p:nvCxnSpPr>
+          <p:spPr>
+            <a:xfrm>
+              <a:off x="3633524" y="5042535"/>
+              <a:ext cx="2870200" cy="1271"/>
+            </a:xfrm>
+            <a:prstGeom prst="straightConnector1">
+              <a:avLst/>
+            </a:prstGeom>
+            <a:ln w="38100">
+              <a:solidFill>
+                <a:srgbClr val="7030A0"/>
+              </a:solidFill>
+              <a:tailEnd type="arrow"/>
+            </a:ln>
+          </p:spPr>
+          <p:style>
+            <a:lnRef idx="1">
+              <a:schemeClr val="accent1"/>
+            </a:lnRef>
+            <a:fillRef idx="0">
+              <a:schemeClr val="accent1"/>
+            </a:fillRef>
+            <a:effectRef idx="0">
+              <a:schemeClr val="accent1"/>
+            </a:effectRef>
+            <a:fontRef idx="minor">
+              <a:schemeClr val="tx1"/>
+            </a:fontRef>
+          </p:style>
+        </p:cxnSp>
+        <p:pic>
+          <p:nvPicPr>
+            <p:cNvPr id="14" name="图片 13">
+              <a:extLst>
+                <a:ext uri="{FF2B5EF4-FFF2-40B4-BE49-F238E27FC236}">
+                  <a16:creationId xmlns:a16="http://schemas.microsoft.com/office/drawing/2014/main" id="{81CF49D7-1B34-48CD-BBF8-8EC03AD3DF14}"/>
+                </a:ext>
+              </a:extLst>
+            </p:cNvPr>
+            <p:cNvPicPr>
+              <a:picLocks noChangeAspect="1"/>
+            </p:cNvPicPr>
+            <p:nvPr/>
+          </p:nvPicPr>
+          <p:blipFill>
+            <a:blip r:embed="rId5"/>
+            <a:stretch>
+              <a:fillRect/>
+            </a:stretch>
+          </p:blipFill>
+          <p:spPr>
+            <a:xfrm>
+              <a:off x="7648424" y="3853379"/>
+              <a:ext cx="1533525" cy="2381250"/>
+            </a:xfrm>
+            <a:prstGeom prst="rect">
+              <a:avLst/>
+            </a:prstGeom>
+          </p:spPr>
+        </p:pic>
+        <p:cxnSp>
+          <p:nvCxnSpPr>
+            <p:cNvPr id="15" name="直接箭头连接符 14">
+              <a:extLst>
+                <a:ext uri="{FF2B5EF4-FFF2-40B4-BE49-F238E27FC236}">
+                  <a16:creationId xmlns:a16="http://schemas.microsoft.com/office/drawing/2014/main" id="{9BABB02C-B6AE-4775-976E-91B625E1E908}"/>
+                </a:ext>
+              </a:extLst>
+            </p:cNvPr>
+            <p:cNvCxnSpPr/>
+            <p:nvPr/>
+          </p:nvCxnSpPr>
+          <p:spPr>
+            <a:xfrm flipH="1">
+              <a:off x="2910205" y="1857869"/>
+              <a:ext cx="3554095" cy="0"/>
+            </a:xfrm>
+            <a:prstGeom prst="straightConnector1">
+              <a:avLst/>
+            </a:prstGeom>
+            <a:ln w="38100">
+              <a:solidFill>
+                <a:srgbClr val="7030A0"/>
+              </a:solidFill>
+              <a:tailEnd type="arrow"/>
+            </a:ln>
+          </p:spPr>
+          <p:style>
+            <a:lnRef idx="1">
+              <a:schemeClr val="accent1"/>
+            </a:lnRef>
+            <a:fillRef idx="0">
+              <a:schemeClr val="accent1"/>
+            </a:fillRef>
+            <a:effectRef idx="0">
+              <a:schemeClr val="accent1"/>
+            </a:effectRef>
+            <a:fontRef idx="minor">
+              <a:schemeClr val="tx1"/>
+            </a:fontRef>
+          </p:style>
+        </p:cxnSp>
+        <p:cxnSp>
+          <p:nvCxnSpPr>
+            <p:cNvPr id="16" name="直接箭头连接符 15">
+              <a:extLst>
+                <a:ext uri="{FF2B5EF4-FFF2-40B4-BE49-F238E27FC236}">
+                  <a16:creationId xmlns:a16="http://schemas.microsoft.com/office/drawing/2014/main" id="{6048FA39-C29A-4D11-A85E-6968C15DE124}"/>
+                </a:ext>
+              </a:extLst>
+            </p:cNvPr>
+            <p:cNvCxnSpPr/>
+            <p:nvPr/>
+          </p:nvCxnSpPr>
+          <p:spPr>
+            <a:xfrm flipV="1">
+              <a:off x="8222269" y="2778125"/>
+              <a:ext cx="0" cy="1126490"/>
+            </a:xfrm>
+            <a:prstGeom prst="straightConnector1">
+              <a:avLst/>
+            </a:prstGeom>
+            <a:ln w="38100">
+              <a:solidFill>
+                <a:srgbClr val="7030A0"/>
+              </a:solidFill>
+              <a:tailEnd type="arrow"/>
+            </a:ln>
+          </p:spPr>
+          <p:style>
+            <a:lnRef idx="1">
+              <a:schemeClr val="accent1"/>
+            </a:lnRef>
+            <a:fillRef idx="0">
+              <a:schemeClr val="accent1"/>
+            </a:fillRef>
+            <a:effectRef idx="0">
+              <a:schemeClr val="accent1"/>
+            </a:effectRef>
+            <a:fontRef idx="minor">
+              <a:schemeClr val="tx1"/>
+            </a:fontRef>
+          </p:style>
+        </p:cxnSp>
+        <p:sp>
+          <p:nvSpPr>
+            <p:cNvPr id="17" name="文本框 16">
+              <a:extLst>
+                <a:ext uri="{FF2B5EF4-FFF2-40B4-BE49-F238E27FC236}">
+                  <a16:creationId xmlns:a16="http://schemas.microsoft.com/office/drawing/2014/main" id="{FE147F19-EA0F-4701-BF89-B5AA9B414A5B}"/>
+                </a:ext>
+              </a:extLst>
+            </p:cNvPr>
+            <p:cNvSpPr txBox="1"/>
+            <p:nvPr/>
+          </p:nvSpPr>
+          <p:spPr>
+            <a:xfrm>
+              <a:off x="3590925" y="942975"/>
+              <a:ext cx="1698625" cy="398780"/>
+            </a:xfrm>
+            <a:prstGeom prst="rect">
+              <a:avLst/>
+            </a:prstGeom>
+            <a:noFill/>
+          </p:spPr>
+          <p:txBody>
+            <a:bodyPr wrap="none" rtlCol="0">
+              <a:spAutoFit/>
+            </a:bodyPr>
+            <a:lstStyle/>
+            <a:p>
+              <a:r>
+                <a:rPr lang="en-US" altLang="zh-CN" sz="2000" b="1" dirty="0"/>
+                <a:t>1</a:t>
+              </a:r>
+              <a:r>
+                <a:rPr lang="ja-JP" altLang="en-US" sz="2000" b="1" dirty="0"/>
+                <a:t>．閲覧と購入</a:t>
+              </a:r>
+            </a:p>
+          </p:txBody>
+        </p:sp>
+        <p:sp>
+          <p:nvSpPr>
+            <p:cNvPr id="18" name="文本框 17">
+              <a:extLst>
+                <a:ext uri="{FF2B5EF4-FFF2-40B4-BE49-F238E27FC236}">
+                  <a16:creationId xmlns:a16="http://schemas.microsoft.com/office/drawing/2014/main" id="{7F2FF1F4-9017-4054-9D52-5EE668868DC8}"/>
+                </a:ext>
+              </a:extLst>
+            </p:cNvPr>
+            <p:cNvSpPr txBox="1"/>
+            <p:nvPr/>
+          </p:nvSpPr>
+          <p:spPr>
+            <a:xfrm>
+              <a:off x="8799195" y="3088005"/>
+              <a:ext cx="1678305" cy="398780"/>
+            </a:xfrm>
+            <a:prstGeom prst="rect">
+              <a:avLst/>
+            </a:prstGeom>
+            <a:noFill/>
+          </p:spPr>
+          <p:txBody>
+            <a:bodyPr wrap="none" rtlCol="0">
+              <a:spAutoFit/>
+            </a:bodyPr>
+            <a:lstStyle/>
+            <a:p>
+              <a:r>
+                <a:rPr lang="en-US" altLang="zh-CN" sz="2000" b="1" dirty="0"/>
+                <a:t>2</a:t>
+              </a:r>
+              <a:r>
+                <a:rPr lang="ja-JP" altLang="en-US" sz="2000" b="1" dirty="0"/>
+                <a:t>．データ記録</a:t>
+              </a:r>
+            </a:p>
+          </p:txBody>
+        </p:sp>
+        <p:sp>
+          <p:nvSpPr>
+            <p:cNvPr id="19" name="文本框 18">
+              <a:extLst>
+                <a:ext uri="{FF2B5EF4-FFF2-40B4-BE49-F238E27FC236}">
+                  <a16:creationId xmlns:a16="http://schemas.microsoft.com/office/drawing/2014/main" id="{0133D075-7706-40DB-A72A-F8184DAB86E6}"/>
+                </a:ext>
+              </a:extLst>
+            </p:cNvPr>
+            <p:cNvSpPr txBox="1"/>
+            <p:nvPr/>
+          </p:nvSpPr>
+          <p:spPr>
+            <a:xfrm>
+              <a:off x="3897001" y="5537200"/>
+              <a:ext cx="2599690" cy="398780"/>
+            </a:xfrm>
+            <a:prstGeom prst="rect">
+              <a:avLst/>
+            </a:prstGeom>
+            <a:noFill/>
+          </p:spPr>
+          <p:txBody>
+            <a:bodyPr wrap="none" rtlCol="0">
+              <a:spAutoFit/>
+            </a:bodyPr>
+            <a:lstStyle/>
+            <a:p>
+              <a:r>
+                <a:rPr lang="en-US" altLang="zh-CN" sz="2000" b="1" dirty="0"/>
+                <a:t>3</a:t>
+              </a:r>
+              <a:r>
+                <a:rPr lang="ja-JP" altLang="en-US" sz="2000" b="1" dirty="0"/>
+                <a:t>．エンジンを呼び出す</a:t>
+              </a:r>
+            </a:p>
+          </p:txBody>
+        </p:sp>
+        <p:sp>
+          <p:nvSpPr>
+            <p:cNvPr id="20" name="文本框 19">
+              <a:extLst>
+                <a:ext uri="{FF2B5EF4-FFF2-40B4-BE49-F238E27FC236}">
+                  <a16:creationId xmlns:a16="http://schemas.microsoft.com/office/drawing/2014/main" id="{D07F8A45-92DC-45F6-A70F-96D24B6AF5A6}"/>
+                </a:ext>
+              </a:extLst>
+            </p:cNvPr>
+            <p:cNvSpPr txBox="1"/>
+            <p:nvPr/>
+          </p:nvSpPr>
+          <p:spPr>
+            <a:xfrm>
+              <a:off x="3893232" y="4588300"/>
+              <a:ext cx="1999615" cy="398780"/>
+            </a:xfrm>
+            <a:prstGeom prst="rect">
+              <a:avLst/>
+            </a:prstGeom>
+            <a:noFill/>
+          </p:spPr>
+          <p:txBody>
+            <a:bodyPr wrap="none" rtlCol="0">
+              <a:spAutoFit/>
+            </a:bodyPr>
+            <a:lstStyle/>
+            <a:p>
+              <a:r>
+                <a:rPr lang="en-US" altLang="zh-CN" sz="2000" b="1" dirty="0"/>
+                <a:t>4</a:t>
+              </a:r>
+              <a:r>
+                <a:rPr lang="ja-JP" altLang="en-US" sz="2000" b="1" dirty="0"/>
+                <a:t>．レコメンド出力</a:t>
+              </a:r>
+            </a:p>
+          </p:txBody>
+        </p:sp>
+        <p:sp>
+          <p:nvSpPr>
+            <p:cNvPr id="21" name="文本框 20">
+              <a:extLst>
+                <a:ext uri="{FF2B5EF4-FFF2-40B4-BE49-F238E27FC236}">
+                  <a16:creationId xmlns:a16="http://schemas.microsoft.com/office/drawing/2014/main" id="{54B8107B-E730-40B2-A4BD-39F35047295D}"/>
+                </a:ext>
+              </a:extLst>
+            </p:cNvPr>
+            <p:cNvSpPr txBox="1"/>
+            <p:nvPr/>
+          </p:nvSpPr>
+          <p:spPr>
+            <a:xfrm>
+              <a:off x="6618259" y="3117215"/>
+              <a:ext cx="1503045" cy="398780"/>
+            </a:xfrm>
+            <a:prstGeom prst="rect">
+              <a:avLst/>
+            </a:prstGeom>
+            <a:noFill/>
+          </p:spPr>
+          <p:txBody>
+            <a:bodyPr wrap="none" rtlCol="0">
+              <a:spAutoFit/>
+            </a:bodyPr>
+            <a:lstStyle/>
+            <a:p>
+              <a:r>
+                <a:rPr lang="en-US" altLang="zh-CN" sz="2000" b="1" dirty="0"/>
+                <a:t>5</a:t>
+              </a:r>
+              <a:r>
+                <a:rPr lang="ja-JP" altLang="en-US" sz="2000" b="1" dirty="0"/>
+                <a:t>．結果転送</a:t>
+              </a:r>
+            </a:p>
+          </p:txBody>
+        </p:sp>
+        <p:sp>
+          <p:nvSpPr>
+            <p:cNvPr id="22" name="文本框 21">
+              <a:extLst>
+                <a:ext uri="{FF2B5EF4-FFF2-40B4-BE49-F238E27FC236}">
+                  <a16:creationId xmlns:a16="http://schemas.microsoft.com/office/drawing/2014/main" id="{58987055-B53E-4FD6-A6B3-A14236A0EFE1}"/>
+                </a:ext>
+              </a:extLst>
+            </p:cNvPr>
+            <p:cNvSpPr txBox="1"/>
+            <p:nvPr/>
+          </p:nvSpPr>
+          <p:spPr>
+            <a:xfrm>
+              <a:off x="3241675" y="1838960"/>
+              <a:ext cx="2890520" cy="398780"/>
+            </a:xfrm>
+            <a:prstGeom prst="rect">
+              <a:avLst/>
+            </a:prstGeom>
+            <a:noFill/>
+          </p:spPr>
+          <p:txBody>
+            <a:bodyPr wrap="none" rtlCol="0">
+              <a:spAutoFit/>
+            </a:bodyPr>
+            <a:lstStyle/>
+            <a:p>
+              <a:r>
+                <a:rPr lang="en-US" altLang="zh-CN" sz="2000" b="1" dirty="0"/>
+                <a:t>6</a:t>
+              </a:r>
+              <a:r>
+                <a:rPr lang="ja-JP" altLang="en-US" sz="2000" b="1" dirty="0"/>
+                <a:t>．おすすめアイテム表示</a:t>
+              </a:r>
+            </a:p>
+          </p:txBody>
+        </p:sp>
+      </p:grpSp>
+    </p:spTree>
+    <p:extLst>
+      <p:ext uri="{BB962C8B-B14F-4D97-AF65-F5344CB8AC3E}">
+        <p14:creationId xmlns:p14="http://schemas.microsoft.com/office/powerpoint/2010/main" val="1692928762"/>
+      </p:ext>
+    </p:extLst>
+  </p:cSld>
+  <p:clrMapOvr>
+    <a:masterClrMapping/>
+  </p:clrMapOvr>
+</p:sld>
+</file>
+
+<file path=ppt/slides/slide22.xml><?xml version="1.0" encoding="utf-8"?>
+<p:sld xmlns:a="http://schemas.openxmlformats.org/drawingml/2006/main" xmlns:r="http://schemas.openxmlformats.org/officeDocument/2006/relationships" xmlns:p="http://schemas.openxmlformats.org/presentationml/2006/main">
+  <p:cSld>
+    <p:spTree>
+      <p:nvGrpSpPr>
+        <p:cNvPr id="1" name=""/>
+        <p:cNvGrpSpPr/>
+        <p:nvPr/>
+      </p:nvGrpSpPr>
+      <p:grpSpPr>
+        <a:xfrm>
+          <a:off x="0" y="0"/>
+          <a:ext cx="0" cy="0"/>
+          <a:chOff x="0" y="0"/>
+          <a:chExt cx="0" cy="0"/>
+        </a:xfrm>
+      </p:grpSpPr>
+      <p:sp>
+        <p:nvSpPr>
+          <p:cNvPr id="2" name="标题 1">
+            <a:extLst>
+              <a:ext uri="{FF2B5EF4-FFF2-40B4-BE49-F238E27FC236}">
+                <a16:creationId xmlns:a16="http://schemas.microsoft.com/office/drawing/2014/main" id="{F7537A04-F7AE-4554-AEAF-01A83F94A040}"/>
+              </a:ext>
+            </a:extLst>
+          </p:cNvPr>
+          <p:cNvSpPr>
+            <a:spLocks noGrp="1"/>
+          </p:cNvSpPr>
+          <p:nvPr>
+            <p:ph type="title"/>
+          </p:nvPr>
+        </p:nvSpPr>
+        <p:spPr/>
+        <p:txBody>
+          <a:bodyPr/>
+          <a:lstStyle/>
+          <a:p>
+            <a:r>
+              <a:rPr lang="ja-JP" altLang="en-US" dirty="0"/>
+              <a:t>レコメンドのプロセス</a:t>
+            </a:r>
+            <a:endParaRPr lang="zh-CN" altLang="en-US" dirty="0"/>
+          </a:p>
+        </p:txBody>
+      </p:sp>
+      <p:grpSp>
+        <p:nvGrpSpPr>
+          <p:cNvPr id="4" name="组合 3">
+            <a:extLst>
+              <a:ext uri="{FF2B5EF4-FFF2-40B4-BE49-F238E27FC236}">
+                <a16:creationId xmlns:a16="http://schemas.microsoft.com/office/drawing/2014/main" id="{B8DD5CDF-A408-4288-8DDF-30749920D827}"/>
+              </a:ext>
+            </a:extLst>
+          </p:cNvPr>
+          <p:cNvGrpSpPr/>
+          <p:nvPr/>
+        </p:nvGrpSpPr>
+        <p:grpSpPr>
+          <a:xfrm>
+            <a:off x="142404" y="1850073"/>
+            <a:ext cx="12038638" cy="4527723"/>
+            <a:chOff x="-5080" y="950422"/>
+            <a:chExt cx="12038638" cy="4527723"/>
+          </a:xfrm>
+        </p:grpSpPr>
+        <p:pic>
+          <p:nvPicPr>
+            <p:cNvPr id="5" name="图片 4">
+              <a:extLst>
+                <a:ext uri="{FF2B5EF4-FFF2-40B4-BE49-F238E27FC236}">
+                  <a16:creationId xmlns:a16="http://schemas.microsoft.com/office/drawing/2014/main" id="{01178037-DB7D-455D-9A70-4F5948023CE4}"/>
+                </a:ext>
+              </a:extLst>
+            </p:cNvPr>
+            <p:cNvPicPr>
+              <a:picLocks noChangeAspect="1"/>
+            </p:cNvPicPr>
+            <p:nvPr/>
+          </p:nvPicPr>
+          <p:blipFill>
+            <a:blip r:embed="rId2"/>
+            <a:stretch>
+              <a:fillRect/>
+            </a:stretch>
+          </p:blipFill>
+          <p:spPr>
+            <a:xfrm>
+              <a:off x="6758305" y="1725930"/>
+              <a:ext cx="907415" cy="964565"/>
+            </a:xfrm>
+            <a:prstGeom prst="rect">
+              <a:avLst/>
+            </a:prstGeom>
+          </p:spPr>
+        </p:pic>
+        <p:pic>
+          <p:nvPicPr>
+            <p:cNvPr id="6" name="图片 5">
+              <a:extLst>
+                <a:ext uri="{FF2B5EF4-FFF2-40B4-BE49-F238E27FC236}">
+                  <a16:creationId xmlns:a16="http://schemas.microsoft.com/office/drawing/2014/main" id="{22D98322-C600-45D6-B7BC-A6AA606DB583}"/>
+                </a:ext>
+              </a:extLst>
+            </p:cNvPr>
+            <p:cNvPicPr>
+              <a:picLocks noChangeAspect="1"/>
+            </p:cNvPicPr>
+            <p:nvPr/>
+          </p:nvPicPr>
+          <p:blipFill>
+            <a:blip r:embed="rId3"/>
+            <a:stretch>
+              <a:fillRect/>
+            </a:stretch>
+          </p:blipFill>
+          <p:spPr>
+            <a:xfrm>
+              <a:off x="-5080" y="1992140"/>
+              <a:ext cx="2707005" cy="2228850"/>
+            </a:xfrm>
+            <a:prstGeom prst="rect">
+              <a:avLst/>
+            </a:prstGeom>
+          </p:spPr>
+        </p:pic>
+        <p:pic>
+          <p:nvPicPr>
+            <p:cNvPr id="7" name="图片 6">
+              <a:extLst>
+                <a:ext uri="{FF2B5EF4-FFF2-40B4-BE49-F238E27FC236}">
+                  <a16:creationId xmlns:a16="http://schemas.microsoft.com/office/drawing/2014/main" id="{39C5A862-E109-4605-83B9-3774986B44E9}"/>
+                </a:ext>
+              </a:extLst>
+            </p:cNvPr>
+            <p:cNvPicPr>
+              <a:picLocks noChangeAspect="1"/>
+            </p:cNvPicPr>
+            <p:nvPr/>
+          </p:nvPicPr>
+          <p:blipFill>
+            <a:blip r:embed="rId4"/>
+            <a:stretch>
+              <a:fillRect/>
+            </a:stretch>
+          </p:blipFill>
+          <p:spPr>
+            <a:xfrm>
+              <a:off x="9212888" y="1859669"/>
+              <a:ext cx="2820670" cy="2228215"/>
+            </a:xfrm>
+            <a:prstGeom prst="rect">
+              <a:avLst/>
+            </a:prstGeom>
+          </p:spPr>
+        </p:pic>
+        <p:sp>
+          <p:nvSpPr>
+            <p:cNvPr id="8" name="圆角矩形 7">
+              <a:extLst>
+                <a:ext uri="{FF2B5EF4-FFF2-40B4-BE49-F238E27FC236}">
+                  <a16:creationId xmlns:a16="http://schemas.microsoft.com/office/drawing/2014/main" id="{D7DF51DC-06C7-484A-B7E9-70F9BD160A0B}"/>
+                </a:ext>
+              </a:extLst>
+            </p:cNvPr>
+            <p:cNvSpPr/>
+            <p:nvPr/>
+          </p:nvSpPr>
+          <p:spPr>
+            <a:xfrm>
+              <a:off x="4231313" y="950422"/>
+              <a:ext cx="3873500" cy="4019785"/>
+            </a:xfrm>
+            <a:prstGeom prst="roundRect">
+              <a:avLst/>
+            </a:prstGeom>
+            <a:noFill/>
+            <a:extLst>
+              <a:ext uri="{909E8E84-426E-40DD-AFC4-6F175D3DCCD1}">
+                <a14:hiddenFill xmlns:a14="http://schemas.microsoft.com/office/drawing/2010/main">
+                  <a:solidFill>
+                    <a:schemeClr val="accent1"/>
+                  </a:solidFill>
+                </a14:hiddenFill>
+              </a:ext>
+            </a:extLst>
+          </p:spPr>
+          <p:style>
+            <a:lnRef idx="2">
+              <a:schemeClr val="accent1">
+                <a:shade val="50000"/>
+              </a:schemeClr>
+            </a:lnRef>
+            <a:fillRef idx="1">
+              <a:schemeClr val="accent1"/>
+            </a:fillRef>
+            <a:effectRef idx="0">
+              <a:schemeClr val="accent1"/>
+            </a:effectRef>
+            <a:fontRef idx="minor">
+              <a:schemeClr val="lt1"/>
+            </a:fontRef>
+          </p:style>
+          <p:txBody>
+            <a:bodyPr rtlCol="0" anchor="ctr"/>
+            <a:lstStyle/>
+            <a:p>
+              <a:pPr algn="ctr"/>
+              <a:endParaRPr lang="ja-JP" altLang="zh-CN" sz="3600">
+                <a:solidFill>
+                  <a:schemeClr val="tx1"/>
+                </a:solidFill>
+              </a:endParaRPr>
+            </a:p>
+          </p:txBody>
+        </p:sp>
+        <p:sp>
+          <p:nvSpPr>
+            <p:cNvPr id="9" name="右箭头 8">
+              <a:extLst>
+                <a:ext uri="{FF2B5EF4-FFF2-40B4-BE49-F238E27FC236}">
+                  <a16:creationId xmlns:a16="http://schemas.microsoft.com/office/drawing/2014/main" id="{D59458B9-0516-4DB3-A4DE-DC7FE95BF5A1}"/>
+                </a:ext>
+              </a:extLst>
+            </p:cNvPr>
+            <p:cNvSpPr/>
+            <p:nvPr/>
+          </p:nvSpPr>
+          <p:spPr>
+            <a:xfrm>
+              <a:off x="2868930" y="1888490"/>
+              <a:ext cx="1773555" cy="646430"/>
+            </a:xfrm>
+            <a:prstGeom prst="rightArrow">
+              <a:avLst/>
+            </a:prstGeom>
+            <a:solidFill>
+              <a:srgbClr val="ECCD8B"/>
+            </a:solidFill>
+            <a:ln>
+              <a:noFill/>
+            </a:ln>
+          </p:spPr>
+          <p:style>
+            <a:lnRef idx="2">
+              <a:schemeClr val="accent1">
+                <a:shade val="50000"/>
+              </a:schemeClr>
+            </a:lnRef>
+            <a:fillRef idx="1">
+              <a:schemeClr val="accent1"/>
+            </a:fillRef>
+            <a:effectRef idx="0">
+              <a:schemeClr val="accent1"/>
+            </a:effectRef>
+            <a:fontRef idx="minor">
+              <a:schemeClr val="lt1"/>
+            </a:fontRef>
+          </p:style>
+          <p:txBody>
+            <a:bodyPr rtlCol="0" anchor="ctr"/>
+            <a:lstStyle/>
+            <a:p>
+              <a:pPr algn="ctr"/>
+              <a:r>
+                <a:rPr lang="en-US" altLang="ja-JP" sz="1600" b="1">
+                  <a:solidFill>
+                    <a:schemeClr val="tx1"/>
+                  </a:solidFill>
+                </a:rPr>
+                <a:t>1</a:t>
+              </a:r>
+              <a:r>
+                <a:rPr lang="ja-JP" altLang="en-US" sz="1600" b="1">
+                  <a:solidFill>
+                    <a:schemeClr val="tx1"/>
+                  </a:solidFill>
+                </a:rPr>
+                <a:t>．</a:t>
+              </a:r>
+              <a:r>
+                <a:rPr lang="en-US" altLang="ja-JP" sz="1600" b="1">
+                  <a:solidFill>
+                    <a:schemeClr val="tx1"/>
+                  </a:solidFill>
+                </a:rPr>
+                <a:t>User</a:t>
+              </a:r>
+              <a:r>
+                <a:rPr lang="ja-JP" altLang="zh-CN" sz="1600" b="1">
+                  <a:solidFill>
+                    <a:schemeClr val="tx1"/>
+                  </a:solidFill>
+                </a:rPr>
+                <a:t>データ</a:t>
+              </a:r>
+            </a:p>
+          </p:txBody>
+        </p:sp>
+        <p:sp>
+          <p:nvSpPr>
+            <p:cNvPr id="10" name="右箭头 9">
+              <a:extLst>
+                <a:ext uri="{FF2B5EF4-FFF2-40B4-BE49-F238E27FC236}">
+                  <a16:creationId xmlns:a16="http://schemas.microsoft.com/office/drawing/2014/main" id="{91C3C579-0994-47D7-97CC-2EE038A5CDCF}"/>
+                </a:ext>
+              </a:extLst>
+            </p:cNvPr>
+            <p:cNvSpPr/>
+            <p:nvPr/>
+          </p:nvSpPr>
+          <p:spPr>
+            <a:xfrm>
+              <a:off x="7665720" y="1884680"/>
+              <a:ext cx="1666240" cy="646430"/>
+            </a:xfrm>
+            <a:prstGeom prst="rightArrow">
+              <a:avLst/>
+            </a:prstGeom>
+            <a:solidFill>
+              <a:srgbClr val="E9BC76"/>
+            </a:solidFill>
+            <a:ln>
+              <a:noFill/>
+            </a:ln>
+          </p:spPr>
+          <p:style>
+            <a:lnRef idx="2">
+              <a:schemeClr val="accent1">
+                <a:shade val="50000"/>
+              </a:schemeClr>
+            </a:lnRef>
+            <a:fillRef idx="1">
+              <a:schemeClr val="accent1"/>
+            </a:fillRef>
+            <a:effectRef idx="0">
+              <a:schemeClr val="accent1"/>
+            </a:effectRef>
+            <a:fontRef idx="minor">
+              <a:schemeClr val="lt1"/>
+            </a:fontRef>
+          </p:style>
+          <p:txBody>
+            <a:bodyPr rtlCol="0" anchor="ctr"/>
+            <a:lstStyle/>
+            <a:p>
+              <a:pPr algn="ctr"/>
+              <a:r>
+                <a:rPr lang="en-US" altLang="ja-JP" sz="1600" b="1">
+                  <a:solidFill>
+                    <a:schemeClr val="tx1"/>
+                  </a:solidFill>
+                </a:rPr>
+                <a:t>2</a:t>
+              </a:r>
+              <a:r>
+                <a:rPr lang="ja-JP" altLang="en-US" sz="1600" b="1">
+                  <a:solidFill>
+                    <a:schemeClr val="tx1"/>
+                  </a:solidFill>
+                </a:rPr>
+                <a:t>．</a:t>
+              </a:r>
+              <a:r>
+                <a:rPr lang="ja-JP" altLang="zh-CN" sz="1600" b="1">
+                  <a:solidFill>
+                    <a:schemeClr val="tx1"/>
+                  </a:solidFill>
+                </a:rPr>
+                <a:t>データ分析</a:t>
+              </a:r>
+            </a:p>
+          </p:txBody>
+        </p:sp>
+        <p:sp>
+          <p:nvSpPr>
+            <p:cNvPr id="11" name="左箭头 10">
+              <a:extLst>
+                <a:ext uri="{FF2B5EF4-FFF2-40B4-BE49-F238E27FC236}">
+                  <a16:creationId xmlns:a16="http://schemas.microsoft.com/office/drawing/2014/main" id="{6981DFDF-4182-41C4-AB64-9A4C1AF8483D}"/>
+                </a:ext>
+              </a:extLst>
+            </p:cNvPr>
+            <p:cNvSpPr/>
+            <p:nvPr/>
+          </p:nvSpPr>
+          <p:spPr>
+            <a:xfrm>
+              <a:off x="7665720" y="3636010"/>
+              <a:ext cx="2349500" cy="607060"/>
+            </a:xfrm>
+            <a:prstGeom prst="leftArrow">
+              <a:avLst/>
+            </a:prstGeom>
+            <a:solidFill>
+              <a:srgbClr val="EBA85F"/>
+            </a:solidFill>
+            <a:ln>
+              <a:noFill/>
+            </a:ln>
+          </p:spPr>
+          <p:style>
+            <a:lnRef idx="2">
+              <a:schemeClr val="accent1">
+                <a:shade val="50000"/>
+              </a:schemeClr>
+            </a:lnRef>
+            <a:fillRef idx="1">
+              <a:schemeClr val="accent1"/>
+            </a:fillRef>
+            <a:effectRef idx="0">
+              <a:schemeClr val="accent1"/>
+            </a:effectRef>
+            <a:fontRef idx="minor">
+              <a:schemeClr val="lt1"/>
+            </a:fontRef>
+          </p:style>
+          <p:txBody>
+            <a:bodyPr rtlCol="0" anchor="ctr"/>
+            <a:lstStyle/>
+            <a:p>
+              <a:pPr algn="ctr"/>
+              <a:r>
+                <a:rPr lang="en-US" altLang="ja-JP" sz="1600" b="1">
+                  <a:solidFill>
+                    <a:schemeClr val="tx1"/>
+                  </a:solidFill>
+                </a:rPr>
+                <a:t>3</a:t>
+              </a:r>
+              <a:r>
+                <a:rPr lang="ja-JP" altLang="en-US" sz="1600" b="1">
+                  <a:solidFill>
+                    <a:schemeClr val="tx1"/>
+                  </a:solidFill>
+                </a:rPr>
+                <a:t>．</a:t>
+              </a:r>
+              <a:r>
+                <a:rPr lang="ja-JP" altLang="zh-CN" sz="1600" b="1">
+                  <a:solidFill>
+                    <a:schemeClr val="tx1"/>
+                  </a:solidFill>
+                </a:rPr>
+                <a:t>レコメンド計算完了</a:t>
+              </a:r>
+            </a:p>
+          </p:txBody>
+        </p:sp>
+        <p:sp>
+          <p:nvSpPr>
+            <p:cNvPr id="12" name="左箭头 11">
+              <a:extLst>
+                <a:ext uri="{FF2B5EF4-FFF2-40B4-BE49-F238E27FC236}">
+                  <a16:creationId xmlns:a16="http://schemas.microsoft.com/office/drawing/2014/main" id="{03DE8464-F048-4CF0-8573-AD211BE0FEF5}"/>
+                </a:ext>
+              </a:extLst>
+            </p:cNvPr>
+            <p:cNvSpPr/>
+            <p:nvPr/>
+          </p:nvSpPr>
+          <p:spPr>
+            <a:xfrm>
+              <a:off x="2359660" y="3636010"/>
+              <a:ext cx="2282825" cy="607060"/>
+            </a:xfrm>
+            <a:prstGeom prst="leftArrow">
+              <a:avLst/>
+            </a:prstGeom>
+            <a:solidFill>
+              <a:schemeClr val="accent4">
+                <a:lumMod val="75000"/>
+              </a:schemeClr>
+            </a:solidFill>
+            <a:ln>
+              <a:noFill/>
+            </a:ln>
+          </p:spPr>
+          <p:style>
+            <a:lnRef idx="2">
+              <a:schemeClr val="accent1">
+                <a:shade val="50000"/>
+              </a:schemeClr>
+            </a:lnRef>
+            <a:fillRef idx="1">
+              <a:schemeClr val="accent1"/>
+            </a:fillRef>
+            <a:effectRef idx="0">
+              <a:schemeClr val="accent1"/>
+            </a:effectRef>
+            <a:fontRef idx="minor">
+              <a:schemeClr val="lt1"/>
+            </a:fontRef>
+          </p:style>
+          <p:txBody>
+            <a:bodyPr rtlCol="0" anchor="ctr"/>
+            <a:lstStyle/>
+            <a:p>
+              <a:pPr algn="ctr"/>
+              <a:r>
+                <a:rPr lang="en-US" altLang="ja-JP" sz="1600" b="1">
+                  <a:solidFill>
+                    <a:schemeClr val="tx1"/>
+                  </a:solidFill>
+                </a:rPr>
+                <a:t>4</a:t>
+              </a:r>
+              <a:r>
+                <a:rPr lang="ja-JP" altLang="en-US" sz="1600" b="1">
+                  <a:solidFill>
+                    <a:schemeClr val="tx1"/>
+                  </a:solidFill>
+                </a:rPr>
+                <a:t>．</a:t>
+              </a:r>
+              <a:r>
+                <a:rPr lang="ja-JP" altLang="zh-CN" sz="1600" b="1">
+                  <a:solidFill>
+                    <a:schemeClr val="tx1"/>
+                  </a:solidFill>
+                </a:rPr>
+                <a:t>レコメンド結果表示</a:t>
+              </a:r>
+            </a:p>
+          </p:txBody>
+        </p:sp>
+        <p:grpSp>
+          <p:nvGrpSpPr>
+            <p:cNvPr id="13" name="组合 12">
+              <a:extLst>
+                <a:ext uri="{FF2B5EF4-FFF2-40B4-BE49-F238E27FC236}">
+                  <a16:creationId xmlns:a16="http://schemas.microsoft.com/office/drawing/2014/main" id="{68406877-403F-41B0-A7D3-56E8B89B3DBA}"/>
+                </a:ext>
+              </a:extLst>
+            </p:cNvPr>
+            <p:cNvGrpSpPr/>
+            <p:nvPr/>
+          </p:nvGrpSpPr>
+          <p:grpSpPr>
+            <a:xfrm>
+              <a:off x="882650" y="5109845"/>
+              <a:ext cx="10426700" cy="368300"/>
+              <a:chOff x="1365" y="6787"/>
+              <a:chExt cx="16420" cy="580"/>
+            </a:xfrm>
+          </p:grpSpPr>
+          <p:sp>
+            <p:nvSpPr>
+              <p:cNvPr id="23" name="文本框 22">
+                <a:extLst>
+                  <a:ext uri="{FF2B5EF4-FFF2-40B4-BE49-F238E27FC236}">
+                    <a16:creationId xmlns:a16="http://schemas.microsoft.com/office/drawing/2014/main" id="{C6FFD27F-D5EA-4F6F-9436-4965FEC69FD2}"/>
+                  </a:ext>
+                </a:extLst>
+              </p:cNvPr>
+              <p:cNvSpPr txBox="1"/>
+              <p:nvPr/>
+            </p:nvSpPr>
+            <p:spPr>
+              <a:xfrm>
+                <a:off x="1365" y="6787"/>
+                <a:ext cx="2742" cy="580"/>
+              </a:xfrm>
+              <a:prstGeom prst="rect">
+                <a:avLst/>
+              </a:prstGeom>
+              <a:noFill/>
+            </p:spPr>
+            <p:txBody>
+              <a:bodyPr wrap="square" rtlCol="0">
+                <a:spAutoFit/>
+              </a:bodyPr>
+              <a:lstStyle/>
+              <a:p>
+                <a:r>
+                  <a:rPr lang="ja-JP" altLang="zh-CN" b="1" dirty="0"/>
+                  <a:t>ウェブサイト</a:t>
+                </a:r>
+              </a:p>
+            </p:txBody>
+          </p:sp>
+          <p:sp>
+            <p:nvSpPr>
+              <p:cNvPr id="24" name="文本框 23">
+                <a:extLst>
+                  <a:ext uri="{FF2B5EF4-FFF2-40B4-BE49-F238E27FC236}">
+                    <a16:creationId xmlns:a16="http://schemas.microsoft.com/office/drawing/2014/main" id="{3626B1E0-565E-4413-AC2D-DB9BF704810D}"/>
+                  </a:ext>
+                </a:extLst>
+              </p:cNvPr>
+              <p:cNvSpPr txBox="1"/>
+              <p:nvPr/>
+            </p:nvSpPr>
+            <p:spPr>
+              <a:xfrm>
+                <a:off x="15043" y="6787"/>
+                <a:ext cx="2742" cy="580"/>
+              </a:xfrm>
+              <a:prstGeom prst="rect">
+                <a:avLst/>
+              </a:prstGeom>
+              <a:noFill/>
+            </p:spPr>
+            <p:txBody>
+              <a:bodyPr wrap="square" rtlCol="0">
+                <a:spAutoFit/>
+              </a:bodyPr>
+              <a:lstStyle/>
+              <a:p>
+                <a:r>
+                  <a:rPr lang="ja-JP" altLang="zh-CN" b="1" dirty="0"/>
+                  <a:t>エンジン</a:t>
+                </a:r>
+              </a:p>
+            </p:txBody>
+          </p:sp>
+          <p:sp>
+            <p:nvSpPr>
+              <p:cNvPr id="25" name="文本框 24">
+                <a:extLst>
+                  <a:ext uri="{FF2B5EF4-FFF2-40B4-BE49-F238E27FC236}">
+                    <a16:creationId xmlns:a16="http://schemas.microsoft.com/office/drawing/2014/main" id="{13207385-F226-4D58-A2C9-0423E8F1957A}"/>
+                  </a:ext>
+                </a:extLst>
+              </p:cNvPr>
+              <p:cNvSpPr txBox="1"/>
+              <p:nvPr/>
+            </p:nvSpPr>
+            <p:spPr>
+              <a:xfrm>
+                <a:off x="8229" y="6787"/>
+                <a:ext cx="2742" cy="580"/>
+              </a:xfrm>
+              <a:prstGeom prst="rect">
+                <a:avLst/>
+              </a:prstGeom>
+              <a:noFill/>
+            </p:spPr>
+            <p:txBody>
+              <a:bodyPr wrap="square" rtlCol="0">
+                <a:spAutoFit/>
+              </a:bodyPr>
+              <a:lstStyle/>
+              <a:p>
+                <a:pPr algn="ctr"/>
+                <a:r>
+                  <a:rPr lang="ja-JP" altLang="zh-CN" b="1" dirty="0"/>
+                  <a:t>サーバ</a:t>
+                </a:r>
+              </a:p>
+            </p:txBody>
+          </p:sp>
+        </p:grpSp>
+        <p:pic>
+          <p:nvPicPr>
+            <p:cNvPr id="14" name="图片 13">
+              <a:extLst>
+                <a:ext uri="{FF2B5EF4-FFF2-40B4-BE49-F238E27FC236}">
+                  <a16:creationId xmlns:a16="http://schemas.microsoft.com/office/drawing/2014/main" id="{93E10A77-49EA-45FA-BE01-5B52A08207EF}"/>
+                </a:ext>
+              </a:extLst>
+            </p:cNvPr>
+            <p:cNvPicPr>
+              <a:picLocks noChangeAspect="1"/>
+            </p:cNvPicPr>
+            <p:nvPr/>
+          </p:nvPicPr>
+          <p:blipFill>
+            <a:blip r:embed="rId5"/>
+            <a:stretch>
+              <a:fillRect/>
+            </a:stretch>
+          </p:blipFill>
+          <p:spPr>
+            <a:xfrm>
+              <a:off x="4784090" y="1725930"/>
+              <a:ext cx="702945" cy="971550"/>
+            </a:xfrm>
+            <a:prstGeom prst="rect">
+              <a:avLst/>
+            </a:prstGeom>
+          </p:spPr>
+        </p:pic>
+        <p:sp>
+          <p:nvSpPr>
+            <p:cNvPr id="15" name="文本框 14">
+              <a:extLst>
+                <a:ext uri="{FF2B5EF4-FFF2-40B4-BE49-F238E27FC236}">
+                  <a16:creationId xmlns:a16="http://schemas.microsoft.com/office/drawing/2014/main" id="{BB4264B4-603E-4AC9-957F-F391F176A8A9}"/>
+                </a:ext>
+              </a:extLst>
+            </p:cNvPr>
+            <p:cNvSpPr txBox="1"/>
+            <p:nvPr/>
+          </p:nvSpPr>
+          <p:spPr>
+            <a:xfrm>
+              <a:off x="4642485" y="1243965"/>
+              <a:ext cx="1102360" cy="368300"/>
+            </a:xfrm>
+            <a:prstGeom prst="rect">
+              <a:avLst/>
+            </a:prstGeom>
+            <a:noFill/>
+          </p:spPr>
+          <p:txBody>
+            <a:bodyPr wrap="none" rtlCol="0">
+              <a:spAutoFit/>
+            </a:bodyPr>
+            <a:lstStyle/>
+            <a:p>
+              <a:r>
+                <a:rPr lang="ja-JP" altLang="zh-CN" b="1"/>
+                <a:t>情報履歴</a:t>
+              </a:r>
+            </a:p>
+          </p:txBody>
+        </p:sp>
+        <p:sp>
+          <p:nvSpPr>
+            <p:cNvPr id="16" name="文本框 15">
+              <a:extLst>
+                <a:ext uri="{FF2B5EF4-FFF2-40B4-BE49-F238E27FC236}">
+                  <a16:creationId xmlns:a16="http://schemas.microsoft.com/office/drawing/2014/main" id="{DDAB18B8-8ADA-46D9-B4BA-ABFAF4EFFCF3}"/>
+                </a:ext>
+              </a:extLst>
+            </p:cNvPr>
+            <p:cNvSpPr txBox="1"/>
+            <p:nvPr/>
+          </p:nvSpPr>
+          <p:spPr>
+            <a:xfrm>
+              <a:off x="6647815" y="1243965"/>
+              <a:ext cx="1256665" cy="368300"/>
+            </a:xfrm>
+            <a:prstGeom prst="rect">
+              <a:avLst/>
+            </a:prstGeom>
+            <a:noFill/>
+          </p:spPr>
+          <p:txBody>
+            <a:bodyPr wrap="none" rtlCol="0">
+              <a:spAutoFit/>
+            </a:bodyPr>
+            <a:lstStyle/>
+            <a:p>
+              <a:r>
+                <a:rPr lang="en-US" altLang="ja-JP" b="1"/>
+                <a:t>request</a:t>
+              </a:r>
+              <a:r>
+                <a:rPr lang="en-US" altLang="zh-CN" b="1"/>
+                <a:t>.csv</a:t>
+              </a:r>
+            </a:p>
+          </p:txBody>
+        </p:sp>
+        <p:pic>
+          <p:nvPicPr>
+            <p:cNvPr id="17" name="图片 16">
+              <a:extLst>
+                <a:ext uri="{FF2B5EF4-FFF2-40B4-BE49-F238E27FC236}">
+                  <a16:creationId xmlns:a16="http://schemas.microsoft.com/office/drawing/2014/main" id="{FFF7B2A3-86D3-45C2-8D12-E7479D57E1CA}"/>
+                </a:ext>
+              </a:extLst>
+            </p:cNvPr>
+            <p:cNvPicPr>
+              <a:picLocks noChangeAspect="1"/>
+            </p:cNvPicPr>
+            <p:nvPr/>
+          </p:nvPicPr>
+          <p:blipFill>
+            <a:blip r:embed="rId6"/>
+            <a:stretch>
+              <a:fillRect/>
+            </a:stretch>
+          </p:blipFill>
+          <p:spPr>
+            <a:xfrm>
+              <a:off x="6774180" y="3340100"/>
+              <a:ext cx="902970" cy="902970"/>
+            </a:xfrm>
+            <a:prstGeom prst="rect">
+              <a:avLst/>
+            </a:prstGeom>
+          </p:spPr>
+        </p:pic>
+        <p:sp>
+          <p:nvSpPr>
+            <p:cNvPr id="18" name="文本框 17">
+              <a:extLst>
+                <a:ext uri="{FF2B5EF4-FFF2-40B4-BE49-F238E27FC236}">
+                  <a16:creationId xmlns:a16="http://schemas.microsoft.com/office/drawing/2014/main" id="{96F55A03-F011-4517-ACBA-97A641334BD0}"/>
+                </a:ext>
+              </a:extLst>
+            </p:cNvPr>
+            <p:cNvSpPr txBox="1"/>
+            <p:nvPr/>
+          </p:nvSpPr>
+          <p:spPr>
+            <a:xfrm>
+              <a:off x="6686550" y="4243070"/>
+              <a:ext cx="1078230" cy="368300"/>
+            </a:xfrm>
+            <a:prstGeom prst="rect">
+              <a:avLst/>
+            </a:prstGeom>
+            <a:noFill/>
+          </p:spPr>
+          <p:txBody>
+            <a:bodyPr wrap="none" rtlCol="0">
+              <a:spAutoFit/>
+            </a:bodyPr>
+            <a:lstStyle/>
+            <a:p>
+              <a:r>
+                <a:rPr lang="en-US" altLang="ja-JP" b="1"/>
+                <a:t>result.csv</a:t>
+              </a:r>
+            </a:p>
+          </p:txBody>
+        </p:sp>
+        <p:sp>
+          <p:nvSpPr>
+            <p:cNvPr id="19" name="右箭头 23">
+              <a:extLst>
+                <a:ext uri="{FF2B5EF4-FFF2-40B4-BE49-F238E27FC236}">
+                  <a16:creationId xmlns:a16="http://schemas.microsoft.com/office/drawing/2014/main" id="{D9C43C96-B401-4F12-A9C0-1F4D9E35FA9C}"/>
+                </a:ext>
+              </a:extLst>
+            </p:cNvPr>
+            <p:cNvSpPr/>
+            <p:nvPr/>
+          </p:nvSpPr>
+          <p:spPr>
+            <a:xfrm>
+              <a:off x="5650230" y="1915795"/>
+              <a:ext cx="1123950" cy="615315"/>
+            </a:xfrm>
+            <a:prstGeom prst="rightArrow">
+              <a:avLst/>
+            </a:prstGeom>
+            <a:solidFill>
+              <a:schemeClr val="accent6">
+                <a:lumMod val="60000"/>
+                <a:lumOff val="40000"/>
+              </a:schemeClr>
+            </a:solidFill>
+            <a:ln>
+              <a:noFill/>
+            </a:ln>
+          </p:spPr>
+          <p:style>
+            <a:lnRef idx="2">
+              <a:schemeClr val="accent1">
+                <a:shade val="50000"/>
+              </a:schemeClr>
+            </a:lnRef>
+            <a:fillRef idx="1">
+              <a:schemeClr val="accent1"/>
+            </a:fillRef>
+            <a:effectRef idx="0">
+              <a:schemeClr val="accent1"/>
+            </a:effectRef>
+            <a:fontRef idx="minor">
+              <a:schemeClr val="lt1"/>
+            </a:fontRef>
+          </p:style>
+          <p:txBody>
+            <a:bodyPr rtlCol="0" anchor="ctr"/>
+            <a:lstStyle/>
+            <a:p>
+              <a:pPr algn="ctr"/>
+              <a:r>
+                <a:rPr lang="ja-JP" altLang="zh-CN" sz="1200">
+                  <a:solidFill>
+                    <a:schemeClr val="tx1"/>
+                  </a:solidFill>
+                </a:rPr>
+                <a:t>データ処理</a:t>
+              </a:r>
+            </a:p>
+          </p:txBody>
+        </p:sp>
+        <p:sp>
+          <p:nvSpPr>
+            <p:cNvPr id="20" name="左箭头 2">
+              <a:extLst>
+                <a:ext uri="{FF2B5EF4-FFF2-40B4-BE49-F238E27FC236}">
+                  <a16:creationId xmlns:a16="http://schemas.microsoft.com/office/drawing/2014/main" id="{9662BB94-9C02-4C56-817B-FBE86D97295C}"/>
+                </a:ext>
+              </a:extLst>
+            </p:cNvPr>
+            <p:cNvSpPr/>
+            <p:nvPr/>
+          </p:nvSpPr>
+          <p:spPr>
+            <a:xfrm>
+              <a:off x="5649595" y="3522980"/>
+              <a:ext cx="1108710" cy="594360"/>
+            </a:xfrm>
+            <a:prstGeom prst="leftArrow">
+              <a:avLst/>
+            </a:prstGeom>
+            <a:solidFill>
+              <a:srgbClr val="92D050"/>
+            </a:solidFill>
+            <a:ln>
+              <a:noFill/>
+            </a:ln>
+          </p:spPr>
+          <p:style>
+            <a:lnRef idx="2">
+              <a:schemeClr val="accent1">
+                <a:shade val="50000"/>
+              </a:schemeClr>
+            </a:lnRef>
+            <a:fillRef idx="1">
+              <a:schemeClr val="accent1"/>
+            </a:fillRef>
+            <a:effectRef idx="0">
+              <a:schemeClr val="accent1"/>
+            </a:effectRef>
+            <a:fontRef idx="minor">
+              <a:schemeClr val="lt1"/>
+            </a:fontRef>
+          </p:style>
+          <p:txBody>
+            <a:bodyPr rtlCol="0" anchor="ctr"/>
+            <a:lstStyle/>
+            <a:p>
+              <a:pPr algn="ctr"/>
+              <a:r>
+                <a:rPr lang="ja-JP" altLang="en-US" sz="1200">
+                  <a:solidFill>
+                    <a:schemeClr val="tx1"/>
+                  </a:solidFill>
+                </a:rPr>
+                <a:t>データ処理</a:t>
+              </a:r>
+            </a:p>
+          </p:txBody>
+        </p:sp>
+        <p:pic>
+          <p:nvPicPr>
+            <p:cNvPr id="21" name="图片 20">
+              <a:extLst>
+                <a:ext uri="{FF2B5EF4-FFF2-40B4-BE49-F238E27FC236}">
+                  <a16:creationId xmlns:a16="http://schemas.microsoft.com/office/drawing/2014/main" id="{D19362BA-9AC6-4BB6-B35B-2B2674319EF1}"/>
+                </a:ext>
+              </a:extLst>
+            </p:cNvPr>
+            <p:cNvPicPr>
+              <a:picLocks noChangeAspect="1"/>
+            </p:cNvPicPr>
+            <p:nvPr/>
+          </p:nvPicPr>
+          <p:blipFill>
+            <a:blip r:embed="rId6"/>
+            <a:stretch>
+              <a:fillRect/>
+            </a:stretch>
+          </p:blipFill>
+          <p:spPr>
+            <a:xfrm>
+              <a:off x="4747260" y="3340100"/>
+              <a:ext cx="902970" cy="902970"/>
+            </a:xfrm>
+            <a:prstGeom prst="rect">
+              <a:avLst/>
+            </a:prstGeom>
+          </p:spPr>
+        </p:pic>
+        <p:sp>
+          <p:nvSpPr>
+            <p:cNvPr id="22" name="文本框 21">
+              <a:extLst>
+                <a:ext uri="{FF2B5EF4-FFF2-40B4-BE49-F238E27FC236}">
+                  <a16:creationId xmlns:a16="http://schemas.microsoft.com/office/drawing/2014/main" id="{26DC4B65-32A0-4FCB-9D88-B02EF950F4C1}"/>
+                </a:ext>
+              </a:extLst>
+            </p:cNvPr>
+            <p:cNvSpPr txBox="1"/>
+            <p:nvPr/>
+          </p:nvSpPr>
+          <p:spPr>
+            <a:xfrm>
+              <a:off x="4863465" y="4243070"/>
+              <a:ext cx="671195" cy="368300"/>
+            </a:xfrm>
+            <a:prstGeom prst="rect">
+              <a:avLst/>
+            </a:prstGeom>
+            <a:noFill/>
+          </p:spPr>
+          <p:txBody>
+            <a:bodyPr wrap="none" rtlCol="0">
+              <a:spAutoFit/>
+            </a:bodyPr>
+            <a:lstStyle/>
+            <a:p>
+              <a:r>
+                <a:rPr lang="en-US" altLang="ja-JP" b="1"/>
+                <a:t>JSON</a:t>
+              </a:r>
+            </a:p>
+          </p:txBody>
+        </p:sp>
+      </p:grpSp>
+    </p:spTree>
+    <p:extLst>
+      <p:ext uri="{BB962C8B-B14F-4D97-AF65-F5344CB8AC3E}">
+        <p14:creationId xmlns:p14="http://schemas.microsoft.com/office/powerpoint/2010/main" val="2906160066"/>
+      </p:ext>
+    </p:extLst>
+  </p:cSld>
+  <p:clrMapOvr>
+    <a:masterClrMapping/>
+  </p:clrMapOvr>
+</p:sld>
+</file>
+
+<file path=ppt/slides/slide23.xml><?xml version="1.0" encoding="utf-8"?>
+<p:sld xmlns:a="http://schemas.openxmlformats.org/drawingml/2006/main" xmlns:r="http://schemas.openxmlformats.org/officeDocument/2006/relationships" xmlns:p="http://schemas.openxmlformats.org/presentationml/2006/main">
+  <p:cSld>
+    <p:spTree>
+      <p:nvGrpSpPr>
+        <p:cNvPr id="1" name=""/>
+        <p:cNvGrpSpPr/>
+        <p:nvPr/>
+      </p:nvGrpSpPr>
+      <p:grpSpPr>
+        <a:xfrm>
+          <a:off x="0" y="0"/>
+          <a:ext cx="0" cy="0"/>
+          <a:chOff x="0" y="0"/>
+          <a:chExt cx="0" cy="0"/>
+        </a:xfrm>
+      </p:grpSpPr>
+      <p:sp>
+        <p:nvSpPr>
+          <p:cNvPr id="2" name="标题 1">
+            <a:extLst>
+              <a:ext uri="{FF2B5EF4-FFF2-40B4-BE49-F238E27FC236}">
+                <a16:creationId xmlns:a16="http://schemas.microsoft.com/office/drawing/2014/main" id="{F7537A04-F7AE-4554-AEAF-01A83F94A040}"/>
+              </a:ext>
+            </a:extLst>
+          </p:cNvPr>
+          <p:cNvSpPr>
+            <a:spLocks noGrp="1"/>
+          </p:cNvSpPr>
+          <p:nvPr>
+            <p:ph type="title"/>
+          </p:nvPr>
+        </p:nvSpPr>
+        <p:spPr/>
+        <p:txBody>
+          <a:bodyPr/>
+          <a:lstStyle/>
+          <a:p>
+            <a:r>
+              <a:rPr lang="ja-JP" altLang="en-US" dirty="0"/>
+              <a:t>ユーザーベースフィルタリング実装</a:t>
+            </a:r>
+            <a:endParaRPr lang="zh-CN" altLang="en-US" dirty="0"/>
+          </a:p>
+        </p:txBody>
+      </p:sp>
+      <p:pic>
+        <p:nvPicPr>
+          <p:cNvPr id="6" name="图片 5">
+            <a:extLst>
+              <a:ext uri="{FF2B5EF4-FFF2-40B4-BE49-F238E27FC236}">
+                <a16:creationId xmlns:a16="http://schemas.microsoft.com/office/drawing/2014/main" id="{E37BD9B3-535E-4D5C-ACCA-D33864041801}"/>
+              </a:ext>
+            </a:extLst>
+          </p:cNvPr>
+          <p:cNvPicPr>
+            <a:picLocks noChangeAspect="1"/>
+          </p:cNvPicPr>
+          <p:nvPr/>
+        </p:nvPicPr>
+        <p:blipFill>
+          <a:blip r:embed="rId2"/>
+          <a:stretch>
+            <a:fillRect/>
+          </a:stretch>
+        </p:blipFill>
+        <p:spPr>
+          <a:xfrm>
+            <a:off x="4805389" y="2959022"/>
+            <a:ext cx="3812139" cy="1500756"/>
+          </a:xfrm>
+          <a:prstGeom prst="rect">
+            <a:avLst/>
+          </a:prstGeom>
+        </p:spPr>
+      </p:pic>
+      <p:pic>
+        <p:nvPicPr>
+          <p:cNvPr id="10" name="内容占位符 9">
+            <a:extLst>
+              <a:ext uri="{FF2B5EF4-FFF2-40B4-BE49-F238E27FC236}">
+                <a16:creationId xmlns:a16="http://schemas.microsoft.com/office/drawing/2014/main" id="{DC6565D7-A90E-486F-9922-D21845DEE674}"/>
+              </a:ext>
+            </a:extLst>
+          </p:cNvPr>
+          <p:cNvPicPr>
+            <a:picLocks noGrp="1" noChangeAspect="1"/>
+          </p:cNvPicPr>
+          <p:nvPr>
+            <p:ph idx="1"/>
+          </p:nvPr>
+        </p:nvPicPr>
+        <p:blipFill>
+          <a:blip r:embed="rId3"/>
+          <a:stretch>
+            <a:fillRect/>
+          </a:stretch>
+        </p:blipFill>
+        <p:spPr>
+          <a:xfrm>
+            <a:off x="714894" y="1977391"/>
+            <a:ext cx="3286125" cy="3143250"/>
+          </a:xfrm>
+          <a:prstGeom prst="rect">
+            <a:avLst/>
+          </a:prstGeom>
+        </p:spPr>
+      </p:pic>
+    </p:spTree>
+    <p:extLst>
+      <p:ext uri="{BB962C8B-B14F-4D97-AF65-F5344CB8AC3E}">
+        <p14:creationId xmlns:p14="http://schemas.microsoft.com/office/powerpoint/2010/main" val="2780543950"/>
+      </p:ext>
+    </p:extLst>
+  </p:cSld>
+  <p:clrMapOvr>
+    <a:masterClrMapping/>
+  </p:clrMapOvr>
+</p:sld>
+</file>
+
+<file path=ppt/slides/slide24.xml><?xml version="1.0" encoding="utf-8"?>
+<p:sld xmlns:a="http://schemas.openxmlformats.org/drawingml/2006/main" xmlns:r="http://schemas.openxmlformats.org/officeDocument/2006/relationships" xmlns:p="http://schemas.openxmlformats.org/presentationml/2006/main">
+  <p:cSld>
+    <p:spTree>
+      <p:nvGrpSpPr>
+        <p:cNvPr id="1" name=""/>
+        <p:cNvGrpSpPr/>
+        <p:nvPr/>
+      </p:nvGrpSpPr>
+      <p:grpSpPr>
+        <a:xfrm>
+          <a:off x="0" y="0"/>
+          <a:ext cx="0" cy="0"/>
+          <a:chOff x="0" y="0"/>
+          <a:chExt cx="0" cy="0"/>
+        </a:xfrm>
+      </p:grpSpPr>
+      <p:sp>
+        <p:nvSpPr>
+          <p:cNvPr id="2" name="标题 1">
+            <a:extLst>
+              <a:ext uri="{FF2B5EF4-FFF2-40B4-BE49-F238E27FC236}">
+                <a16:creationId xmlns:a16="http://schemas.microsoft.com/office/drawing/2014/main" id="{F7537A04-F7AE-4554-AEAF-01A83F94A040}"/>
+              </a:ext>
+            </a:extLst>
+          </p:cNvPr>
+          <p:cNvSpPr>
+            <a:spLocks noGrp="1"/>
+          </p:cNvSpPr>
+          <p:nvPr>
+            <p:ph type="title"/>
+          </p:nvPr>
+        </p:nvSpPr>
+        <p:spPr>
+          <a:xfrm>
+            <a:off x="1097280" y="286603"/>
+            <a:ext cx="10058400" cy="1450757"/>
+          </a:xfrm>
+        </p:spPr>
+        <p:txBody>
+          <a:bodyPr/>
+          <a:lstStyle/>
+          <a:p>
+            <a:r>
+              <a:rPr lang="ja-JP" altLang="en-US" dirty="0"/>
+              <a:t>コンテンツベースフィルタリング実装</a:t>
+            </a:r>
+            <a:endParaRPr lang="zh-CN" altLang="en-US" dirty="0"/>
+          </a:p>
+        </p:txBody>
+      </p:sp>
+      <p:sp>
+        <p:nvSpPr>
+          <p:cNvPr id="3" name="内容占位符 2">
+            <a:extLst>
+              <a:ext uri="{FF2B5EF4-FFF2-40B4-BE49-F238E27FC236}">
+                <a16:creationId xmlns:a16="http://schemas.microsoft.com/office/drawing/2014/main" id="{2172A70F-422E-4FA0-A7D4-A66EE2012CEF}"/>
+              </a:ext>
+            </a:extLst>
+          </p:cNvPr>
+          <p:cNvSpPr>
+            <a:spLocks noGrp="1"/>
+          </p:cNvSpPr>
+          <p:nvPr>
+            <p:ph idx="1"/>
+          </p:nvPr>
+        </p:nvSpPr>
+        <p:spPr/>
+        <p:txBody>
+          <a:bodyPr/>
+          <a:lstStyle/>
+          <a:p>
+            <a:endParaRPr lang="zh-CN" altLang="en-US"/>
+          </a:p>
+        </p:txBody>
+      </p:sp>
+    </p:spTree>
+    <p:extLst>
+      <p:ext uri="{BB962C8B-B14F-4D97-AF65-F5344CB8AC3E}">
+        <p14:creationId xmlns:p14="http://schemas.microsoft.com/office/powerpoint/2010/main" val="4067247939"/>
+      </p:ext>
+    </p:extLst>
+  </p:cSld>
+  <p:clrMapOvr>
+    <a:masterClrMapping/>
+  </p:clrMapOvr>
+</p:sld>
+</file>
+
+<file path=ppt/slides/slide25.xml><?xml version="1.0" encoding="utf-8"?>
+<p:sld xmlns:a="http://schemas.openxmlformats.org/drawingml/2006/main" xmlns:r="http://schemas.openxmlformats.org/officeDocument/2006/relationships" xmlns:p="http://schemas.openxmlformats.org/presentationml/2006/main">
+  <p:cSld>
+    <p:spTree>
+      <p:nvGrpSpPr>
+        <p:cNvPr id="1" name=""/>
+        <p:cNvGrpSpPr/>
+        <p:nvPr/>
+      </p:nvGrpSpPr>
+      <p:grpSpPr>
+        <a:xfrm>
+          <a:off x="0" y="0"/>
+          <a:ext cx="0" cy="0"/>
+          <a:chOff x="0" y="0"/>
+          <a:chExt cx="0" cy="0"/>
+        </a:xfrm>
+      </p:grpSpPr>
+      <p:sp>
+        <p:nvSpPr>
+          <p:cNvPr id="2" name="标题 1">
+            <a:extLst>
+              <a:ext uri="{FF2B5EF4-FFF2-40B4-BE49-F238E27FC236}">
+                <a16:creationId xmlns:a16="http://schemas.microsoft.com/office/drawing/2014/main" id="{F7537A04-F7AE-4554-AEAF-01A83F94A040}"/>
+              </a:ext>
+            </a:extLst>
+          </p:cNvPr>
+          <p:cNvSpPr>
+            <a:spLocks noGrp="1"/>
+          </p:cNvSpPr>
+          <p:nvPr>
+            <p:ph type="title"/>
+          </p:nvPr>
+        </p:nvSpPr>
+        <p:spPr/>
+        <p:txBody>
+          <a:bodyPr/>
+          <a:lstStyle/>
+          <a:p>
+            <a:r>
+              <a:rPr lang="ja-JP" altLang="en-US" dirty="0"/>
+              <a:t>カラーベースフィルタリング実装</a:t>
+            </a:r>
+            <a:endParaRPr lang="zh-CN" altLang="en-US" dirty="0"/>
+          </a:p>
+        </p:txBody>
+      </p:sp>
+      <p:sp>
+        <p:nvSpPr>
+          <p:cNvPr id="3" name="内容占位符 2">
+            <a:extLst>
+              <a:ext uri="{FF2B5EF4-FFF2-40B4-BE49-F238E27FC236}">
+                <a16:creationId xmlns:a16="http://schemas.microsoft.com/office/drawing/2014/main" id="{2172A70F-422E-4FA0-A7D4-A66EE2012CEF}"/>
+              </a:ext>
+            </a:extLst>
+          </p:cNvPr>
+          <p:cNvSpPr>
+            <a:spLocks noGrp="1"/>
+          </p:cNvSpPr>
+          <p:nvPr>
+            <p:ph idx="1"/>
+          </p:nvPr>
+        </p:nvSpPr>
+        <p:spPr/>
+        <p:txBody>
+          <a:bodyPr/>
+          <a:lstStyle/>
+          <a:p>
+            <a:endParaRPr lang="zh-CN" altLang="en-US"/>
+          </a:p>
+        </p:txBody>
+      </p:sp>
+    </p:spTree>
+    <p:extLst>
+      <p:ext uri="{BB962C8B-B14F-4D97-AF65-F5344CB8AC3E}">
+        <p14:creationId xmlns:p14="http://schemas.microsoft.com/office/powerpoint/2010/main" val="3975000894"/>
+      </p:ext>
+    </p:extLst>
+  </p:cSld>
+  <p:clrMapOvr>
+    <a:masterClrMapping/>
+  </p:clrMapOvr>
+</p:sld>
+</file>
+
+<file path=ppt/slides/slide26.xml><?xml version="1.0" encoding="utf-8"?>
+<p:sld xmlns:a="http://schemas.openxmlformats.org/drawingml/2006/main" xmlns:r="http://schemas.openxmlformats.org/officeDocument/2006/relationships" xmlns:p="http://schemas.openxmlformats.org/presentationml/2006/main">
+  <p:cSld>
+    <p:spTree>
+      <p:nvGrpSpPr>
+        <p:cNvPr id="1" name=""/>
+        <p:cNvGrpSpPr/>
+        <p:nvPr/>
+      </p:nvGrpSpPr>
+      <p:grpSpPr>
+        <a:xfrm>
+          <a:off x="0" y="0"/>
+          <a:ext cx="0" cy="0"/>
+          <a:chOff x="0" y="0"/>
+          <a:chExt cx="0" cy="0"/>
+        </a:xfrm>
+      </p:grpSpPr>
+      <p:sp>
+        <p:nvSpPr>
+          <p:cNvPr id="2" name="标题 1">
+            <a:extLst>
+              <a:ext uri="{FF2B5EF4-FFF2-40B4-BE49-F238E27FC236}">
+                <a16:creationId xmlns:a16="http://schemas.microsoft.com/office/drawing/2014/main" id="{8961A1C8-2EE3-40FC-AA45-4CCE63CCF7EB}"/>
+              </a:ext>
+            </a:extLst>
+          </p:cNvPr>
+          <p:cNvSpPr>
+            <a:spLocks noGrp="1"/>
+          </p:cNvSpPr>
+          <p:nvPr>
+            <p:ph type="title"/>
+          </p:nvPr>
+        </p:nvSpPr>
+        <p:spPr/>
+        <p:txBody>
+          <a:bodyPr>
+            <a:normAutofit/>
+          </a:bodyPr>
+          <a:lstStyle/>
+          <a:p>
+            <a:r>
+              <a:rPr lang="ja-JP" altLang="en-US" sz="7200" dirty="0"/>
+              <a:t>評価手法と実験結果分析</a:t>
+            </a:r>
+            <a:endParaRPr lang="en-US" altLang="ja-JP" sz="7200" dirty="0"/>
+          </a:p>
+        </p:txBody>
+      </p:sp>
+      <p:sp>
+        <p:nvSpPr>
+          <p:cNvPr id="3" name="文本占位符 2">
+            <a:extLst>
+              <a:ext uri="{FF2B5EF4-FFF2-40B4-BE49-F238E27FC236}">
+                <a16:creationId xmlns:a16="http://schemas.microsoft.com/office/drawing/2014/main" id="{20B84D2A-CAB4-473E-A70C-EC2C747CAB00}"/>
+              </a:ext>
+            </a:extLst>
+          </p:cNvPr>
+          <p:cNvSpPr>
+            <a:spLocks noGrp="1"/>
+          </p:cNvSpPr>
+          <p:nvPr>
+            <p:ph type="body" idx="1"/>
+          </p:nvPr>
+        </p:nvSpPr>
+        <p:spPr/>
+        <p:txBody>
+          <a:bodyPr/>
+          <a:lstStyle/>
+          <a:p>
+            <a:endParaRPr lang="zh-CN" altLang="en-US" dirty="0"/>
+          </a:p>
+        </p:txBody>
+      </p:sp>
+    </p:spTree>
+    <p:extLst>
+      <p:ext uri="{BB962C8B-B14F-4D97-AF65-F5344CB8AC3E}">
+        <p14:creationId xmlns:p14="http://schemas.microsoft.com/office/powerpoint/2010/main" val="4277538478"/>
+      </p:ext>
+    </p:extLst>
+  </p:cSld>
+  <p:clrMapOvr>
+    <a:masterClrMapping/>
+  </p:clrMapOvr>
+</p:sld>
+</file>
+
+<file path=ppt/slides/slide27.xml><?xml version="1.0" encoding="utf-8"?>
+<p:sld xmlns:a="http://schemas.openxmlformats.org/drawingml/2006/main" xmlns:r="http://schemas.openxmlformats.org/officeDocument/2006/relationships" xmlns:p="http://schemas.openxmlformats.org/presentationml/2006/main">
+  <p:cSld>
+    <p:spTree>
+      <p:nvGrpSpPr>
+        <p:cNvPr id="1" name=""/>
+        <p:cNvGrpSpPr/>
+        <p:nvPr/>
+      </p:nvGrpSpPr>
+      <p:grpSpPr>
+        <a:xfrm>
+          <a:off x="0" y="0"/>
+          <a:ext cx="0" cy="0"/>
+          <a:chOff x="0" y="0"/>
+          <a:chExt cx="0" cy="0"/>
+        </a:xfrm>
+      </p:grpSpPr>
+      <p:sp>
+        <p:nvSpPr>
+          <p:cNvPr id="2" name="标题 1">
+            <a:extLst>
+              <a:ext uri="{FF2B5EF4-FFF2-40B4-BE49-F238E27FC236}">
+                <a16:creationId xmlns:a16="http://schemas.microsoft.com/office/drawing/2014/main" id="{752C1B6F-EFCF-4260-969E-C354B03B5ECA}"/>
+              </a:ext>
+            </a:extLst>
+          </p:cNvPr>
+          <p:cNvSpPr>
+            <a:spLocks noGrp="1"/>
+          </p:cNvSpPr>
+          <p:nvPr>
+            <p:ph type="title"/>
+          </p:nvPr>
+        </p:nvSpPr>
+        <p:spPr/>
+        <p:txBody>
+          <a:bodyPr/>
+          <a:lstStyle/>
+          <a:p>
+            <a:r>
+              <a:rPr lang="ja-JP" altLang="en-US" dirty="0"/>
+              <a:t>評価方法</a:t>
+            </a:r>
+            <a:endParaRPr lang="zh-CN" altLang="en-US" dirty="0"/>
+          </a:p>
+        </p:txBody>
+      </p:sp>
+      <p:sp>
+        <p:nvSpPr>
+          <p:cNvPr id="3" name="内容占位符 2">
+            <a:extLst>
+              <a:ext uri="{FF2B5EF4-FFF2-40B4-BE49-F238E27FC236}">
+                <a16:creationId xmlns:a16="http://schemas.microsoft.com/office/drawing/2014/main" id="{2C40D5D1-8EB0-4584-AE72-27D8FF0E2AED}"/>
+              </a:ext>
+            </a:extLst>
+          </p:cNvPr>
+          <p:cNvSpPr>
+            <a:spLocks noGrp="1"/>
+          </p:cNvSpPr>
+          <p:nvPr>
+            <p:ph idx="1"/>
+          </p:nvPr>
+        </p:nvSpPr>
+        <p:spPr/>
+        <p:txBody>
+          <a:bodyPr>
+            <a:normAutofit/>
+          </a:bodyPr>
+          <a:lstStyle/>
+          <a:p>
+            <a:pPr>
+              <a:buFont typeface="Wingdings" panose="05000000000000000000" pitchFamily="2" charset="2"/>
+              <a:buChar char="l"/>
+            </a:pPr>
+            <a:r>
+              <a:rPr lang="en-US" altLang="ja-JP" sz="3200" dirty="0"/>
+              <a:t>Off-line</a:t>
+            </a:r>
+          </a:p>
+          <a:p>
+            <a:pPr>
+              <a:buFont typeface="Wingdings" panose="05000000000000000000" pitchFamily="2" charset="2"/>
+              <a:buChar char="l"/>
+            </a:pPr>
+            <a:r>
+              <a:rPr lang="en-US" altLang="ja-JP" sz="3200" dirty="0"/>
+              <a:t>On-line</a:t>
+            </a:r>
+            <a:endParaRPr lang="zh-CN" altLang="en-US" sz="3200" dirty="0"/>
+          </a:p>
+        </p:txBody>
+      </p:sp>
+      <p:pic>
+        <p:nvPicPr>
+          <p:cNvPr id="16" name="图片 15">
+            <a:extLst>
+              <a:ext uri="{FF2B5EF4-FFF2-40B4-BE49-F238E27FC236}">
+                <a16:creationId xmlns:a16="http://schemas.microsoft.com/office/drawing/2014/main" id="{713FEEEF-AFF1-4CCD-9515-ADAABDB8F727}"/>
+              </a:ext>
+            </a:extLst>
+          </p:cNvPr>
+          <p:cNvPicPr>
+            <a:picLocks noChangeAspect="1"/>
+          </p:cNvPicPr>
+          <p:nvPr/>
+        </p:nvPicPr>
+        <p:blipFill>
+          <a:blip r:embed="rId2"/>
+          <a:stretch>
+            <a:fillRect/>
+          </a:stretch>
+        </p:blipFill>
+        <p:spPr>
+          <a:xfrm>
+            <a:off x="350191" y="3089764"/>
+            <a:ext cx="5346157" cy="2888662"/>
+          </a:xfrm>
+          <a:prstGeom prst="rect">
+            <a:avLst/>
+          </a:prstGeom>
+        </p:spPr>
+      </p:pic>
+      <p:sp>
+        <p:nvSpPr>
+          <p:cNvPr id="18" name="文本框 17">
+            <a:extLst>
+              <a:ext uri="{FF2B5EF4-FFF2-40B4-BE49-F238E27FC236}">
+                <a16:creationId xmlns:a16="http://schemas.microsoft.com/office/drawing/2014/main" id="{399903BE-BFF5-4DA4-AF7A-48C581D6ED58}"/>
+              </a:ext>
+            </a:extLst>
+          </p:cNvPr>
+          <p:cNvSpPr txBox="1"/>
+          <p:nvPr/>
+        </p:nvSpPr>
+        <p:spPr>
+          <a:xfrm>
+            <a:off x="2054603" y="5901582"/>
+            <a:ext cx="1154483" cy="461665"/>
+          </a:xfrm>
+          <a:prstGeom prst="rect">
+            <a:avLst/>
+          </a:prstGeom>
+          <a:noFill/>
+        </p:spPr>
+        <p:txBody>
+          <a:bodyPr wrap="none" rtlCol="0">
+            <a:spAutoFit/>
+          </a:bodyPr>
+          <a:lstStyle/>
+          <a:p>
+            <a:r>
+              <a:rPr lang="en-US" altLang="ja-JP" sz="2400" b="1" dirty="0"/>
+              <a:t>Off-line</a:t>
+            </a:r>
+            <a:endParaRPr lang="zh-CN" altLang="en-US" sz="2400" b="1" dirty="0"/>
+          </a:p>
+        </p:txBody>
+      </p:sp>
+      <p:sp>
+        <p:nvSpPr>
+          <p:cNvPr id="19" name="文本框 18">
+            <a:extLst>
+              <a:ext uri="{FF2B5EF4-FFF2-40B4-BE49-F238E27FC236}">
+                <a16:creationId xmlns:a16="http://schemas.microsoft.com/office/drawing/2014/main" id="{5428F7FC-4CC3-4403-9BBA-B8999E799052}"/>
+              </a:ext>
+            </a:extLst>
+          </p:cNvPr>
+          <p:cNvSpPr txBox="1"/>
+          <p:nvPr/>
+        </p:nvSpPr>
+        <p:spPr>
+          <a:xfrm>
+            <a:off x="8231888" y="5901581"/>
+            <a:ext cx="1124026" cy="461665"/>
+          </a:xfrm>
+          <a:prstGeom prst="rect">
+            <a:avLst/>
+          </a:prstGeom>
+          <a:noFill/>
+        </p:spPr>
+        <p:txBody>
+          <a:bodyPr wrap="none" rtlCol="0">
+            <a:spAutoFit/>
+          </a:bodyPr>
+          <a:lstStyle/>
+          <a:p>
+            <a:r>
+              <a:rPr lang="en-US" altLang="ja-JP" sz="2400" b="1" dirty="0"/>
+              <a:t>On-line</a:t>
+            </a:r>
+            <a:endParaRPr lang="zh-CN" altLang="en-US" sz="2400" b="1" dirty="0"/>
+          </a:p>
+        </p:txBody>
+      </p:sp>
+      <p:pic>
+        <p:nvPicPr>
+          <p:cNvPr id="20" name="图片 19">
+            <a:extLst>
+              <a:ext uri="{FF2B5EF4-FFF2-40B4-BE49-F238E27FC236}">
+                <a16:creationId xmlns:a16="http://schemas.microsoft.com/office/drawing/2014/main" id="{14147BF7-91E1-4A20-8A96-04555DB4D5B8}"/>
+              </a:ext>
+            </a:extLst>
+          </p:cNvPr>
+          <p:cNvPicPr>
+            <a:picLocks noChangeAspect="1"/>
+          </p:cNvPicPr>
+          <p:nvPr/>
+        </p:nvPicPr>
+        <p:blipFill>
+          <a:blip r:embed="rId3"/>
+          <a:stretch>
+            <a:fillRect/>
+          </a:stretch>
+        </p:blipFill>
+        <p:spPr>
+          <a:xfrm>
+            <a:off x="5835366" y="3089764"/>
+            <a:ext cx="5917070" cy="2887907"/>
+          </a:xfrm>
+          <a:prstGeom prst="rect">
+            <a:avLst/>
+          </a:prstGeom>
+        </p:spPr>
+      </p:pic>
+    </p:spTree>
+    <p:extLst>
+      <p:ext uri="{BB962C8B-B14F-4D97-AF65-F5344CB8AC3E}">
+        <p14:creationId xmlns:p14="http://schemas.microsoft.com/office/powerpoint/2010/main" val="3660093410"/>
+      </p:ext>
+    </p:extLst>
+  </p:cSld>
+  <p:clrMapOvr>
+    <a:masterClrMapping/>
+  </p:clrMapOvr>
+</p:sld>
+</file>
+
+<file path=ppt/slides/slide28.xml><?xml version="1.0" encoding="utf-8"?>
+<p:sld xmlns:a="http://schemas.openxmlformats.org/drawingml/2006/main" xmlns:r="http://schemas.openxmlformats.org/officeDocument/2006/relationships" xmlns:p="http://schemas.openxmlformats.org/presentationml/2006/main">
+  <p:cSld>
+    <p:spTree>
+      <p:nvGrpSpPr>
+        <p:cNvPr id="1" name=""/>
+        <p:cNvGrpSpPr/>
+        <p:nvPr/>
+      </p:nvGrpSpPr>
+      <p:grpSpPr>
+        <a:xfrm>
+          <a:off x="0" y="0"/>
+          <a:ext cx="0" cy="0"/>
+          <a:chOff x="0" y="0"/>
+          <a:chExt cx="0" cy="0"/>
+        </a:xfrm>
+      </p:grpSpPr>
+      <p:sp>
+        <p:nvSpPr>
+          <p:cNvPr id="2" name="标题 1">
+            <a:extLst>
+              <a:ext uri="{FF2B5EF4-FFF2-40B4-BE49-F238E27FC236}">
+                <a16:creationId xmlns:a16="http://schemas.microsoft.com/office/drawing/2014/main" id="{752C1B6F-EFCF-4260-969E-C354B03B5ECA}"/>
+              </a:ext>
+            </a:extLst>
+          </p:cNvPr>
+          <p:cNvSpPr>
+            <a:spLocks noGrp="1"/>
+          </p:cNvSpPr>
+          <p:nvPr>
+            <p:ph type="title"/>
+          </p:nvPr>
+        </p:nvSpPr>
+        <p:spPr/>
+        <p:txBody>
+          <a:bodyPr/>
+          <a:lstStyle/>
+          <a:p>
+            <a:r>
+              <a:rPr lang="ja-JP" altLang="en-US" dirty="0"/>
+              <a:t>評価プロセス</a:t>
+            </a:r>
+            <a:endParaRPr lang="zh-CN" altLang="en-US" dirty="0"/>
+          </a:p>
+        </p:txBody>
+      </p:sp>
+      <p:pic>
+        <p:nvPicPr>
+          <p:cNvPr id="4" name="内容占位符 3">
+            <a:extLst>
+              <a:ext uri="{FF2B5EF4-FFF2-40B4-BE49-F238E27FC236}">
+                <a16:creationId xmlns:a16="http://schemas.microsoft.com/office/drawing/2014/main" id="{05DE7436-E42D-42DE-9048-F419432B59F2}"/>
+              </a:ext>
+            </a:extLst>
+          </p:cNvPr>
+          <p:cNvPicPr>
+            <a:picLocks noGrp="1" noChangeAspect="1"/>
+          </p:cNvPicPr>
+          <p:nvPr>
+            <p:ph idx="1"/>
+          </p:nvPr>
+        </p:nvPicPr>
+        <p:blipFill>
+          <a:blip r:embed="rId2"/>
+          <a:stretch>
+            <a:fillRect/>
+          </a:stretch>
+        </p:blipFill>
+        <p:spPr>
+          <a:xfrm>
+            <a:off x="640715" y="2462530"/>
+            <a:ext cx="1870710" cy="2115185"/>
+          </a:xfrm>
+          <a:prstGeom prst="rect">
+            <a:avLst/>
+          </a:prstGeom>
+        </p:spPr>
+      </p:pic>
+      <p:pic>
+        <p:nvPicPr>
+          <p:cNvPr id="5" name="图片 4">
+            <a:extLst>
+              <a:ext uri="{FF2B5EF4-FFF2-40B4-BE49-F238E27FC236}">
+                <a16:creationId xmlns:a16="http://schemas.microsoft.com/office/drawing/2014/main" id="{C7644F86-A6E0-4733-AB92-1C906668A11C}"/>
+              </a:ext>
+            </a:extLst>
+          </p:cNvPr>
+          <p:cNvPicPr>
+            <a:picLocks noChangeAspect="1"/>
+          </p:cNvPicPr>
+          <p:nvPr/>
+        </p:nvPicPr>
+        <p:blipFill>
+          <a:blip r:embed="rId3"/>
+          <a:stretch>
+            <a:fillRect/>
+          </a:stretch>
+        </p:blipFill>
+        <p:spPr>
+          <a:xfrm>
+            <a:off x="3326130" y="2711450"/>
+            <a:ext cx="2233930" cy="1961515"/>
+          </a:xfrm>
+          <a:prstGeom prst="rect">
+            <a:avLst/>
+          </a:prstGeom>
+        </p:spPr>
+      </p:pic>
+      <p:sp>
+        <p:nvSpPr>
+          <p:cNvPr id="6" name="右箭头 5">
+            <a:extLst>
+              <a:ext uri="{FF2B5EF4-FFF2-40B4-BE49-F238E27FC236}">
+                <a16:creationId xmlns:a16="http://schemas.microsoft.com/office/drawing/2014/main" id="{BAF64042-B8FA-4DAC-8131-AAB04BC27AC1}"/>
+              </a:ext>
+            </a:extLst>
+          </p:cNvPr>
+          <p:cNvSpPr/>
+          <p:nvPr/>
+        </p:nvSpPr>
+        <p:spPr>
+          <a:xfrm>
+            <a:off x="2511425" y="3316605"/>
+            <a:ext cx="725170" cy="753110"/>
+          </a:xfrm>
+          <a:prstGeom prst="rightArrow">
+            <a:avLst/>
+          </a:prstGeom>
+        </p:spPr>
+        <p:style>
+          <a:lnRef idx="2">
+            <a:schemeClr val="accent1">
+              <a:shade val="50000"/>
+            </a:schemeClr>
+          </a:lnRef>
+          <a:fillRef idx="1">
+            <a:schemeClr val="accent1"/>
+          </a:fillRef>
+          <a:effectRef idx="0">
+            <a:schemeClr val="accent1"/>
+          </a:effectRef>
+          <a:fontRef idx="minor">
+            <a:schemeClr val="lt1"/>
+          </a:fontRef>
+        </p:style>
+        <p:txBody>
+          <a:bodyPr rtlCol="0" anchor="ctr"/>
+          <a:lstStyle/>
+          <a:p>
+            <a:pPr algn="ctr"/>
+            <a:endParaRPr lang="zh-CN" altLang="en-US"/>
+          </a:p>
+        </p:txBody>
+      </p:sp>
+      <p:pic>
+        <p:nvPicPr>
+          <p:cNvPr id="7" name="图片 6">
+            <a:extLst>
+              <a:ext uri="{FF2B5EF4-FFF2-40B4-BE49-F238E27FC236}">
+                <a16:creationId xmlns:a16="http://schemas.microsoft.com/office/drawing/2014/main" id="{BA577469-EBB3-41AE-BADA-51FF8F6C7327}"/>
+              </a:ext>
+            </a:extLst>
+          </p:cNvPr>
+          <p:cNvPicPr>
+            <a:picLocks noChangeAspect="1"/>
+          </p:cNvPicPr>
+          <p:nvPr/>
+        </p:nvPicPr>
+        <p:blipFill>
+          <a:blip r:embed="rId4"/>
+          <a:stretch>
+            <a:fillRect/>
+          </a:stretch>
+        </p:blipFill>
+        <p:spPr>
+          <a:xfrm>
+            <a:off x="6298565" y="2902585"/>
+            <a:ext cx="2581275" cy="1581785"/>
+          </a:xfrm>
+          <a:prstGeom prst="rect">
+            <a:avLst/>
+          </a:prstGeom>
+        </p:spPr>
+      </p:pic>
+      <p:sp>
+        <p:nvSpPr>
+          <p:cNvPr id="8" name="右箭头 7">
+            <a:extLst>
+              <a:ext uri="{FF2B5EF4-FFF2-40B4-BE49-F238E27FC236}">
+                <a16:creationId xmlns:a16="http://schemas.microsoft.com/office/drawing/2014/main" id="{80647D71-D874-4F4D-B51B-5047919BAE01}"/>
+              </a:ext>
+            </a:extLst>
+          </p:cNvPr>
+          <p:cNvSpPr/>
+          <p:nvPr/>
+        </p:nvSpPr>
+        <p:spPr>
+          <a:xfrm>
+            <a:off x="5613400" y="3315335"/>
+            <a:ext cx="725170" cy="753110"/>
+          </a:xfrm>
+          <a:prstGeom prst="rightArrow">
+            <a:avLst/>
+          </a:prstGeom>
+        </p:spPr>
+        <p:style>
+          <a:lnRef idx="2">
+            <a:schemeClr val="accent1">
+              <a:shade val="50000"/>
+            </a:schemeClr>
+          </a:lnRef>
+          <a:fillRef idx="1">
+            <a:schemeClr val="accent1"/>
+          </a:fillRef>
+          <a:effectRef idx="0">
+            <a:schemeClr val="accent1"/>
+          </a:effectRef>
+          <a:fontRef idx="minor">
+            <a:schemeClr val="lt1"/>
+          </a:fontRef>
+        </p:style>
+        <p:txBody>
+          <a:bodyPr rtlCol="0" anchor="ctr"/>
+          <a:lstStyle/>
+          <a:p>
+            <a:pPr algn="ctr"/>
+            <a:endParaRPr lang="zh-CN" altLang="en-US"/>
+          </a:p>
+        </p:txBody>
+      </p:sp>
+      <p:sp>
+        <p:nvSpPr>
+          <p:cNvPr id="9" name="右箭头 8">
+            <a:extLst>
+              <a:ext uri="{FF2B5EF4-FFF2-40B4-BE49-F238E27FC236}">
+                <a16:creationId xmlns:a16="http://schemas.microsoft.com/office/drawing/2014/main" id="{7F0208E3-56F1-47B1-8F77-027E3EA5BB3D}"/>
+              </a:ext>
+            </a:extLst>
+          </p:cNvPr>
+          <p:cNvSpPr/>
+          <p:nvPr/>
+        </p:nvSpPr>
+        <p:spPr>
+          <a:xfrm>
+            <a:off x="8997315" y="3315335"/>
+            <a:ext cx="739140" cy="753110"/>
+          </a:xfrm>
+          <a:prstGeom prst="rightArrow">
+            <a:avLst/>
+          </a:prstGeom>
+        </p:spPr>
+        <p:style>
+          <a:lnRef idx="2">
+            <a:schemeClr val="accent1">
+              <a:shade val="50000"/>
+            </a:schemeClr>
+          </a:lnRef>
+          <a:fillRef idx="1">
+            <a:schemeClr val="accent1"/>
+          </a:fillRef>
+          <a:effectRef idx="0">
+            <a:schemeClr val="accent1"/>
+          </a:effectRef>
+          <a:fontRef idx="minor">
+            <a:schemeClr val="lt1"/>
+          </a:fontRef>
+        </p:style>
+        <p:txBody>
+          <a:bodyPr rtlCol="0" anchor="ctr"/>
+          <a:lstStyle/>
+          <a:p>
+            <a:pPr algn="ctr"/>
+            <a:endParaRPr lang="zh-CN" altLang="en-US"/>
+          </a:p>
+        </p:txBody>
+      </p:sp>
+      <p:pic>
+        <p:nvPicPr>
+          <p:cNvPr id="10" name="图片 9">
+            <a:extLst>
+              <a:ext uri="{FF2B5EF4-FFF2-40B4-BE49-F238E27FC236}">
+                <a16:creationId xmlns:a16="http://schemas.microsoft.com/office/drawing/2014/main" id="{14A4E3DF-E27B-43EF-A3D8-E02C06834616}"/>
+              </a:ext>
+            </a:extLst>
+          </p:cNvPr>
+          <p:cNvPicPr>
+            <a:picLocks noChangeAspect="1"/>
+          </p:cNvPicPr>
+          <p:nvPr/>
+        </p:nvPicPr>
+        <p:blipFill>
+          <a:blip r:embed="rId5"/>
+          <a:stretch>
+            <a:fillRect/>
+          </a:stretch>
+        </p:blipFill>
+        <p:spPr>
+          <a:xfrm>
+            <a:off x="9813925" y="2902585"/>
+            <a:ext cx="1789430" cy="1767840"/>
+          </a:xfrm>
+          <a:prstGeom prst="rect">
+            <a:avLst/>
+          </a:prstGeom>
+        </p:spPr>
+      </p:pic>
+      <p:grpSp>
+        <p:nvGrpSpPr>
+          <p:cNvPr id="11" name="组合 10">
+            <a:extLst>
+              <a:ext uri="{FF2B5EF4-FFF2-40B4-BE49-F238E27FC236}">
+                <a16:creationId xmlns:a16="http://schemas.microsoft.com/office/drawing/2014/main" id="{CF1DDF95-3F58-4EAA-B5AC-EAFA4F78B359}"/>
+              </a:ext>
+            </a:extLst>
+          </p:cNvPr>
+          <p:cNvGrpSpPr/>
+          <p:nvPr/>
+        </p:nvGrpSpPr>
+        <p:grpSpPr>
+          <a:xfrm>
+            <a:off x="1341120" y="4720143"/>
+            <a:ext cx="6222365" cy="936509"/>
+            <a:chOff x="1341120" y="4773295"/>
+            <a:chExt cx="6222365" cy="1060334"/>
+          </a:xfrm>
+        </p:grpSpPr>
+        <p:sp>
+          <p:nvSpPr>
+            <p:cNvPr id="12" name="矩形 11">
+              <a:extLst>
+                <a:ext uri="{FF2B5EF4-FFF2-40B4-BE49-F238E27FC236}">
+                  <a16:creationId xmlns:a16="http://schemas.microsoft.com/office/drawing/2014/main" id="{6879FEFF-851A-4E0F-B72A-F2285D8C6EA6}"/>
+                </a:ext>
+              </a:extLst>
+            </p:cNvPr>
+            <p:cNvSpPr/>
+            <p:nvPr/>
+          </p:nvSpPr>
+          <p:spPr>
+            <a:xfrm>
+              <a:off x="1655406" y="5503540"/>
+              <a:ext cx="5908079" cy="319190"/>
+            </a:xfrm>
+            <a:prstGeom prst="rect">
+              <a:avLst/>
+            </a:prstGeom>
+          </p:spPr>
+          <p:style>
+            <a:lnRef idx="2">
+              <a:schemeClr val="accent1">
+                <a:shade val="50000"/>
+              </a:schemeClr>
+            </a:lnRef>
+            <a:fillRef idx="1">
+              <a:schemeClr val="accent1"/>
+            </a:fillRef>
+            <a:effectRef idx="0">
+              <a:schemeClr val="accent1"/>
+            </a:effectRef>
+            <a:fontRef idx="minor">
+              <a:schemeClr val="lt1"/>
+            </a:fontRef>
+          </p:style>
+          <p:txBody>
+            <a:bodyPr rtlCol="0" anchor="ctr"/>
+            <a:lstStyle/>
+            <a:p>
+              <a:pPr algn="ctr"/>
+              <a:endParaRPr lang="zh-CN" altLang="en-US"/>
+            </a:p>
+          </p:txBody>
+        </p:sp>
+        <p:sp>
+          <p:nvSpPr>
+            <p:cNvPr id="13" name="矩形 12">
+              <a:extLst>
+                <a:ext uri="{FF2B5EF4-FFF2-40B4-BE49-F238E27FC236}">
+                  <a16:creationId xmlns:a16="http://schemas.microsoft.com/office/drawing/2014/main" id="{68D99DAC-A4A1-437F-9BFD-672B9D652B17}"/>
+                </a:ext>
+              </a:extLst>
+            </p:cNvPr>
+            <p:cNvSpPr/>
+            <p:nvPr/>
+          </p:nvSpPr>
+          <p:spPr>
+            <a:xfrm>
+              <a:off x="7153547" y="4819487"/>
+              <a:ext cx="409317" cy="1003243"/>
+            </a:xfrm>
+            <a:prstGeom prst="rect">
+              <a:avLst/>
+            </a:prstGeom>
+          </p:spPr>
+          <p:style>
+            <a:lnRef idx="2">
+              <a:schemeClr val="accent1">
+                <a:shade val="50000"/>
+              </a:schemeClr>
+            </a:lnRef>
+            <a:fillRef idx="1">
+              <a:schemeClr val="accent1"/>
+            </a:fillRef>
+            <a:effectRef idx="0">
+              <a:schemeClr val="accent1"/>
+            </a:effectRef>
+            <a:fontRef idx="minor">
+              <a:schemeClr val="lt1"/>
+            </a:fontRef>
+          </p:style>
+          <p:txBody>
+            <a:bodyPr rtlCol="0" anchor="ctr"/>
+            <a:lstStyle/>
+            <a:p>
+              <a:pPr algn="ctr"/>
+              <a:endParaRPr lang="zh-CN" altLang="en-US"/>
+            </a:p>
+          </p:txBody>
+        </p:sp>
+        <p:sp>
+          <p:nvSpPr>
+            <p:cNvPr id="14" name="上箭头 12">
+              <a:extLst>
+                <a:ext uri="{FF2B5EF4-FFF2-40B4-BE49-F238E27FC236}">
+                  <a16:creationId xmlns:a16="http://schemas.microsoft.com/office/drawing/2014/main" id="{7E204661-53F5-422C-85BB-6B8F015E47E5}"/>
+                </a:ext>
+              </a:extLst>
+            </p:cNvPr>
+            <p:cNvSpPr/>
+            <p:nvPr/>
+          </p:nvSpPr>
+          <p:spPr>
+            <a:xfrm>
+              <a:off x="1341120" y="4773295"/>
+              <a:ext cx="573292" cy="1060334"/>
+            </a:xfrm>
+            <a:prstGeom prst="upArrow">
+              <a:avLst/>
+            </a:prstGeom>
+          </p:spPr>
+          <p:style>
+            <a:lnRef idx="2">
+              <a:schemeClr val="accent1">
+                <a:shade val="50000"/>
+              </a:schemeClr>
+            </a:lnRef>
+            <a:fillRef idx="1">
+              <a:schemeClr val="accent1"/>
+            </a:fillRef>
+            <a:effectRef idx="0">
+              <a:schemeClr val="accent1"/>
+            </a:effectRef>
+            <a:fontRef idx="minor">
+              <a:schemeClr val="lt1"/>
+            </a:fontRef>
+          </p:style>
+          <p:txBody>
+            <a:bodyPr rtlCol="0" anchor="ctr"/>
+            <a:lstStyle/>
+            <a:p>
+              <a:pPr algn="ctr"/>
+              <a:endParaRPr lang="zh-CN" altLang="en-US"/>
+            </a:p>
+          </p:txBody>
+        </p:sp>
+      </p:grpSp>
+      <p:sp>
+        <p:nvSpPr>
+          <p:cNvPr id="15" name="文本框 14">
+            <a:extLst>
+              <a:ext uri="{FF2B5EF4-FFF2-40B4-BE49-F238E27FC236}">
+                <a16:creationId xmlns:a16="http://schemas.microsoft.com/office/drawing/2014/main" id="{AF942C2D-9886-43E8-95EF-0C8FC8A46A9A}"/>
+              </a:ext>
+            </a:extLst>
+          </p:cNvPr>
+          <p:cNvSpPr txBox="1"/>
+          <p:nvPr/>
+        </p:nvSpPr>
+        <p:spPr>
+          <a:xfrm>
+            <a:off x="9736455" y="2257425"/>
+            <a:ext cx="2509520" cy="645160"/>
+          </a:xfrm>
+          <a:prstGeom prst="rect">
+            <a:avLst/>
+          </a:prstGeom>
+          <a:noFill/>
+        </p:spPr>
+        <p:txBody>
+          <a:bodyPr wrap="square" rtlCol="0">
+            <a:spAutoFit/>
+          </a:bodyPr>
+          <a:lstStyle/>
+          <a:p>
+            <a:r>
+              <a:rPr lang="ja-JP" altLang="zh-CN" b="1" dirty="0"/>
+              <a:t>レコメンド結果の中で、気になる商品があれば</a:t>
+            </a:r>
+          </a:p>
+        </p:txBody>
+      </p:sp>
+      <p:sp>
+        <p:nvSpPr>
+          <p:cNvPr id="16" name="文本框 15">
+            <a:extLst>
+              <a:ext uri="{FF2B5EF4-FFF2-40B4-BE49-F238E27FC236}">
+                <a16:creationId xmlns:a16="http://schemas.microsoft.com/office/drawing/2014/main" id="{616E095D-1ECB-4413-AFA5-00FECB9AD9DE}"/>
+              </a:ext>
+            </a:extLst>
+          </p:cNvPr>
+          <p:cNvSpPr txBox="1"/>
+          <p:nvPr/>
+        </p:nvSpPr>
+        <p:spPr>
+          <a:xfrm>
+            <a:off x="3395980" y="5745257"/>
+            <a:ext cx="2607310" cy="645160"/>
+          </a:xfrm>
+          <a:prstGeom prst="rect">
+            <a:avLst/>
+          </a:prstGeom>
+          <a:noFill/>
+        </p:spPr>
+        <p:txBody>
+          <a:bodyPr wrap="square" rtlCol="0">
+            <a:spAutoFit/>
+          </a:bodyPr>
+          <a:lstStyle/>
+          <a:p>
+            <a:r>
+              <a:rPr lang="ja-JP" altLang="zh-CN" b="1" dirty="0"/>
+              <a:t>レコメンド結果の中で、気になる商品がなければ</a:t>
+            </a:r>
+          </a:p>
+        </p:txBody>
+      </p:sp>
+      <p:sp>
+        <p:nvSpPr>
+          <p:cNvPr id="17" name="文本框 16">
+            <a:extLst>
+              <a:ext uri="{FF2B5EF4-FFF2-40B4-BE49-F238E27FC236}">
+                <a16:creationId xmlns:a16="http://schemas.microsoft.com/office/drawing/2014/main" id="{6814D9EF-DB95-4546-A24D-25C93ABA2AD1}"/>
+              </a:ext>
+            </a:extLst>
+          </p:cNvPr>
+          <p:cNvSpPr txBox="1"/>
+          <p:nvPr/>
+        </p:nvSpPr>
+        <p:spPr>
+          <a:xfrm>
+            <a:off x="423545" y="2124075"/>
+            <a:ext cx="414655" cy="645160"/>
+          </a:xfrm>
+          <a:prstGeom prst="rect">
+            <a:avLst/>
+          </a:prstGeom>
+          <a:noFill/>
+        </p:spPr>
+        <p:txBody>
+          <a:bodyPr wrap="none" rtlCol="0">
+            <a:spAutoFit/>
+          </a:bodyPr>
+          <a:lstStyle/>
+          <a:p>
+            <a:r>
+              <a:rPr lang="en-US" altLang="zh-CN" sz="3600" b="1">
+                <a:solidFill>
+                  <a:srgbClr val="FF0000"/>
+                </a:solidFill>
+              </a:rPr>
+              <a:t>1</a:t>
+            </a:r>
+          </a:p>
+        </p:txBody>
+      </p:sp>
+      <p:sp>
+        <p:nvSpPr>
+          <p:cNvPr id="18" name="文本框 17">
+            <a:extLst>
+              <a:ext uri="{FF2B5EF4-FFF2-40B4-BE49-F238E27FC236}">
+                <a16:creationId xmlns:a16="http://schemas.microsoft.com/office/drawing/2014/main" id="{AFD04AEC-27C0-48D0-9969-3FA70C7C20B0}"/>
+              </a:ext>
+            </a:extLst>
+          </p:cNvPr>
+          <p:cNvSpPr txBox="1"/>
+          <p:nvPr/>
+        </p:nvSpPr>
+        <p:spPr>
+          <a:xfrm>
+            <a:off x="3055620" y="2124075"/>
+            <a:ext cx="414655" cy="645160"/>
+          </a:xfrm>
+          <a:prstGeom prst="rect">
+            <a:avLst/>
+          </a:prstGeom>
+          <a:noFill/>
+        </p:spPr>
+        <p:txBody>
+          <a:bodyPr wrap="none" rtlCol="0">
+            <a:spAutoFit/>
+          </a:bodyPr>
+          <a:lstStyle/>
+          <a:p>
+            <a:r>
+              <a:rPr lang="en-US" altLang="zh-CN" sz="3600" b="1">
+                <a:solidFill>
+                  <a:srgbClr val="FF0000"/>
+                </a:solidFill>
+              </a:rPr>
+              <a:t>2</a:t>
+            </a:r>
+          </a:p>
+        </p:txBody>
+      </p:sp>
+      <p:sp>
+        <p:nvSpPr>
+          <p:cNvPr id="19" name="文本框 18">
+            <a:extLst>
+              <a:ext uri="{FF2B5EF4-FFF2-40B4-BE49-F238E27FC236}">
+                <a16:creationId xmlns:a16="http://schemas.microsoft.com/office/drawing/2014/main" id="{6ABFAE74-70EB-4C11-AAC5-3F75A3EEFE66}"/>
+              </a:ext>
+            </a:extLst>
+          </p:cNvPr>
+          <p:cNvSpPr txBox="1"/>
+          <p:nvPr/>
+        </p:nvSpPr>
+        <p:spPr>
+          <a:xfrm>
+            <a:off x="6124575" y="2164715"/>
+            <a:ext cx="414655" cy="645160"/>
+          </a:xfrm>
+          <a:prstGeom prst="rect">
+            <a:avLst/>
+          </a:prstGeom>
+          <a:noFill/>
+        </p:spPr>
+        <p:txBody>
+          <a:bodyPr wrap="none" rtlCol="0">
+            <a:spAutoFit/>
+          </a:bodyPr>
+          <a:lstStyle/>
+          <a:p>
+            <a:r>
+              <a:rPr lang="en-US" altLang="zh-CN" sz="3600" b="1" dirty="0">
+                <a:solidFill>
+                  <a:srgbClr val="FF0000"/>
+                </a:solidFill>
+              </a:rPr>
+              <a:t>3</a:t>
+            </a:r>
+          </a:p>
+        </p:txBody>
+      </p:sp>
+      <p:sp>
+        <p:nvSpPr>
+          <p:cNvPr id="20" name="文本框 19">
+            <a:extLst>
+              <a:ext uri="{FF2B5EF4-FFF2-40B4-BE49-F238E27FC236}">
+                <a16:creationId xmlns:a16="http://schemas.microsoft.com/office/drawing/2014/main" id="{7C3D0ABB-E72A-4348-AE2E-4CA000B2DC7E}"/>
+              </a:ext>
+            </a:extLst>
+          </p:cNvPr>
+          <p:cNvSpPr txBox="1"/>
+          <p:nvPr/>
+        </p:nvSpPr>
+        <p:spPr>
+          <a:xfrm>
+            <a:off x="9103995" y="2164715"/>
+            <a:ext cx="793807" cy="646331"/>
+          </a:xfrm>
+          <a:prstGeom prst="rect">
+            <a:avLst/>
+          </a:prstGeom>
+          <a:noFill/>
+        </p:spPr>
+        <p:txBody>
+          <a:bodyPr wrap="none" rtlCol="0">
+            <a:spAutoFit/>
+          </a:bodyPr>
+          <a:lstStyle/>
+          <a:p>
+            <a:r>
+              <a:rPr lang="en-US" altLang="zh-CN" sz="3600" b="1" dirty="0">
+                <a:solidFill>
+                  <a:srgbClr val="FF0000"/>
+                </a:solidFill>
+              </a:rPr>
+              <a:t>3</a:t>
+            </a:r>
+            <a:r>
+              <a:rPr lang="en-US" altLang="ja-JP" sz="3600" b="1" dirty="0">
+                <a:solidFill>
+                  <a:srgbClr val="FF0000"/>
+                </a:solidFill>
+              </a:rPr>
+              <a:t>-</a:t>
+            </a:r>
+            <a:r>
+              <a:rPr lang="en-US" altLang="zh-CN" sz="3600" b="1" dirty="0">
+                <a:solidFill>
+                  <a:srgbClr val="FF0000"/>
+                </a:solidFill>
+              </a:rPr>
+              <a:t>1</a:t>
+            </a:r>
+          </a:p>
+        </p:txBody>
+      </p:sp>
+      <p:sp>
+        <p:nvSpPr>
+          <p:cNvPr id="21" name="文本框 20">
+            <a:extLst>
+              <a:ext uri="{FF2B5EF4-FFF2-40B4-BE49-F238E27FC236}">
+                <a16:creationId xmlns:a16="http://schemas.microsoft.com/office/drawing/2014/main" id="{6E42BF51-41B2-4F30-97F0-C940D3C4A3EE}"/>
+              </a:ext>
+            </a:extLst>
+          </p:cNvPr>
+          <p:cNvSpPr txBox="1"/>
+          <p:nvPr/>
+        </p:nvSpPr>
+        <p:spPr>
+          <a:xfrm>
+            <a:off x="2691765" y="5760005"/>
+            <a:ext cx="793807" cy="646331"/>
+          </a:xfrm>
+          <a:prstGeom prst="rect">
+            <a:avLst/>
+          </a:prstGeom>
+          <a:noFill/>
+        </p:spPr>
+        <p:txBody>
+          <a:bodyPr wrap="none" rtlCol="0">
+            <a:spAutoFit/>
+          </a:bodyPr>
+          <a:lstStyle/>
+          <a:p>
+            <a:r>
+              <a:rPr lang="en-US" altLang="zh-CN" sz="3600" b="1" dirty="0">
+                <a:solidFill>
+                  <a:srgbClr val="FF0000"/>
+                </a:solidFill>
+              </a:rPr>
+              <a:t>3</a:t>
+            </a:r>
+            <a:r>
+              <a:rPr lang="en-US" altLang="ja-JP" sz="3600" b="1" dirty="0">
+                <a:solidFill>
+                  <a:srgbClr val="FF0000"/>
+                </a:solidFill>
+              </a:rPr>
+              <a:t>-</a:t>
+            </a:r>
+            <a:r>
+              <a:rPr lang="en-US" altLang="zh-CN" sz="3600" b="1" dirty="0">
+                <a:solidFill>
+                  <a:srgbClr val="FF0000"/>
+                </a:solidFill>
+              </a:rPr>
+              <a:t>2</a:t>
+            </a:r>
+          </a:p>
+        </p:txBody>
+      </p:sp>
+      <p:sp>
+        <p:nvSpPr>
+          <p:cNvPr id="22" name="右箭头 22">
+            <a:extLst>
+              <a:ext uri="{FF2B5EF4-FFF2-40B4-BE49-F238E27FC236}">
+                <a16:creationId xmlns:a16="http://schemas.microsoft.com/office/drawing/2014/main" id="{AC173CD2-3ECC-4B80-A60D-925937296C5E}"/>
+              </a:ext>
+            </a:extLst>
+          </p:cNvPr>
+          <p:cNvSpPr/>
+          <p:nvPr/>
+        </p:nvSpPr>
+        <p:spPr>
+          <a:xfrm rot="3060000">
+            <a:off x="10263505" y="4745355"/>
+            <a:ext cx="699770" cy="560705"/>
+          </a:xfrm>
+          <a:prstGeom prst="rightArrow">
+            <a:avLst/>
+          </a:prstGeom>
+        </p:spPr>
+        <p:style>
+          <a:lnRef idx="2">
+            <a:schemeClr val="accent1">
+              <a:shade val="50000"/>
+            </a:schemeClr>
+          </a:lnRef>
+          <a:fillRef idx="1">
+            <a:schemeClr val="accent1"/>
+          </a:fillRef>
+          <a:effectRef idx="0">
+            <a:schemeClr val="accent1"/>
+          </a:effectRef>
+          <a:fontRef idx="minor">
+            <a:schemeClr val="lt1"/>
+          </a:fontRef>
+        </p:style>
+        <p:txBody>
+          <a:bodyPr rtlCol="0" anchor="ctr"/>
+          <a:lstStyle/>
+          <a:p>
+            <a:pPr algn="ctr"/>
+            <a:endParaRPr lang="zh-CN" altLang="en-US"/>
+          </a:p>
+        </p:txBody>
+      </p:sp>
+      <p:pic>
+        <p:nvPicPr>
+          <p:cNvPr id="23" name="图片 22">
+            <a:extLst>
+              <a:ext uri="{FF2B5EF4-FFF2-40B4-BE49-F238E27FC236}">
+                <a16:creationId xmlns:a16="http://schemas.microsoft.com/office/drawing/2014/main" id="{982B5856-0FD7-4842-878A-FA986CCC2D9D}"/>
+              </a:ext>
+            </a:extLst>
+          </p:cNvPr>
+          <p:cNvPicPr>
+            <a:picLocks noChangeAspect="1"/>
+          </p:cNvPicPr>
+          <p:nvPr/>
+        </p:nvPicPr>
+        <p:blipFill>
+          <a:blip r:embed="rId6"/>
+          <a:stretch>
+            <a:fillRect/>
+          </a:stretch>
+        </p:blipFill>
+        <p:spPr>
+          <a:xfrm>
+            <a:off x="9872345" y="5503545"/>
+            <a:ext cx="2085975" cy="428625"/>
+          </a:xfrm>
+          <a:prstGeom prst="rect">
+            <a:avLst/>
+          </a:prstGeom>
+        </p:spPr>
+      </p:pic>
+      <p:sp>
+        <p:nvSpPr>
+          <p:cNvPr id="24" name="文本框 23">
+            <a:extLst>
+              <a:ext uri="{FF2B5EF4-FFF2-40B4-BE49-F238E27FC236}">
+                <a16:creationId xmlns:a16="http://schemas.microsoft.com/office/drawing/2014/main" id="{3E1CC081-2C22-460E-A92C-1240DD758349}"/>
+              </a:ext>
+            </a:extLst>
+          </p:cNvPr>
+          <p:cNvSpPr txBox="1"/>
+          <p:nvPr/>
+        </p:nvSpPr>
+        <p:spPr>
+          <a:xfrm>
+            <a:off x="10917555" y="4773295"/>
+            <a:ext cx="414655" cy="645160"/>
+          </a:xfrm>
+          <a:prstGeom prst="rect">
+            <a:avLst/>
+          </a:prstGeom>
+          <a:noFill/>
+        </p:spPr>
+        <p:txBody>
+          <a:bodyPr wrap="none" rtlCol="0">
+            <a:spAutoFit/>
+          </a:bodyPr>
+          <a:lstStyle/>
+          <a:p>
+            <a:r>
+              <a:rPr lang="en-US" altLang="zh-CN" sz="3600" b="1">
+                <a:solidFill>
+                  <a:srgbClr val="FF0000"/>
+                </a:solidFill>
+              </a:rPr>
+              <a:t>4</a:t>
+            </a:r>
+          </a:p>
+        </p:txBody>
+      </p:sp>
+      <p:sp>
+        <p:nvSpPr>
+          <p:cNvPr id="25" name="文本框 24">
+            <a:extLst>
+              <a:ext uri="{FF2B5EF4-FFF2-40B4-BE49-F238E27FC236}">
+                <a16:creationId xmlns:a16="http://schemas.microsoft.com/office/drawing/2014/main" id="{84ECBD78-C29F-4E2F-A805-C3167E4342F9}"/>
+              </a:ext>
+            </a:extLst>
+          </p:cNvPr>
+          <p:cNvSpPr txBox="1"/>
+          <p:nvPr/>
+        </p:nvSpPr>
+        <p:spPr>
+          <a:xfrm>
+            <a:off x="3150235" y="2280920"/>
+            <a:ext cx="309880" cy="368300"/>
+          </a:xfrm>
+          <a:prstGeom prst="rect">
+            <a:avLst/>
+          </a:prstGeom>
+          <a:noFill/>
+        </p:spPr>
+        <p:txBody>
+          <a:bodyPr wrap="none" rtlCol="0">
+            <a:spAutoFit/>
+          </a:bodyPr>
+          <a:lstStyle/>
+          <a:p>
+            <a:endParaRPr lang="zh-CN" altLang="en-US"/>
+          </a:p>
+        </p:txBody>
+      </p:sp>
+      <p:sp>
+        <p:nvSpPr>
+          <p:cNvPr id="26" name="矩形 25">
+            <a:extLst>
+              <a:ext uri="{FF2B5EF4-FFF2-40B4-BE49-F238E27FC236}">
+                <a16:creationId xmlns:a16="http://schemas.microsoft.com/office/drawing/2014/main" id="{3E0BCC8C-33C8-4C5A-8972-A6CE9CC763B4}"/>
+              </a:ext>
+            </a:extLst>
+          </p:cNvPr>
+          <p:cNvSpPr/>
+          <p:nvPr/>
+        </p:nvSpPr>
+        <p:spPr>
+          <a:xfrm>
+            <a:off x="6124575" y="2164715"/>
+            <a:ext cx="2976880" cy="2508885"/>
+          </a:xfrm>
+          <a:prstGeom prst="rect">
+            <a:avLst/>
+          </a:prstGeom>
+          <a:noFill/>
+          <a:ln w="38100">
+            <a:solidFill>
+              <a:srgbClr val="00B050"/>
+            </a:solidFill>
+            <a:prstDash val="dash"/>
+          </a:ln>
+          <a:extLst>
+            <a:ext uri="{909E8E84-426E-40DD-AFC4-6F175D3DCCD1}">
+              <a14:hiddenFill xmlns:a14="http://schemas.microsoft.com/office/drawing/2010/main">
+                <a:solidFill>
+                  <a:schemeClr val="accent1"/>
+                </a:solidFill>
+              </a14:hiddenFill>
+            </a:ext>
+          </a:extLst>
+        </p:spPr>
+        <p:style>
+          <a:lnRef idx="2">
+            <a:schemeClr val="accent1">
+              <a:shade val="50000"/>
+            </a:schemeClr>
+          </a:lnRef>
+          <a:fillRef idx="1">
+            <a:schemeClr val="accent1"/>
+          </a:fillRef>
+          <a:effectRef idx="0">
+            <a:schemeClr val="accent1"/>
+          </a:effectRef>
+          <a:fontRef idx="minor">
+            <a:schemeClr val="lt1"/>
+          </a:fontRef>
+        </p:style>
+        <p:txBody>
+          <a:bodyPr rtlCol="0" anchor="ctr"/>
+          <a:lstStyle/>
+          <a:p>
+            <a:pPr algn="ctr"/>
+            <a:endParaRPr lang="zh-CN" altLang="en-US"/>
+          </a:p>
+        </p:txBody>
+      </p:sp>
+      <p:sp>
+        <p:nvSpPr>
+          <p:cNvPr id="27" name="文本框 26">
+            <a:extLst>
+              <a:ext uri="{FF2B5EF4-FFF2-40B4-BE49-F238E27FC236}">
+                <a16:creationId xmlns:a16="http://schemas.microsoft.com/office/drawing/2014/main" id="{4851CFBD-3B8F-4BB7-81ED-A5A92BD54399}"/>
+              </a:ext>
+            </a:extLst>
+          </p:cNvPr>
+          <p:cNvSpPr txBox="1"/>
+          <p:nvPr/>
+        </p:nvSpPr>
+        <p:spPr>
+          <a:xfrm>
+            <a:off x="5560059" y="1790755"/>
+            <a:ext cx="4176395" cy="369332"/>
+          </a:xfrm>
+          <a:prstGeom prst="rect">
+            <a:avLst/>
+          </a:prstGeom>
+          <a:noFill/>
+        </p:spPr>
+        <p:txBody>
+          <a:bodyPr wrap="square" rtlCol="0">
+            <a:spAutoFit/>
+          </a:bodyPr>
+          <a:lstStyle/>
+          <a:p>
+            <a:pPr algn="l"/>
+            <a:r>
+              <a:rPr lang="ja-JP" altLang="zh-CN" b="1" dirty="0">
+                <a:solidFill>
+                  <a:srgbClr val="00B050"/>
+                </a:solidFill>
+                <a:sym typeface="+mn-ea"/>
+              </a:rPr>
+              <a:t>おすすめアイテムがエンジンにより変更</a:t>
+            </a:r>
+          </a:p>
+        </p:txBody>
+      </p:sp>
+    </p:spTree>
+    <p:extLst>
+      <p:ext uri="{BB962C8B-B14F-4D97-AF65-F5344CB8AC3E}">
+        <p14:creationId xmlns:p14="http://schemas.microsoft.com/office/powerpoint/2010/main" val="3276376753"/>
+      </p:ext>
+    </p:extLst>
+  </p:cSld>
+  <p:clrMapOvr>
+    <a:masterClrMapping/>
+  </p:clrMapOvr>
+</p:sld>
+</file>
+
+<file path=ppt/slides/slide29.xml><?xml version="1.0" encoding="utf-8"?>
+<p:sld xmlns:a="http://schemas.openxmlformats.org/drawingml/2006/main" xmlns:r="http://schemas.openxmlformats.org/officeDocument/2006/relationships" xmlns:p="http://schemas.openxmlformats.org/presentationml/2006/main">
+  <p:cSld>
+    <p:spTree>
+      <p:nvGrpSpPr>
+        <p:cNvPr id="1" name=""/>
+        <p:cNvGrpSpPr/>
+        <p:nvPr/>
+      </p:nvGrpSpPr>
+      <p:grpSpPr>
+        <a:xfrm>
+          <a:off x="0" y="0"/>
+          <a:ext cx="0" cy="0"/>
+          <a:chOff x="0" y="0"/>
+          <a:chExt cx="0" cy="0"/>
+        </a:xfrm>
+      </p:grpSpPr>
+      <p:sp>
+        <p:nvSpPr>
+          <p:cNvPr id="2" name="标题 1">
+            <a:extLst>
+              <a:ext uri="{FF2B5EF4-FFF2-40B4-BE49-F238E27FC236}">
+                <a16:creationId xmlns:a16="http://schemas.microsoft.com/office/drawing/2014/main" id="{752C1B6F-EFCF-4260-969E-C354B03B5ECA}"/>
+              </a:ext>
+            </a:extLst>
+          </p:cNvPr>
+          <p:cNvSpPr>
+            <a:spLocks noGrp="1"/>
+          </p:cNvSpPr>
+          <p:nvPr>
+            <p:ph type="title"/>
+          </p:nvPr>
+        </p:nvSpPr>
+        <p:spPr/>
+        <p:txBody>
+          <a:bodyPr/>
+          <a:lstStyle/>
+          <a:p>
+            <a:r>
+              <a:rPr lang="ja-JP" altLang="en-US" dirty="0"/>
+              <a:t>評価指標</a:t>
+            </a:r>
+            <a:endParaRPr lang="zh-CN" altLang="en-US" dirty="0"/>
+          </a:p>
+        </p:txBody>
+      </p:sp>
+      <p:sp>
+        <p:nvSpPr>
+          <p:cNvPr id="3" name="内容占位符 2">
+            <a:extLst>
+              <a:ext uri="{FF2B5EF4-FFF2-40B4-BE49-F238E27FC236}">
+                <a16:creationId xmlns:a16="http://schemas.microsoft.com/office/drawing/2014/main" id="{2C40D5D1-8EB0-4584-AE72-27D8FF0E2AED}"/>
+              </a:ext>
+            </a:extLst>
+          </p:cNvPr>
+          <p:cNvSpPr>
+            <a:spLocks noGrp="1"/>
+          </p:cNvSpPr>
+          <p:nvPr>
+            <p:ph idx="1"/>
+          </p:nvPr>
+        </p:nvSpPr>
+        <p:spPr/>
+        <p:txBody>
+          <a:bodyPr>
+            <a:normAutofit/>
+          </a:bodyPr>
+          <a:lstStyle/>
+          <a:p>
+            <a:pPr>
+              <a:buFont typeface="Wingdings" panose="05000000000000000000" pitchFamily="2" charset="2"/>
+              <a:buChar char="l"/>
+            </a:pPr>
+            <a:r>
+              <a:rPr lang="en-US" altLang="ja-JP" sz="2800" dirty="0"/>
+              <a:t>CTR</a:t>
+            </a:r>
+            <a:r>
+              <a:rPr lang="ja-JP" altLang="en-US" sz="2800" dirty="0"/>
+              <a:t>（</a:t>
+            </a:r>
+            <a:r>
+              <a:rPr lang="en-US" altLang="ja-JP" sz="2800" dirty="0"/>
+              <a:t>Click</a:t>
+            </a:r>
+            <a:r>
+              <a:rPr lang="ja-JP" altLang="en-US" sz="2800" dirty="0"/>
+              <a:t> </a:t>
+            </a:r>
+            <a:r>
+              <a:rPr lang="en-US" altLang="ja-JP" sz="2800" dirty="0"/>
+              <a:t>Through Rate</a:t>
+            </a:r>
+            <a:r>
+              <a:rPr lang="ja-JP" altLang="en-US" sz="2800" dirty="0"/>
+              <a:t>）</a:t>
+            </a:r>
+            <a:endParaRPr lang="en-US" altLang="ja-JP" sz="2800" dirty="0"/>
+          </a:p>
+          <a:p>
+            <a:pPr>
+              <a:buFont typeface="Wingdings" panose="05000000000000000000" pitchFamily="2" charset="2"/>
+              <a:buChar char="l"/>
+            </a:pPr>
+            <a:r>
+              <a:rPr lang="ja-JP" altLang="en-US" sz="2800" dirty="0"/>
+              <a:t>レコメンド結果の満足度</a:t>
+            </a:r>
+            <a:endParaRPr lang="en-US" altLang="ja-JP" sz="2800" dirty="0"/>
+          </a:p>
+          <a:p>
+            <a:pPr>
+              <a:buFont typeface="Wingdings" panose="05000000000000000000" pitchFamily="2" charset="2"/>
+              <a:buChar char="l"/>
+            </a:pPr>
+            <a:r>
+              <a:rPr lang="en-US" altLang="ja-JP" sz="2800" dirty="0"/>
+              <a:t>Pay</a:t>
+            </a:r>
+            <a:r>
+              <a:rPr lang="ja-JP" altLang="en-US" sz="2800" dirty="0"/>
+              <a:t> </a:t>
+            </a:r>
+            <a:r>
+              <a:rPr lang="en-US" altLang="ja-JP" sz="2800" dirty="0"/>
+              <a:t>per click</a:t>
+            </a:r>
+          </a:p>
+          <a:p>
+            <a:pPr>
+              <a:buFont typeface="Wingdings" panose="05000000000000000000" pitchFamily="2" charset="2"/>
+              <a:buChar char="l"/>
+            </a:pPr>
+            <a:r>
+              <a:rPr lang="ja-JP" altLang="en-US" sz="2800" dirty="0"/>
+              <a:t>購入決定までの時間</a:t>
+            </a:r>
+            <a:endParaRPr lang="en-US" altLang="ja-JP" sz="2800" dirty="0"/>
+          </a:p>
+          <a:p>
+            <a:pPr>
+              <a:buFont typeface="Wingdings" panose="05000000000000000000" pitchFamily="2" charset="2"/>
+              <a:buChar char="l"/>
+            </a:pPr>
+            <a:endParaRPr lang="zh-CN" altLang="en-US" sz="2800" dirty="0"/>
+          </a:p>
+        </p:txBody>
+      </p:sp>
+    </p:spTree>
+    <p:extLst>
+      <p:ext uri="{BB962C8B-B14F-4D97-AF65-F5344CB8AC3E}">
+        <p14:creationId xmlns:p14="http://schemas.microsoft.com/office/powerpoint/2010/main" val="966260772"/>
+      </p:ext>
+    </p:extLst>
+  </p:cSld>
+  <p:clrMapOvr>
+    <a:masterClrMapping/>
+  </p:clrMapOvr>
+</p:sld>
+</file>
+
+<file path=ppt/slides/slide3.xml><?xml version="1.0" encoding="utf-8"?>
+<p:sld xmlns:a="http://schemas.openxmlformats.org/drawingml/2006/main" xmlns:r="http://schemas.openxmlformats.org/officeDocument/2006/relationships" xmlns:p="http://schemas.openxmlformats.org/presentationml/2006/main">
+  <p:cSld>
+    <p:spTree>
+      <p:nvGrpSpPr>
+        <p:cNvPr id="1" name=""/>
+        <p:cNvGrpSpPr/>
+        <p:nvPr/>
+      </p:nvGrpSpPr>
+      <p:grpSpPr>
+        <a:xfrm>
+          <a:off x="0" y="0"/>
+          <a:ext cx="0" cy="0"/>
+          <a:chOff x="0" y="0"/>
+          <a:chExt cx="0" cy="0"/>
+        </a:xfrm>
+      </p:grpSpPr>
+      <p:sp>
+        <p:nvSpPr>
+          <p:cNvPr id="2" name="标题 1">
+            <a:extLst>
+              <a:ext uri="{FF2B5EF4-FFF2-40B4-BE49-F238E27FC236}">
+                <a16:creationId xmlns:a16="http://schemas.microsoft.com/office/drawing/2014/main" id="{8961A1C8-2EE3-40FC-AA45-4CCE63CCF7EB}"/>
+              </a:ext>
+            </a:extLst>
+          </p:cNvPr>
+          <p:cNvSpPr>
+            <a:spLocks noGrp="1"/>
+          </p:cNvSpPr>
+          <p:nvPr>
+            <p:ph type="title"/>
+          </p:nvPr>
+        </p:nvSpPr>
+        <p:spPr/>
+        <p:txBody>
+          <a:bodyPr/>
+          <a:lstStyle/>
+          <a:p>
+            <a:r>
+              <a:rPr lang="ja-JP" altLang="en-US" dirty="0"/>
+              <a:t>プロジェクト概要</a:t>
+            </a:r>
+            <a:endParaRPr lang="zh-CN" altLang="en-US" dirty="0"/>
+          </a:p>
+        </p:txBody>
+      </p:sp>
+      <p:sp>
+        <p:nvSpPr>
+          <p:cNvPr id="3" name="文本占位符 2">
+            <a:extLst>
+              <a:ext uri="{FF2B5EF4-FFF2-40B4-BE49-F238E27FC236}">
+                <a16:creationId xmlns:a16="http://schemas.microsoft.com/office/drawing/2014/main" id="{20B84D2A-CAB4-473E-A70C-EC2C747CAB00}"/>
+              </a:ext>
+            </a:extLst>
+          </p:cNvPr>
+          <p:cNvSpPr>
+            <a:spLocks noGrp="1"/>
+          </p:cNvSpPr>
+          <p:nvPr>
+            <p:ph type="body" idx="1"/>
+          </p:nvPr>
+        </p:nvSpPr>
+        <p:spPr/>
+        <p:txBody>
+          <a:bodyPr/>
+          <a:lstStyle/>
+          <a:p>
+            <a:endParaRPr lang="zh-CN" altLang="en-US" dirty="0"/>
+          </a:p>
+        </p:txBody>
+      </p:sp>
+    </p:spTree>
+    <p:extLst>
+      <p:ext uri="{BB962C8B-B14F-4D97-AF65-F5344CB8AC3E}">
+        <p14:creationId xmlns:p14="http://schemas.microsoft.com/office/powerpoint/2010/main" val="2760262226"/>
+      </p:ext>
+    </p:extLst>
+  </p:cSld>
+  <p:clrMapOvr>
+    <a:masterClrMapping/>
+  </p:clrMapOvr>
+</p:sld>
+</file>
+
+<file path=ppt/slides/slide30.xml><?xml version="1.0" encoding="utf-8"?>
+<p:sld xmlns:a="http://schemas.openxmlformats.org/drawingml/2006/main" xmlns:r="http://schemas.openxmlformats.org/officeDocument/2006/relationships" xmlns:p="http://schemas.openxmlformats.org/presentationml/2006/main">
+  <p:cSld>
+    <p:spTree>
+      <p:nvGrpSpPr>
+        <p:cNvPr id="1" name=""/>
+        <p:cNvGrpSpPr/>
+        <p:nvPr/>
+      </p:nvGrpSpPr>
+      <p:grpSpPr>
+        <a:xfrm>
+          <a:off x="0" y="0"/>
+          <a:ext cx="0" cy="0"/>
+          <a:chOff x="0" y="0"/>
+          <a:chExt cx="0" cy="0"/>
+        </a:xfrm>
+      </p:grpSpPr>
+      <p:sp>
+        <p:nvSpPr>
+          <p:cNvPr id="2" name="标题 1">
+            <a:extLst>
+              <a:ext uri="{FF2B5EF4-FFF2-40B4-BE49-F238E27FC236}">
+                <a16:creationId xmlns:a16="http://schemas.microsoft.com/office/drawing/2014/main" id="{4C885B01-1CE9-4F56-9346-FE14F94A429F}"/>
+              </a:ext>
+            </a:extLst>
+          </p:cNvPr>
+          <p:cNvSpPr>
+            <a:spLocks noGrp="1"/>
+          </p:cNvSpPr>
+          <p:nvPr>
+            <p:ph type="title"/>
+          </p:nvPr>
+        </p:nvSpPr>
+        <p:spPr/>
+        <p:txBody>
+          <a:bodyPr/>
+          <a:lstStyle/>
+          <a:p>
+            <a:r>
+              <a:rPr lang="en-US" altLang="zh-CN" dirty="0"/>
+              <a:t>CTR</a:t>
+            </a:r>
+            <a:r>
+              <a:rPr lang="ja-JP" altLang="en-US" dirty="0"/>
+              <a:t>（</a:t>
+            </a:r>
+            <a:r>
+              <a:rPr lang="en-US" altLang="zh-CN" dirty="0"/>
+              <a:t>Click Through Rate</a:t>
+            </a:r>
+            <a:r>
+              <a:rPr lang="ja-JP" altLang="en-US" dirty="0"/>
+              <a:t>）</a:t>
+            </a:r>
+            <a:endParaRPr lang="zh-CN" altLang="en-US" dirty="0"/>
+          </a:p>
+        </p:txBody>
+      </p:sp>
+      <p:sp>
+        <p:nvSpPr>
+          <p:cNvPr id="4" name="内容占位符 2">
+            <a:extLst>
+              <a:ext uri="{FF2B5EF4-FFF2-40B4-BE49-F238E27FC236}">
+                <a16:creationId xmlns:a16="http://schemas.microsoft.com/office/drawing/2014/main" id="{C8DA6BE2-B426-4E3B-BEFF-58E77BD4FDB9}"/>
+              </a:ext>
+            </a:extLst>
+          </p:cNvPr>
+          <p:cNvSpPr>
+            <a:spLocks noGrp="1"/>
+          </p:cNvSpPr>
+          <p:nvPr>
+            <p:ph idx="1"/>
+          </p:nvPr>
+        </p:nvSpPr>
+        <p:spPr>
+          <a:xfrm>
+            <a:off x="838200" y="1825625"/>
+            <a:ext cx="10515600" cy="4351338"/>
+          </a:xfrm>
+        </p:spPr>
+        <p:txBody>
+          <a:bodyPr>
+            <a:normAutofit/>
+          </a:bodyPr>
+          <a:lstStyle/>
+          <a:p>
+            <a:pPr>
+              <a:buFont typeface="Wingdings" panose="05000000000000000000" pitchFamily="2" charset="2"/>
+              <a:buChar char="l"/>
+            </a:pPr>
+            <a:r>
+              <a:rPr lang="ja-JP" altLang="zh-CN" sz="2800" dirty="0">
+                <a:sym typeface="+mn-ea"/>
+              </a:rPr>
+              <a:t>ホームページ閲覧から</a:t>
+            </a:r>
+            <a:r>
+              <a:rPr lang="ja-JP" altLang="ja-JP" sz="2800" dirty="0"/>
+              <a:t>購入決定まで、お勧め欄クリック数</a:t>
+            </a:r>
+            <a:r>
+              <a:rPr lang="en-US" altLang="ja-JP" sz="2800" dirty="0"/>
+              <a:t>/</a:t>
+            </a:r>
+            <a:r>
+              <a:rPr lang="ja-JP" altLang="zh-CN" sz="2800" dirty="0"/>
+              <a:t>閲覧総数</a:t>
+            </a:r>
+            <a:endParaRPr lang="en-US" altLang="zh-CN" sz="2800" dirty="0"/>
+          </a:p>
+          <a:p>
+            <a:pPr>
+              <a:buFont typeface="Wingdings" panose="05000000000000000000" pitchFamily="2" charset="2"/>
+              <a:buChar char="l"/>
+            </a:pPr>
+            <a:r>
+              <a:rPr lang="ja-JP" altLang="en-US" sz="2800" dirty="0"/>
+              <a:t>お勧め欄クリック数</a:t>
+            </a:r>
+            <a:endParaRPr lang="en-US" altLang="ja-JP" sz="2800" dirty="0"/>
+          </a:p>
+          <a:p>
+            <a:pPr lvl="2"/>
+            <a:r>
+              <a:rPr lang="ja-JP" altLang="en-US" sz="1800" dirty="0"/>
+              <a:t>テスト中、レコメンド結果のお勧め欄から商品をクリックした回数</a:t>
+            </a:r>
+            <a:endParaRPr lang="ja-JP" altLang="en-US" sz="2200" dirty="0"/>
+          </a:p>
+          <a:p>
+            <a:pPr>
+              <a:buFont typeface="Wingdings" panose="05000000000000000000" pitchFamily="2" charset="2"/>
+              <a:buChar char="l"/>
+            </a:pPr>
+            <a:r>
+              <a:rPr lang="ja-JP" altLang="en-US" sz="2800" dirty="0"/>
+              <a:t>閲覧総数</a:t>
+            </a:r>
+          </a:p>
+          <a:p>
+            <a:pPr lvl="2"/>
+            <a:r>
+              <a:rPr lang="ja-JP" altLang="en-US" sz="2000" dirty="0"/>
+              <a:t>ホームページからクリック回数 </a:t>
+            </a:r>
+            <a:r>
+              <a:rPr lang="en-US" altLang="zh-CN" sz="2000" dirty="0"/>
+              <a:t>+ </a:t>
+            </a:r>
+            <a:r>
+              <a:rPr lang="ja-JP" altLang="en-US" sz="2000" dirty="0"/>
+              <a:t>上記の回数</a:t>
+            </a:r>
+            <a:endParaRPr lang="ja-JP" altLang="en-US" sz="2400" dirty="0"/>
+          </a:p>
+          <a:p>
+            <a:pPr lvl="0">
+              <a:buFont typeface="Wingdings" panose="05000000000000000000" pitchFamily="2" charset="2"/>
+              <a:buChar char="l"/>
+            </a:pPr>
+            <a:r>
+              <a:rPr lang="ja-JP" altLang="en-US" sz="2800" dirty="0">
+                <a:solidFill>
+                  <a:srgbClr val="7030A0"/>
+                </a:solidFill>
+              </a:rPr>
+              <a:t>比率高いほど、レコメンド効果良い</a:t>
+            </a:r>
+          </a:p>
+        </p:txBody>
+      </p:sp>
+    </p:spTree>
+    <p:extLst>
+      <p:ext uri="{BB962C8B-B14F-4D97-AF65-F5344CB8AC3E}">
+        <p14:creationId xmlns:p14="http://schemas.microsoft.com/office/powerpoint/2010/main" val="1705186254"/>
+      </p:ext>
+    </p:extLst>
+  </p:cSld>
+  <p:clrMapOvr>
+    <a:masterClrMapping/>
+  </p:clrMapOvr>
+</p:sld>
+</file>
+
+<file path=ppt/slides/slide31.xml><?xml version="1.0" encoding="utf-8"?>
+<p:sld xmlns:a="http://schemas.openxmlformats.org/drawingml/2006/main" xmlns:r="http://schemas.openxmlformats.org/officeDocument/2006/relationships" xmlns:p="http://schemas.openxmlformats.org/presentationml/2006/main">
+  <p:cSld>
+    <p:spTree>
+      <p:nvGrpSpPr>
+        <p:cNvPr id="1" name=""/>
+        <p:cNvGrpSpPr/>
+        <p:nvPr/>
+      </p:nvGrpSpPr>
+      <p:grpSpPr>
+        <a:xfrm>
+          <a:off x="0" y="0"/>
+          <a:ext cx="0" cy="0"/>
+          <a:chOff x="0" y="0"/>
+          <a:chExt cx="0" cy="0"/>
+        </a:xfrm>
+      </p:grpSpPr>
+      <p:sp>
+        <p:nvSpPr>
+          <p:cNvPr id="2" name="标题 1">
+            <a:extLst>
+              <a:ext uri="{FF2B5EF4-FFF2-40B4-BE49-F238E27FC236}">
+                <a16:creationId xmlns:a16="http://schemas.microsoft.com/office/drawing/2014/main" id="{3DC52367-774E-43B7-ABAA-7389A02F3BFF}"/>
+              </a:ext>
+            </a:extLst>
+          </p:cNvPr>
+          <p:cNvSpPr>
+            <a:spLocks noGrp="1"/>
+          </p:cNvSpPr>
+          <p:nvPr>
+            <p:ph type="title"/>
+          </p:nvPr>
+        </p:nvSpPr>
+        <p:spPr/>
+        <p:txBody>
+          <a:bodyPr/>
+          <a:lstStyle/>
+          <a:p>
+            <a:r>
+              <a:rPr lang="ja-JP" altLang="en-US" dirty="0"/>
+              <a:t>レコメンド結果の満足度</a:t>
+            </a:r>
+            <a:endParaRPr lang="zh-CN" altLang="en-US" dirty="0"/>
+          </a:p>
+        </p:txBody>
+      </p:sp>
+      <p:sp>
+        <p:nvSpPr>
+          <p:cNvPr id="3" name="内容占位符 2">
+            <a:extLst>
+              <a:ext uri="{FF2B5EF4-FFF2-40B4-BE49-F238E27FC236}">
+                <a16:creationId xmlns:a16="http://schemas.microsoft.com/office/drawing/2014/main" id="{BDA4BA0C-7302-48BB-8137-48E1FE910750}"/>
+              </a:ext>
+            </a:extLst>
+          </p:cNvPr>
+          <p:cNvSpPr>
+            <a:spLocks noGrp="1"/>
+          </p:cNvSpPr>
+          <p:nvPr>
+            <p:ph idx="1"/>
+          </p:nvPr>
+        </p:nvSpPr>
+        <p:spPr/>
+        <p:txBody>
+          <a:bodyPr>
+            <a:normAutofit/>
+          </a:bodyPr>
+          <a:lstStyle/>
+          <a:p>
+            <a:pPr>
+              <a:buFont typeface="Wingdings" panose="05000000000000000000" pitchFamily="2" charset="2"/>
+              <a:buChar char="l"/>
+            </a:pPr>
+            <a:r>
+              <a:rPr lang="ja-JP" altLang="zh-CN" sz="2800" dirty="0"/>
+              <a:t>お勧め欄に対して、</a:t>
+            </a:r>
+            <a:r>
+              <a:rPr lang="en-US" altLang="ja-JP" sz="2800" dirty="0"/>
+              <a:t>1-5</a:t>
+            </a:r>
+            <a:r>
+              <a:rPr lang="ja-JP" altLang="en-US" sz="2800" dirty="0"/>
+              <a:t>の満足度を評価する</a:t>
+            </a:r>
+          </a:p>
+          <a:p>
+            <a:pPr>
+              <a:buFont typeface="Wingdings" panose="05000000000000000000" pitchFamily="2" charset="2"/>
+              <a:buChar char="l"/>
+            </a:pPr>
+            <a:r>
+              <a:rPr lang="ja-JP" altLang="en-US" sz="2800" dirty="0"/>
+              <a:t>満足度は、</a:t>
+            </a:r>
+            <a:r>
+              <a:rPr lang="en-US" altLang="ja-JP" sz="2800" dirty="0"/>
+              <a:t>5</a:t>
+            </a:r>
+            <a:r>
+              <a:rPr lang="ja-JP" altLang="en-US" sz="2800" dirty="0"/>
+              <a:t>つ商品の中で</a:t>
+            </a:r>
+            <a:r>
+              <a:rPr lang="ja-JP" altLang="en-US" sz="2800" dirty="0">
+                <a:solidFill>
+                  <a:srgbClr val="FF0000"/>
+                </a:solidFill>
+              </a:rPr>
+              <a:t>気になる商品の数量</a:t>
+            </a:r>
+          </a:p>
+          <a:p>
+            <a:pPr>
+              <a:buFont typeface="Wingdings" panose="05000000000000000000" pitchFamily="2" charset="2"/>
+              <a:buChar char="l"/>
+            </a:pPr>
+            <a:r>
+              <a:rPr lang="ja-JP" altLang="en-US" sz="2800" dirty="0">
+                <a:solidFill>
+                  <a:schemeClr val="tx1"/>
+                </a:solidFill>
+              </a:rPr>
+              <a:t>最後に平均値を求める、</a:t>
+            </a:r>
+            <a:r>
+              <a:rPr lang="ja-JP" altLang="en-US" sz="2800" dirty="0">
+                <a:solidFill>
+                  <a:srgbClr val="7030A0"/>
+                </a:solidFill>
+              </a:rPr>
+              <a:t>高いほどレコメンド効果良い</a:t>
+            </a:r>
+          </a:p>
+          <a:p>
+            <a:pPr marL="0" indent="0">
+              <a:buNone/>
+            </a:pPr>
+            <a:endParaRPr lang="zh-CN" altLang="en-US" sz="2800" dirty="0"/>
+          </a:p>
+        </p:txBody>
+      </p:sp>
+      <p:grpSp>
+        <p:nvGrpSpPr>
+          <p:cNvPr id="10" name="组合 9">
+            <a:extLst>
+              <a:ext uri="{FF2B5EF4-FFF2-40B4-BE49-F238E27FC236}">
+                <a16:creationId xmlns:a16="http://schemas.microsoft.com/office/drawing/2014/main" id="{75A702E3-934E-4BEA-9CE3-2025CBEC13A7}"/>
+              </a:ext>
+            </a:extLst>
+          </p:cNvPr>
+          <p:cNvGrpSpPr/>
+          <p:nvPr/>
+        </p:nvGrpSpPr>
+        <p:grpSpPr>
+          <a:xfrm>
+            <a:off x="3462655" y="3429000"/>
+            <a:ext cx="6294120" cy="3290570"/>
+            <a:chOff x="2548255" y="3420745"/>
+            <a:chExt cx="6294120" cy="3290570"/>
+          </a:xfrm>
+        </p:grpSpPr>
+        <p:pic>
+          <p:nvPicPr>
+            <p:cNvPr id="11" name="图片 10">
+              <a:extLst>
+                <a:ext uri="{FF2B5EF4-FFF2-40B4-BE49-F238E27FC236}">
+                  <a16:creationId xmlns:a16="http://schemas.microsoft.com/office/drawing/2014/main" id="{3DDAA844-6AD9-4D9D-8646-0948AF307100}"/>
+                </a:ext>
+              </a:extLst>
+            </p:cNvPr>
+            <p:cNvPicPr>
+              <a:picLocks noChangeAspect="1"/>
+            </p:cNvPicPr>
+            <p:nvPr/>
+          </p:nvPicPr>
+          <p:blipFill>
+            <a:blip r:embed="rId2"/>
+            <a:stretch>
+              <a:fillRect/>
+            </a:stretch>
+          </p:blipFill>
+          <p:spPr>
+            <a:xfrm>
+              <a:off x="2548255" y="3420745"/>
+              <a:ext cx="3952875" cy="1523365"/>
+            </a:xfrm>
+            <a:prstGeom prst="rect">
+              <a:avLst/>
+            </a:prstGeom>
+          </p:spPr>
+        </p:pic>
+        <p:sp>
+          <p:nvSpPr>
+            <p:cNvPr id="12" name="右箭头 7">
+              <a:extLst>
+                <a:ext uri="{FF2B5EF4-FFF2-40B4-BE49-F238E27FC236}">
+                  <a16:creationId xmlns:a16="http://schemas.microsoft.com/office/drawing/2014/main" id="{487A4BA7-DA2A-4D05-A135-D812110EABDC}"/>
+                </a:ext>
+              </a:extLst>
+            </p:cNvPr>
+            <p:cNvSpPr/>
+            <p:nvPr/>
+          </p:nvSpPr>
+          <p:spPr>
+            <a:xfrm>
+              <a:off x="6781800" y="3887470"/>
+              <a:ext cx="752475" cy="590550"/>
+            </a:xfrm>
+            <a:prstGeom prst="rightArrow">
+              <a:avLst/>
+            </a:prstGeom>
+          </p:spPr>
+          <p:style>
+            <a:lnRef idx="2">
+              <a:schemeClr val="accent1">
+                <a:shade val="50000"/>
+              </a:schemeClr>
+            </a:lnRef>
+            <a:fillRef idx="1">
+              <a:schemeClr val="accent1"/>
+            </a:fillRef>
+            <a:effectRef idx="0">
+              <a:schemeClr val="accent1"/>
+            </a:effectRef>
+            <a:fontRef idx="minor">
+              <a:schemeClr val="lt1"/>
+            </a:fontRef>
+          </p:style>
+          <p:txBody>
+            <a:bodyPr rtlCol="0" anchor="ctr"/>
+            <a:lstStyle/>
+            <a:p>
+              <a:pPr algn="ctr"/>
+              <a:endParaRPr lang="zh-CN" altLang="en-US"/>
+            </a:p>
+          </p:txBody>
+        </p:sp>
+        <p:sp>
+          <p:nvSpPr>
+            <p:cNvPr id="13" name="文本框 12">
+              <a:extLst>
+                <a:ext uri="{FF2B5EF4-FFF2-40B4-BE49-F238E27FC236}">
+                  <a16:creationId xmlns:a16="http://schemas.microsoft.com/office/drawing/2014/main" id="{97F260F7-067B-4E9D-AEEA-690A68BD07D9}"/>
+                </a:ext>
+              </a:extLst>
+            </p:cNvPr>
+            <p:cNvSpPr txBox="1"/>
+            <p:nvPr/>
+          </p:nvSpPr>
+          <p:spPr>
+            <a:xfrm>
+              <a:off x="7743825" y="3997960"/>
+              <a:ext cx="1098550" cy="368300"/>
+            </a:xfrm>
+            <a:prstGeom prst="rect">
+              <a:avLst/>
+            </a:prstGeom>
+            <a:noFill/>
+          </p:spPr>
+          <p:txBody>
+            <a:bodyPr wrap="none" rtlCol="0">
+              <a:spAutoFit/>
+            </a:bodyPr>
+            <a:lstStyle/>
+            <a:p>
+              <a:r>
+                <a:rPr lang="ja-JP" altLang="zh-CN"/>
+                <a:t>評価：</a:t>
+              </a:r>
+              <a:r>
+                <a:rPr lang="en-US" altLang="ja-JP"/>
+                <a:t>3</a:t>
+              </a:r>
+              <a:r>
+                <a:rPr lang="ja-JP" altLang="en-US"/>
+                <a:t>点</a:t>
+              </a:r>
+            </a:p>
+          </p:txBody>
+        </p:sp>
+        <p:pic>
+          <p:nvPicPr>
+            <p:cNvPr id="14" name="图片 13">
+              <a:extLst>
+                <a:ext uri="{FF2B5EF4-FFF2-40B4-BE49-F238E27FC236}">
+                  <a16:creationId xmlns:a16="http://schemas.microsoft.com/office/drawing/2014/main" id="{D28CD25A-AA3F-4534-9061-1E14478ABD30}"/>
+                </a:ext>
+              </a:extLst>
+            </p:cNvPr>
+            <p:cNvPicPr>
+              <a:picLocks noChangeAspect="1"/>
+            </p:cNvPicPr>
+            <p:nvPr/>
+          </p:nvPicPr>
+          <p:blipFill>
+            <a:blip r:embed="rId3"/>
+            <a:stretch>
+              <a:fillRect/>
+            </a:stretch>
+          </p:blipFill>
+          <p:spPr>
+            <a:xfrm>
+              <a:off x="2548255" y="5176520"/>
+              <a:ext cx="3952875" cy="1534795"/>
+            </a:xfrm>
+            <a:prstGeom prst="rect">
+              <a:avLst/>
+            </a:prstGeom>
+          </p:spPr>
+        </p:pic>
+        <p:sp>
+          <p:nvSpPr>
+            <p:cNvPr id="15" name="右箭头 10">
+              <a:extLst>
+                <a:ext uri="{FF2B5EF4-FFF2-40B4-BE49-F238E27FC236}">
+                  <a16:creationId xmlns:a16="http://schemas.microsoft.com/office/drawing/2014/main" id="{ADB62CA8-1365-4019-8711-571CA8FC6FDD}"/>
+                </a:ext>
+              </a:extLst>
+            </p:cNvPr>
+            <p:cNvSpPr/>
+            <p:nvPr/>
+          </p:nvSpPr>
+          <p:spPr>
+            <a:xfrm>
+              <a:off x="6781800" y="5586730"/>
+              <a:ext cx="752475" cy="590550"/>
+            </a:xfrm>
+            <a:prstGeom prst="rightArrow">
+              <a:avLst/>
+            </a:prstGeom>
+          </p:spPr>
+          <p:style>
+            <a:lnRef idx="2">
+              <a:schemeClr val="accent1">
+                <a:shade val="50000"/>
+              </a:schemeClr>
+            </a:lnRef>
+            <a:fillRef idx="1">
+              <a:schemeClr val="accent1"/>
+            </a:fillRef>
+            <a:effectRef idx="0">
+              <a:schemeClr val="accent1"/>
+            </a:effectRef>
+            <a:fontRef idx="minor">
+              <a:schemeClr val="lt1"/>
+            </a:fontRef>
+          </p:style>
+          <p:txBody>
+            <a:bodyPr rtlCol="0" anchor="ctr"/>
+            <a:lstStyle/>
+            <a:p>
+              <a:pPr algn="ctr"/>
+              <a:endParaRPr lang="zh-CN" altLang="en-US"/>
+            </a:p>
+          </p:txBody>
+        </p:sp>
+        <p:sp>
+          <p:nvSpPr>
+            <p:cNvPr id="16" name="文本框 15">
+              <a:extLst>
+                <a:ext uri="{FF2B5EF4-FFF2-40B4-BE49-F238E27FC236}">
+                  <a16:creationId xmlns:a16="http://schemas.microsoft.com/office/drawing/2014/main" id="{28951CC7-1246-418A-B79C-B73F7B3DEB29}"/>
+                </a:ext>
+              </a:extLst>
+            </p:cNvPr>
+            <p:cNvSpPr txBox="1"/>
+            <p:nvPr/>
+          </p:nvSpPr>
+          <p:spPr>
+            <a:xfrm>
+              <a:off x="7743825" y="5697855"/>
+              <a:ext cx="1098550" cy="368300"/>
+            </a:xfrm>
+            <a:prstGeom prst="rect">
+              <a:avLst/>
+            </a:prstGeom>
+            <a:noFill/>
+          </p:spPr>
+          <p:txBody>
+            <a:bodyPr wrap="none" rtlCol="0">
+              <a:spAutoFit/>
+            </a:bodyPr>
+            <a:lstStyle/>
+            <a:p>
+              <a:r>
+                <a:rPr lang="ja-JP" altLang="zh-CN"/>
+                <a:t>評価：</a:t>
+              </a:r>
+              <a:r>
+                <a:rPr lang="en-US" altLang="ja-JP"/>
+                <a:t>2</a:t>
+              </a:r>
+              <a:r>
+                <a:rPr lang="ja-JP" altLang="en-US"/>
+                <a:t>点</a:t>
+              </a:r>
+            </a:p>
+          </p:txBody>
+        </p:sp>
+      </p:grpSp>
+    </p:spTree>
+    <p:extLst>
+      <p:ext uri="{BB962C8B-B14F-4D97-AF65-F5344CB8AC3E}">
+        <p14:creationId xmlns:p14="http://schemas.microsoft.com/office/powerpoint/2010/main" val="1819574395"/>
+      </p:ext>
+    </p:extLst>
+  </p:cSld>
+  <p:clrMapOvr>
+    <a:masterClrMapping/>
+  </p:clrMapOvr>
+</p:sld>
+</file>
+
+<file path=ppt/slides/slide32.xml><?xml version="1.0" encoding="utf-8"?>
+<p:sld xmlns:a="http://schemas.openxmlformats.org/drawingml/2006/main" xmlns:r="http://schemas.openxmlformats.org/officeDocument/2006/relationships" xmlns:p="http://schemas.openxmlformats.org/presentationml/2006/main">
+  <p:cSld>
+    <p:spTree>
+      <p:nvGrpSpPr>
+        <p:cNvPr id="1" name=""/>
+        <p:cNvGrpSpPr/>
+        <p:nvPr/>
+      </p:nvGrpSpPr>
+      <p:grpSpPr>
+        <a:xfrm>
+          <a:off x="0" y="0"/>
+          <a:ext cx="0" cy="0"/>
+          <a:chOff x="0" y="0"/>
+          <a:chExt cx="0" cy="0"/>
+        </a:xfrm>
+      </p:grpSpPr>
+      <p:sp>
+        <p:nvSpPr>
+          <p:cNvPr id="2" name="标题 1">
+            <a:extLst>
+              <a:ext uri="{FF2B5EF4-FFF2-40B4-BE49-F238E27FC236}">
+                <a16:creationId xmlns:a16="http://schemas.microsoft.com/office/drawing/2014/main" id="{BB2E863A-4A4E-428D-B972-1D296356B658}"/>
+              </a:ext>
+            </a:extLst>
+          </p:cNvPr>
+          <p:cNvSpPr>
+            <a:spLocks noGrp="1"/>
+          </p:cNvSpPr>
+          <p:nvPr>
+            <p:ph type="title"/>
+          </p:nvPr>
+        </p:nvSpPr>
+        <p:spPr/>
+        <p:txBody>
+          <a:bodyPr/>
+          <a:lstStyle/>
+          <a:p>
+            <a:r>
+              <a:rPr lang="en-US" altLang="zh-CN" dirty="0"/>
+              <a:t>Pay per click</a:t>
+            </a:r>
+            <a:endParaRPr lang="zh-CN" altLang="en-US" dirty="0"/>
+          </a:p>
+        </p:txBody>
+      </p:sp>
+      <p:sp>
+        <p:nvSpPr>
+          <p:cNvPr id="3" name="内容占位符 2">
+            <a:extLst>
+              <a:ext uri="{FF2B5EF4-FFF2-40B4-BE49-F238E27FC236}">
+                <a16:creationId xmlns:a16="http://schemas.microsoft.com/office/drawing/2014/main" id="{FD12BBB8-627C-4A71-9CFE-71F5BBFD6330}"/>
+              </a:ext>
+            </a:extLst>
+          </p:cNvPr>
+          <p:cNvSpPr>
+            <a:spLocks noGrp="1"/>
+          </p:cNvSpPr>
+          <p:nvPr>
+            <p:ph idx="1"/>
+          </p:nvPr>
+        </p:nvSpPr>
+        <p:spPr/>
+        <p:txBody>
+          <a:bodyPr>
+            <a:normAutofit/>
+          </a:bodyPr>
+          <a:lstStyle/>
+          <a:p>
+            <a:pPr>
+              <a:buFont typeface="Wingdings" panose="05000000000000000000" pitchFamily="2" charset="2"/>
+              <a:buChar char="l"/>
+            </a:pPr>
+            <a:r>
+              <a:rPr lang="ja-JP" altLang="zh-CN" sz="2800" dirty="0"/>
+              <a:t>ホームページ閲覧から購</a:t>
+            </a:r>
+            <a:r>
+              <a:rPr lang="ja-JP" altLang="ja-JP" sz="2800" dirty="0">
+                <a:sym typeface="+mn-ea"/>
+              </a:rPr>
+              <a:t>入</a:t>
+            </a:r>
+            <a:r>
+              <a:rPr lang="ja-JP" altLang="zh-CN" sz="2800" dirty="0"/>
+              <a:t>決定までのクリック回数</a:t>
+            </a:r>
+          </a:p>
+          <a:p>
+            <a:pPr>
+              <a:buFont typeface="Wingdings" panose="05000000000000000000" pitchFamily="2" charset="2"/>
+              <a:buChar char="l"/>
+            </a:pPr>
+            <a:r>
+              <a:rPr lang="ja-JP" altLang="zh-CN" sz="2800" dirty="0">
+                <a:solidFill>
+                  <a:srgbClr val="7030A0"/>
+                </a:solidFill>
+              </a:rPr>
+              <a:t>回数少ないほど、レコメンド効果良い</a:t>
+            </a:r>
+          </a:p>
+          <a:p>
+            <a:endParaRPr lang="zh-CN" altLang="en-US" sz="2800" dirty="0"/>
+          </a:p>
+        </p:txBody>
+      </p:sp>
+      <p:cxnSp>
+        <p:nvCxnSpPr>
+          <p:cNvPr id="5" name="直接箭头连接符 4">
+            <a:extLst>
+              <a:ext uri="{FF2B5EF4-FFF2-40B4-BE49-F238E27FC236}">
+                <a16:creationId xmlns:a16="http://schemas.microsoft.com/office/drawing/2014/main" id="{B41AA29A-768C-484F-9CD0-0550F735A817}"/>
+              </a:ext>
+            </a:extLst>
+          </p:cNvPr>
+          <p:cNvCxnSpPr/>
+          <p:nvPr/>
+        </p:nvCxnSpPr>
+        <p:spPr>
+          <a:xfrm>
+            <a:off x="2119688" y="5683135"/>
+            <a:ext cx="7210425" cy="0"/>
+          </a:xfrm>
+          <a:prstGeom prst="straightConnector1">
+            <a:avLst/>
+          </a:prstGeom>
+          <a:ln w="57150">
+            <a:solidFill>
+              <a:schemeClr val="tx1">
+                <a:lumMod val="95000"/>
+                <a:lumOff val="5000"/>
+              </a:schemeClr>
+            </a:solidFill>
+            <a:tailEnd type="arrow"/>
+          </a:ln>
+        </p:spPr>
+        <p:style>
+          <a:lnRef idx="1">
+            <a:schemeClr val="accent1"/>
+          </a:lnRef>
+          <a:fillRef idx="0">
+            <a:schemeClr val="accent1"/>
+          </a:fillRef>
+          <a:effectRef idx="0">
+            <a:schemeClr val="accent1"/>
+          </a:effectRef>
+          <a:fontRef idx="minor">
+            <a:schemeClr val="tx1"/>
+          </a:fontRef>
+        </p:style>
+      </p:cxnSp>
+      <p:sp>
+        <p:nvSpPr>
+          <p:cNvPr id="6" name="文本框 5">
+            <a:extLst>
+              <a:ext uri="{FF2B5EF4-FFF2-40B4-BE49-F238E27FC236}">
+                <a16:creationId xmlns:a16="http://schemas.microsoft.com/office/drawing/2014/main" id="{A18FC32D-1011-4EEC-944F-5862A33B42FC}"/>
+              </a:ext>
+            </a:extLst>
+          </p:cNvPr>
+          <p:cNvSpPr txBox="1"/>
+          <p:nvPr/>
+        </p:nvSpPr>
+        <p:spPr>
+          <a:xfrm>
+            <a:off x="1999038" y="5889510"/>
+            <a:ext cx="676211" cy="400110"/>
+          </a:xfrm>
+          <a:prstGeom prst="rect">
+            <a:avLst/>
+          </a:prstGeom>
+          <a:noFill/>
+        </p:spPr>
+        <p:txBody>
+          <a:bodyPr wrap="none" rtlCol="0">
+            <a:spAutoFit/>
+          </a:bodyPr>
+          <a:lstStyle/>
+          <a:p>
+            <a:r>
+              <a:rPr lang="en-US" altLang="zh-CN" sz="2000" b="1" dirty="0"/>
+              <a:t>start</a:t>
+            </a:r>
+          </a:p>
+        </p:txBody>
+      </p:sp>
+      <p:sp>
+        <p:nvSpPr>
+          <p:cNvPr id="7" name="文本框 6">
+            <a:extLst>
+              <a:ext uri="{FF2B5EF4-FFF2-40B4-BE49-F238E27FC236}">
+                <a16:creationId xmlns:a16="http://schemas.microsoft.com/office/drawing/2014/main" id="{A2304D19-A5DA-4D8E-B154-40A459009B52}"/>
+              </a:ext>
+            </a:extLst>
+          </p:cNvPr>
+          <p:cNvSpPr txBox="1"/>
+          <p:nvPr/>
+        </p:nvSpPr>
+        <p:spPr>
+          <a:xfrm>
+            <a:off x="7812463" y="5889510"/>
+            <a:ext cx="590226" cy="400110"/>
+          </a:xfrm>
+          <a:prstGeom prst="rect">
+            <a:avLst/>
+          </a:prstGeom>
+          <a:noFill/>
+        </p:spPr>
+        <p:txBody>
+          <a:bodyPr wrap="none" rtlCol="0">
+            <a:spAutoFit/>
+          </a:bodyPr>
+          <a:lstStyle/>
+          <a:p>
+            <a:r>
+              <a:rPr lang="en-US" altLang="zh-CN" sz="2000" b="1" dirty="0"/>
+              <a:t>end</a:t>
+            </a:r>
+          </a:p>
+        </p:txBody>
+      </p:sp>
+      <p:pic>
+        <p:nvPicPr>
+          <p:cNvPr id="8" name="图片 7">
+            <a:extLst>
+              <a:ext uri="{FF2B5EF4-FFF2-40B4-BE49-F238E27FC236}">
+                <a16:creationId xmlns:a16="http://schemas.microsoft.com/office/drawing/2014/main" id="{0C8A9813-081F-483B-85BB-AFF5B4A45E2C}"/>
+              </a:ext>
+            </a:extLst>
+          </p:cNvPr>
+          <p:cNvPicPr>
+            <a:picLocks noChangeAspect="1"/>
+          </p:cNvPicPr>
+          <p:nvPr/>
+        </p:nvPicPr>
+        <p:blipFill>
+          <a:blip r:embed="rId2"/>
+          <a:stretch>
+            <a:fillRect/>
+          </a:stretch>
+        </p:blipFill>
+        <p:spPr>
+          <a:xfrm>
+            <a:off x="2337143" y="2927795"/>
+            <a:ext cx="6598642" cy="2569382"/>
+          </a:xfrm>
+          <a:prstGeom prst="rect">
+            <a:avLst/>
+          </a:prstGeom>
+        </p:spPr>
+      </p:pic>
+    </p:spTree>
+    <p:extLst>
+      <p:ext uri="{BB962C8B-B14F-4D97-AF65-F5344CB8AC3E}">
+        <p14:creationId xmlns:p14="http://schemas.microsoft.com/office/powerpoint/2010/main" val="3712146028"/>
+      </p:ext>
+    </p:extLst>
+  </p:cSld>
+  <p:clrMapOvr>
+    <a:masterClrMapping/>
+  </p:clrMapOvr>
+</p:sld>
+</file>
+
+<file path=ppt/slides/slide33.xml><?xml version="1.0" encoding="utf-8"?>
+<p:sld xmlns:a="http://schemas.openxmlformats.org/drawingml/2006/main" xmlns:r="http://schemas.openxmlformats.org/officeDocument/2006/relationships" xmlns:p="http://schemas.openxmlformats.org/presentationml/2006/main">
+  <p:cSld>
+    <p:spTree>
+      <p:nvGrpSpPr>
+        <p:cNvPr id="1" name=""/>
+        <p:cNvGrpSpPr/>
+        <p:nvPr/>
+      </p:nvGrpSpPr>
+      <p:grpSpPr>
+        <a:xfrm>
+          <a:off x="0" y="0"/>
+          <a:ext cx="0" cy="0"/>
+          <a:chOff x="0" y="0"/>
+          <a:chExt cx="0" cy="0"/>
+        </a:xfrm>
+      </p:grpSpPr>
+      <p:sp>
+        <p:nvSpPr>
+          <p:cNvPr id="2" name="标题 1">
+            <a:extLst>
+              <a:ext uri="{FF2B5EF4-FFF2-40B4-BE49-F238E27FC236}">
+                <a16:creationId xmlns:a16="http://schemas.microsoft.com/office/drawing/2014/main" id="{97B5303E-2B0A-4783-9FEC-4378AC47880F}"/>
+              </a:ext>
+            </a:extLst>
+          </p:cNvPr>
+          <p:cNvSpPr>
+            <a:spLocks noGrp="1"/>
+          </p:cNvSpPr>
+          <p:nvPr>
+            <p:ph type="title"/>
+          </p:nvPr>
+        </p:nvSpPr>
+        <p:spPr/>
+        <p:txBody>
+          <a:bodyPr/>
+          <a:lstStyle/>
+          <a:p>
+            <a:r>
+              <a:rPr lang="ja-JP" altLang="en-US" dirty="0"/>
+              <a:t>購入決定までの時間</a:t>
+            </a:r>
+            <a:endParaRPr lang="zh-CN" altLang="en-US" dirty="0"/>
+          </a:p>
+        </p:txBody>
+      </p:sp>
+      <p:sp>
+        <p:nvSpPr>
+          <p:cNvPr id="3" name="内容占位符 2">
+            <a:extLst>
+              <a:ext uri="{FF2B5EF4-FFF2-40B4-BE49-F238E27FC236}">
+                <a16:creationId xmlns:a16="http://schemas.microsoft.com/office/drawing/2014/main" id="{2D826CF7-A93D-4CB6-AF6F-238D5DB8C4BA}"/>
+              </a:ext>
+            </a:extLst>
+          </p:cNvPr>
+          <p:cNvSpPr>
+            <a:spLocks noGrp="1"/>
+          </p:cNvSpPr>
+          <p:nvPr>
+            <p:ph idx="1"/>
+          </p:nvPr>
+        </p:nvSpPr>
+        <p:spPr/>
+        <p:txBody>
+          <a:bodyPr>
+            <a:normAutofit/>
+          </a:bodyPr>
+          <a:lstStyle/>
+          <a:p>
+            <a:pPr>
+              <a:buFont typeface="Wingdings" panose="05000000000000000000" pitchFamily="2" charset="2"/>
+              <a:buChar char="l"/>
+            </a:pPr>
+            <a:r>
+              <a:rPr lang="ja-JP" altLang="zh-CN" sz="2800" dirty="0"/>
+              <a:t>ホームページ閲覧から購</a:t>
+            </a:r>
+            <a:r>
+              <a:rPr lang="ja-JP" altLang="ja-JP" sz="2800" dirty="0">
+                <a:sym typeface="+mn-ea"/>
+              </a:rPr>
+              <a:t>入</a:t>
+            </a:r>
+            <a:r>
+              <a:rPr lang="ja-JP" altLang="zh-CN" sz="2800" dirty="0"/>
+              <a:t>決定までの時間を図る</a:t>
+            </a:r>
+          </a:p>
+          <a:p>
+            <a:pPr>
+              <a:buFont typeface="Wingdings" panose="05000000000000000000" pitchFamily="2" charset="2"/>
+              <a:buChar char="l"/>
+            </a:pPr>
+            <a:r>
+              <a:rPr lang="ja-JP" altLang="zh-CN" sz="2800" dirty="0">
+                <a:solidFill>
+                  <a:srgbClr val="7030A0"/>
+                </a:solidFill>
+              </a:rPr>
+              <a:t>時間短いほど、レコメンド効果良い</a:t>
+            </a:r>
+          </a:p>
+          <a:p>
+            <a:endParaRPr lang="zh-CN" altLang="en-US" sz="2800" dirty="0"/>
+          </a:p>
+        </p:txBody>
+      </p:sp>
+      <p:cxnSp>
+        <p:nvCxnSpPr>
+          <p:cNvPr id="4" name="直接箭头连接符 3">
+            <a:extLst>
+              <a:ext uri="{FF2B5EF4-FFF2-40B4-BE49-F238E27FC236}">
+                <a16:creationId xmlns:a16="http://schemas.microsoft.com/office/drawing/2014/main" id="{37BD8C89-6C03-4774-8622-185BA6A842E1}"/>
+              </a:ext>
+            </a:extLst>
+          </p:cNvPr>
+          <p:cNvCxnSpPr/>
+          <p:nvPr/>
+        </p:nvCxnSpPr>
+        <p:spPr>
+          <a:xfrm>
+            <a:off x="2119688" y="5683135"/>
+            <a:ext cx="7210425" cy="0"/>
+          </a:xfrm>
+          <a:prstGeom prst="straightConnector1">
+            <a:avLst/>
+          </a:prstGeom>
+          <a:ln w="57150">
+            <a:solidFill>
+              <a:schemeClr val="tx1">
+                <a:lumMod val="95000"/>
+                <a:lumOff val="5000"/>
+              </a:schemeClr>
+            </a:solidFill>
+            <a:tailEnd type="arrow"/>
+          </a:ln>
+        </p:spPr>
+        <p:style>
+          <a:lnRef idx="1">
+            <a:schemeClr val="accent1"/>
+          </a:lnRef>
+          <a:fillRef idx="0">
+            <a:schemeClr val="accent1"/>
+          </a:fillRef>
+          <a:effectRef idx="0">
+            <a:schemeClr val="accent1"/>
+          </a:effectRef>
+          <a:fontRef idx="minor">
+            <a:schemeClr val="tx1"/>
+          </a:fontRef>
+        </p:style>
+      </p:cxnSp>
+      <p:sp>
+        <p:nvSpPr>
+          <p:cNvPr id="5" name="文本框 4">
+            <a:extLst>
+              <a:ext uri="{FF2B5EF4-FFF2-40B4-BE49-F238E27FC236}">
+                <a16:creationId xmlns:a16="http://schemas.microsoft.com/office/drawing/2014/main" id="{ED1DE6CE-3DBF-4558-AA9B-09674EC752BA}"/>
+              </a:ext>
+            </a:extLst>
+          </p:cNvPr>
+          <p:cNvSpPr txBox="1"/>
+          <p:nvPr/>
+        </p:nvSpPr>
+        <p:spPr>
+          <a:xfrm>
+            <a:off x="1999038" y="5889510"/>
+            <a:ext cx="441146" cy="400110"/>
+          </a:xfrm>
+          <a:prstGeom prst="rect">
+            <a:avLst/>
+          </a:prstGeom>
+          <a:noFill/>
+        </p:spPr>
+        <p:txBody>
+          <a:bodyPr wrap="none" rtlCol="0">
+            <a:spAutoFit/>
+          </a:bodyPr>
+          <a:lstStyle/>
+          <a:p>
+            <a:r>
+              <a:rPr lang="en-US" altLang="ja-JP" sz="2000" b="1" dirty="0"/>
+              <a:t>T0</a:t>
+            </a:r>
+            <a:endParaRPr lang="en-US" altLang="zh-CN" sz="2000" b="1" dirty="0"/>
+          </a:p>
+        </p:txBody>
+      </p:sp>
+      <p:sp>
+        <p:nvSpPr>
+          <p:cNvPr id="6" name="文本框 5">
+            <a:extLst>
+              <a:ext uri="{FF2B5EF4-FFF2-40B4-BE49-F238E27FC236}">
+                <a16:creationId xmlns:a16="http://schemas.microsoft.com/office/drawing/2014/main" id="{12FF8032-5A46-486C-9081-2750D2CFE65D}"/>
+              </a:ext>
+            </a:extLst>
+          </p:cNvPr>
+          <p:cNvSpPr txBox="1"/>
+          <p:nvPr/>
+        </p:nvSpPr>
+        <p:spPr>
+          <a:xfrm>
+            <a:off x="7812463" y="5889510"/>
+            <a:ext cx="441146" cy="400110"/>
+          </a:xfrm>
+          <a:prstGeom prst="rect">
+            <a:avLst/>
+          </a:prstGeom>
+          <a:noFill/>
+        </p:spPr>
+        <p:txBody>
+          <a:bodyPr wrap="none" rtlCol="0">
+            <a:spAutoFit/>
+          </a:bodyPr>
+          <a:lstStyle/>
+          <a:p>
+            <a:r>
+              <a:rPr lang="en-US" altLang="ja-JP" sz="2000" b="1" dirty="0"/>
+              <a:t>T1</a:t>
+            </a:r>
+            <a:endParaRPr lang="en-US" altLang="zh-CN" sz="2000" b="1" dirty="0"/>
+          </a:p>
+        </p:txBody>
+      </p:sp>
+      <p:pic>
+        <p:nvPicPr>
+          <p:cNvPr id="7" name="图片 6">
+            <a:extLst>
+              <a:ext uri="{FF2B5EF4-FFF2-40B4-BE49-F238E27FC236}">
+                <a16:creationId xmlns:a16="http://schemas.microsoft.com/office/drawing/2014/main" id="{846694D8-9B25-4BAD-B7AD-6B6BF470F06F}"/>
+              </a:ext>
+            </a:extLst>
+          </p:cNvPr>
+          <p:cNvPicPr>
+            <a:picLocks noChangeAspect="1"/>
+          </p:cNvPicPr>
+          <p:nvPr/>
+        </p:nvPicPr>
+        <p:blipFill>
+          <a:blip r:embed="rId2"/>
+          <a:stretch>
+            <a:fillRect/>
+          </a:stretch>
+        </p:blipFill>
+        <p:spPr>
+          <a:xfrm>
+            <a:off x="2337143" y="2927795"/>
+            <a:ext cx="6598642" cy="2569382"/>
+          </a:xfrm>
+          <a:prstGeom prst="rect">
+            <a:avLst/>
+          </a:prstGeom>
+        </p:spPr>
+      </p:pic>
+    </p:spTree>
+    <p:extLst>
+      <p:ext uri="{BB962C8B-B14F-4D97-AF65-F5344CB8AC3E}">
+        <p14:creationId xmlns:p14="http://schemas.microsoft.com/office/powerpoint/2010/main" val="4247207042"/>
+      </p:ext>
+    </p:extLst>
+  </p:cSld>
+  <p:clrMapOvr>
+    <a:masterClrMapping/>
+  </p:clrMapOvr>
+</p:sld>
+</file>
+
+<file path=ppt/slides/slide34.xml><?xml version="1.0" encoding="utf-8"?>
+<p:sld xmlns:a="http://schemas.openxmlformats.org/drawingml/2006/main" xmlns:r="http://schemas.openxmlformats.org/officeDocument/2006/relationships" xmlns:p="http://schemas.openxmlformats.org/presentationml/2006/main">
+  <p:cSld>
+    <p:spTree>
+      <p:nvGrpSpPr>
+        <p:cNvPr id="1" name=""/>
+        <p:cNvGrpSpPr/>
+        <p:nvPr/>
+      </p:nvGrpSpPr>
+      <p:grpSpPr>
+        <a:xfrm>
+          <a:off x="0" y="0"/>
+          <a:ext cx="0" cy="0"/>
+          <a:chOff x="0" y="0"/>
+          <a:chExt cx="0" cy="0"/>
+        </a:xfrm>
+      </p:grpSpPr>
+      <p:sp>
+        <p:nvSpPr>
+          <p:cNvPr id="2" name="标题 1">
+            <a:extLst>
+              <a:ext uri="{FF2B5EF4-FFF2-40B4-BE49-F238E27FC236}">
+                <a16:creationId xmlns:a16="http://schemas.microsoft.com/office/drawing/2014/main" id="{752C1B6F-EFCF-4260-969E-C354B03B5ECA}"/>
+              </a:ext>
+            </a:extLst>
+          </p:cNvPr>
+          <p:cNvSpPr>
+            <a:spLocks noGrp="1"/>
+          </p:cNvSpPr>
+          <p:nvPr>
+            <p:ph type="title"/>
+          </p:nvPr>
+        </p:nvSpPr>
+        <p:spPr/>
+        <p:txBody>
+          <a:bodyPr/>
+          <a:lstStyle/>
+          <a:p>
+            <a:r>
+              <a:rPr lang="ja-JP" altLang="en-US" dirty="0"/>
+              <a:t>ユーザーテスト結果</a:t>
+            </a:r>
+            <a:endParaRPr lang="zh-CN" altLang="en-US" dirty="0"/>
+          </a:p>
+        </p:txBody>
+      </p:sp>
+    </p:spTree>
+    <p:extLst>
+      <p:ext uri="{BB962C8B-B14F-4D97-AF65-F5344CB8AC3E}">
+        <p14:creationId xmlns:p14="http://schemas.microsoft.com/office/powerpoint/2010/main" val="1673491358"/>
+      </p:ext>
+    </p:extLst>
+  </p:cSld>
+  <p:clrMapOvr>
+    <a:masterClrMapping/>
+  </p:clrMapOvr>
+</p:sld>
+</file>
+
+<file path=ppt/slides/slide35.xml><?xml version="1.0" encoding="utf-8"?>
+<p:sld xmlns:a="http://schemas.openxmlformats.org/drawingml/2006/main" xmlns:r="http://schemas.openxmlformats.org/officeDocument/2006/relationships" xmlns:p="http://schemas.openxmlformats.org/presentationml/2006/main">
+  <p:cSld>
+    <p:spTree>
+      <p:nvGrpSpPr>
+        <p:cNvPr id="1" name=""/>
+        <p:cNvGrpSpPr/>
+        <p:nvPr/>
+      </p:nvGrpSpPr>
+      <p:grpSpPr>
+        <a:xfrm>
+          <a:off x="0" y="0"/>
+          <a:ext cx="0" cy="0"/>
+          <a:chOff x="0" y="0"/>
+          <a:chExt cx="0" cy="0"/>
+        </a:xfrm>
+      </p:grpSpPr>
+      <p:sp>
+        <p:nvSpPr>
+          <p:cNvPr id="2" name="标题 1">
+            <a:extLst>
+              <a:ext uri="{FF2B5EF4-FFF2-40B4-BE49-F238E27FC236}">
+                <a16:creationId xmlns:a16="http://schemas.microsoft.com/office/drawing/2014/main" id="{752C1B6F-EFCF-4260-969E-C354B03B5ECA}"/>
+              </a:ext>
+            </a:extLst>
+          </p:cNvPr>
+          <p:cNvSpPr>
+            <a:spLocks noGrp="1"/>
+          </p:cNvSpPr>
+          <p:nvPr>
+            <p:ph type="title"/>
+          </p:nvPr>
+        </p:nvSpPr>
+        <p:spPr/>
+        <p:txBody>
+          <a:bodyPr/>
+          <a:lstStyle/>
+          <a:p>
+            <a:r>
+              <a:rPr lang="ja-JP" altLang="en-US" dirty="0"/>
+              <a:t>改善</a:t>
+            </a:r>
+            <a:endParaRPr lang="zh-CN" altLang="en-US" dirty="0"/>
+          </a:p>
+        </p:txBody>
+      </p:sp>
+      <p:sp>
+        <p:nvSpPr>
+          <p:cNvPr id="3" name="内容占位符 2">
+            <a:extLst>
+              <a:ext uri="{FF2B5EF4-FFF2-40B4-BE49-F238E27FC236}">
+                <a16:creationId xmlns:a16="http://schemas.microsoft.com/office/drawing/2014/main" id="{2C40D5D1-8EB0-4584-AE72-27D8FF0E2AED}"/>
+              </a:ext>
+            </a:extLst>
+          </p:cNvPr>
+          <p:cNvSpPr>
+            <a:spLocks noGrp="1"/>
+          </p:cNvSpPr>
+          <p:nvPr>
+            <p:ph idx="1"/>
+          </p:nvPr>
+        </p:nvSpPr>
+        <p:spPr>
+          <a:xfrm>
+            <a:off x="1097280" y="1845734"/>
+            <a:ext cx="10058400" cy="4023360"/>
+          </a:xfrm>
+        </p:spPr>
+        <p:txBody>
+          <a:bodyPr>
+            <a:normAutofit/>
+          </a:bodyPr>
+          <a:lstStyle/>
+          <a:p>
+            <a:pPr>
+              <a:buFont typeface="Wingdings" panose="05000000000000000000" pitchFamily="2" charset="2"/>
+              <a:buChar char="l"/>
+            </a:pPr>
+            <a:r>
+              <a:rPr lang="ja-JP" altLang="en-US" sz="2800" dirty="0"/>
+              <a:t>カラーベースの弱点</a:t>
+            </a:r>
+            <a:endParaRPr lang="en-US" altLang="ja-JP" sz="2800" dirty="0"/>
+          </a:p>
+          <a:p>
+            <a:pPr>
+              <a:buFont typeface="Wingdings" panose="05000000000000000000" pitchFamily="2" charset="2"/>
+              <a:buChar char="l"/>
+            </a:pPr>
+            <a:r>
+              <a:rPr lang="ja-JP" altLang="en-US" sz="2800" dirty="0"/>
+              <a:t>ユーザーベースとの組み合わせ</a:t>
+            </a:r>
+            <a:endParaRPr lang="zh-CN" altLang="en-US" sz="2800" dirty="0"/>
+          </a:p>
+        </p:txBody>
+      </p:sp>
+      <p:pic>
+        <p:nvPicPr>
+          <p:cNvPr id="3074" name="图片 37">
+            <a:extLst>
+              <a:ext uri="{FF2B5EF4-FFF2-40B4-BE49-F238E27FC236}">
+                <a16:creationId xmlns:a16="http://schemas.microsoft.com/office/drawing/2014/main" id="{822ABCCB-5EF8-40E5-8615-D9A8E71EDC27}"/>
+              </a:ext>
+            </a:extLst>
+          </p:cNvPr>
+          <p:cNvPicPr>
+            <a:picLocks noChangeAspect="1" noChangeArrowheads="1"/>
+          </p:cNvPicPr>
+          <p:nvPr/>
+        </p:nvPicPr>
+        <p:blipFill>
+          <a:blip r:embed="rId2">
+            <a:extLst>
+              <a:ext uri="{28A0092B-C50C-407E-A947-70E740481C1C}">
+                <a14:useLocalDpi xmlns:a14="http://schemas.microsoft.com/office/drawing/2010/main" val="0"/>
+              </a:ext>
+            </a:extLst>
+          </a:blip>
+          <a:srcRect/>
+          <a:stretch>
+            <a:fillRect/>
+          </a:stretch>
+        </p:blipFill>
+        <p:spPr bwMode="auto">
+          <a:xfrm>
+            <a:off x="1682345" y="2993814"/>
+            <a:ext cx="8089369" cy="2875280"/>
+          </a:xfrm>
+          <a:prstGeom prst="rect">
+            <a:avLst/>
+          </a:prstGeom>
+          <a:noFill/>
+          <a:ln>
+            <a:noFill/>
+          </a:ln>
+          <a:effectLst/>
+          <a:extLst>
+            <a:ext uri="{909E8E84-426E-40DD-AFC4-6F175D3DCCD1}">
+              <a14:hiddenFill xmlns:a14="http://schemas.microsoft.com/office/drawing/2010/main">
+                <a:solidFill>
+                  <a:srgbClr val="FFFFFF"/>
+                </a:solidFill>
+              </a14:hiddenFill>
+            </a:ext>
+            <a:ext uri="{91240B29-F687-4F45-9708-019B960494DF}">
+              <a14:hiddenLine xmlns:a14="http://schemas.microsoft.com/office/drawing/2010/main" w="9525">
+                <a:solidFill>
+                  <a:srgbClr val="000000"/>
+                </a:solidFill>
+                <a:miter lim="800000"/>
+                <a:headEnd/>
+                <a:tailEnd/>
+              </a14:hiddenLine>
+            </a:ext>
+            <a:ext uri="{AF507438-7753-43E0-B8FC-AC1667EBCBE1}">
+              <a14:hiddenEffects xmlns:a14="http://schemas.microsoft.com/office/drawing/2010/main">
+                <a:effectLst>
+                  <a:outerShdw dist="35921" dir="2700000" algn="ctr" rotWithShape="0">
+                    <a:srgbClr val="808080"/>
+                  </a:outerShdw>
+                </a:effectLst>
+              </a14:hiddenEffects>
+            </a:ext>
+          </a:extLst>
+        </p:spPr>
+      </p:pic>
+    </p:spTree>
+    <p:extLst>
+      <p:ext uri="{BB962C8B-B14F-4D97-AF65-F5344CB8AC3E}">
+        <p14:creationId xmlns:p14="http://schemas.microsoft.com/office/powerpoint/2010/main" val="294343343"/>
+      </p:ext>
+    </p:extLst>
+  </p:cSld>
+  <p:clrMapOvr>
+    <a:masterClrMapping/>
+  </p:clrMapOvr>
+</p:sld>
+</file>
+
+<file path=ppt/slides/slide36.xml><?xml version="1.0" encoding="utf-8"?>
+<p:sld xmlns:a="http://schemas.openxmlformats.org/drawingml/2006/main" xmlns:r="http://schemas.openxmlformats.org/officeDocument/2006/relationships" xmlns:p="http://schemas.openxmlformats.org/presentationml/2006/main">
+  <p:cSld>
+    <p:spTree>
+      <p:nvGrpSpPr>
+        <p:cNvPr id="1" name=""/>
+        <p:cNvGrpSpPr/>
+        <p:nvPr/>
+      </p:nvGrpSpPr>
+      <p:grpSpPr>
+        <a:xfrm>
+          <a:off x="0" y="0"/>
+          <a:ext cx="0" cy="0"/>
+          <a:chOff x="0" y="0"/>
+          <a:chExt cx="0" cy="0"/>
+        </a:xfrm>
+      </p:grpSpPr>
+      <p:sp>
+        <p:nvSpPr>
+          <p:cNvPr id="2" name="标题 1">
+            <a:extLst>
+              <a:ext uri="{FF2B5EF4-FFF2-40B4-BE49-F238E27FC236}">
+                <a16:creationId xmlns:a16="http://schemas.microsoft.com/office/drawing/2014/main" id="{752C1B6F-EFCF-4260-969E-C354B03B5ECA}"/>
+              </a:ext>
+            </a:extLst>
+          </p:cNvPr>
+          <p:cNvSpPr>
+            <a:spLocks noGrp="1"/>
+          </p:cNvSpPr>
+          <p:nvPr>
+            <p:ph type="title"/>
+          </p:nvPr>
+        </p:nvSpPr>
+        <p:spPr/>
+        <p:txBody>
+          <a:bodyPr/>
+          <a:lstStyle/>
+          <a:p>
+            <a:r>
+              <a:rPr lang="ja-JP" altLang="en-US" dirty="0"/>
+              <a:t>改善後のユーザーテスト結果</a:t>
+            </a:r>
+            <a:endParaRPr lang="zh-CN" altLang="en-US" dirty="0"/>
+          </a:p>
+        </p:txBody>
+      </p:sp>
+      <p:sp>
+        <p:nvSpPr>
+          <p:cNvPr id="3" name="内容占位符 2">
+            <a:extLst>
+              <a:ext uri="{FF2B5EF4-FFF2-40B4-BE49-F238E27FC236}">
+                <a16:creationId xmlns:a16="http://schemas.microsoft.com/office/drawing/2014/main" id="{2C40D5D1-8EB0-4584-AE72-27D8FF0E2AED}"/>
+              </a:ext>
+            </a:extLst>
+          </p:cNvPr>
+          <p:cNvSpPr>
+            <a:spLocks noGrp="1"/>
+          </p:cNvSpPr>
+          <p:nvPr>
+            <p:ph idx="1"/>
+          </p:nvPr>
+        </p:nvSpPr>
+        <p:spPr/>
+        <p:txBody>
+          <a:bodyPr/>
+          <a:lstStyle/>
+          <a:p>
+            <a:pPr marL="0" indent="0">
+              <a:buNone/>
+            </a:pPr>
+            <a:endParaRPr lang="zh-CN" altLang="en-US" dirty="0"/>
+          </a:p>
+        </p:txBody>
+      </p:sp>
+    </p:spTree>
+    <p:extLst>
+      <p:ext uri="{BB962C8B-B14F-4D97-AF65-F5344CB8AC3E}">
+        <p14:creationId xmlns:p14="http://schemas.microsoft.com/office/powerpoint/2010/main" val="2451649987"/>
+      </p:ext>
+    </p:extLst>
+  </p:cSld>
+  <p:clrMapOvr>
+    <a:masterClrMapping/>
+  </p:clrMapOvr>
+</p:sld>
+</file>
+
+<file path=ppt/slides/slide37.xml><?xml version="1.0" encoding="utf-8"?>
+<p:sld xmlns:a="http://schemas.openxmlformats.org/drawingml/2006/main" xmlns:r="http://schemas.openxmlformats.org/officeDocument/2006/relationships" xmlns:p="http://schemas.openxmlformats.org/presentationml/2006/main">
+  <p:cSld>
+    <p:spTree>
+      <p:nvGrpSpPr>
+        <p:cNvPr id="1" name=""/>
+        <p:cNvGrpSpPr/>
+        <p:nvPr/>
+      </p:nvGrpSpPr>
+      <p:grpSpPr>
+        <a:xfrm>
+          <a:off x="0" y="0"/>
+          <a:ext cx="0" cy="0"/>
+          <a:chOff x="0" y="0"/>
+          <a:chExt cx="0" cy="0"/>
+        </a:xfrm>
+      </p:grpSpPr>
+      <p:sp>
+        <p:nvSpPr>
+          <p:cNvPr id="2" name="标题 1">
+            <a:extLst>
+              <a:ext uri="{FF2B5EF4-FFF2-40B4-BE49-F238E27FC236}">
+                <a16:creationId xmlns:a16="http://schemas.microsoft.com/office/drawing/2014/main" id="{9BDFFD71-3276-4D0B-9A3C-917B6E17C7CA}"/>
+              </a:ext>
+            </a:extLst>
+          </p:cNvPr>
+          <p:cNvSpPr>
+            <a:spLocks noGrp="1"/>
+          </p:cNvSpPr>
+          <p:nvPr>
+            <p:ph type="title"/>
+          </p:nvPr>
+        </p:nvSpPr>
+        <p:spPr/>
+        <p:txBody>
+          <a:bodyPr/>
+          <a:lstStyle/>
+          <a:p>
+            <a:r>
+              <a:rPr lang="ja-JP" altLang="en-US" dirty="0"/>
+              <a:t>まとめと今後の課題</a:t>
+            </a:r>
+            <a:endParaRPr lang="zh-CN" altLang="en-US" dirty="0"/>
+          </a:p>
+        </p:txBody>
+      </p:sp>
+      <p:sp>
+        <p:nvSpPr>
+          <p:cNvPr id="3" name="文本占位符 2">
+            <a:extLst>
+              <a:ext uri="{FF2B5EF4-FFF2-40B4-BE49-F238E27FC236}">
+                <a16:creationId xmlns:a16="http://schemas.microsoft.com/office/drawing/2014/main" id="{980F1124-E16F-4E05-AF6F-2731C53E85A2}"/>
+              </a:ext>
+            </a:extLst>
+          </p:cNvPr>
+          <p:cNvSpPr>
+            <a:spLocks noGrp="1"/>
+          </p:cNvSpPr>
+          <p:nvPr>
+            <p:ph type="body" idx="1"/>
+          </p:nvPr>
+        </p:nvSpPr>
+        <p:spPr/>
+        <p:txBody>
+          <a:bodyPr/>
+          <a:lstStyle/>
+          <a:p>
+            <a:endParaRPr lang="zh-CN" altLang="en-US"/>
+          </a:p>
+        </p:txBody>
+      </p:sp>
+    </p:spTree>
+    <p:extLst>
+      <p:ext uri="{BB962C8B-B14F-4D97-AF65-F5344CB8AC3E}">
+        <p14:creationId xmlns:p14="http://schemas.microsoft.com/office/powerpoint/2010/main" val="681990376"/>
+      </p:ext>
+    </p:extLst>
+  </p:cSld>
+  <p:clrMapOvr>
+    <a:masterClrMapping/>
+  </p:clrMapOvr>
+</p:sld>
+</file>
+
+<file path=ppt/slides/slide38.xml><?xml version="1.0" encoding="utf-8"?>
+<p:sld xmlns:a="http://schemas.openxmlformats.org/drawingml/2006/main" xmlns:r="http://schemas.openxmlformats.org/officeDocument/2006/relationships" xmlns:p="http://schemas.openxmlformats.org/presentationml/2006/main">
+  <p:cSld>
+    <p:spTree>
+      <p:nvGrpSpPr>
+        <p:cNvPr id="1" name=""/>
+        <p:cNvGrpSpPr/>
+        <p:nvPr/>
+      </p:nvGrpSpPr>
+      <p:grpSpPr>
+        <a:xfrm>
+          <a:off x="0" y="0"/>
+          <a:ext cx="0" cy="0"/>
+          <a:chOff x="0" y="0"/>
+          <a:chExt cx="0" cy="0"/>
+        </a:xfrm>
+      </p:grpSpPr>
+      <p:sp>
+        <p:nvSpPr>
+          <p:cNvPr id="2" name="标题 1">
+            <a:extLst>
+              <a:ext uri="{FF2B5EF4-FFF2-40B4-BE49-F238E27FC236}">
+                <a16:creationId xmlns:a16="http://schemas.microsoft.com/office/drawing/2014/main" id="{B6728A63-ABFC-4DE7-8FD4-E9D40A8BFEEE}"/>
+              </a:ext>
+            </a:extLst>
+          </p:cNvPr>
+          <p:cNvSpPr>
+            <a:spLocks noGrp="1"/>
+          </p:cNvSpPr>
+          <p:nvPr>
+            <p:ph type="title"/>
+          </p:nvPr>
+        </p:nvSpPr>
+        <p:spPr/>
+        <p:txBody>
+          <a:bodyPr/>
+          <a:lstStyle/>
+          <a:p>
+            <a:r>
+              <a:rPr lang="ja-JP" altLang="en-US" dirty="0"/>
+              <a:t>まとめ</a:t>
+            </a:r>
+            <a:endParaRPr lang="zh-CN" altLang="en-US" dirty="0"/>
+          </a:p>
+        </p:txBody>
+      </p:sp>
+      <p:sp>
+        <p:nvSpPr>
+          <p:cNvPr id="3" name="内容占位符 2">
+            <a:extLst>
+              <a:ext uri="{FF2B5EF4-FFF2-40B4-BE49-F238E27FC236}">
+                <a16:creationId xmlns:a16="http://schemas.microsoft.com/office/drawing/2014/main" id="{09037DFD-D6E2-424C-9CC9-278FABA237A1}"/>
+              </a:ext>
+            </a:extLst>
+          </p:cNvPr>
+          <p:cNvSpPr>
+            <a:spLocks noGrp="1"/>
+          </p:cNvSpPr>
+          <p:nvPr>
+            <p:ph idx="1"/>
+          </p:nvPr>
+        </p:nvSpPr>
+        <p:spPr/>
+        <p:txBody>
+          <a:bodyPr/>
+          <a:lstStyle/>
+          <a:p>
+            <a:endParaRPr lang="zh-CN" altLang="en-US" dirty="0"/>
+          </a:p>
+        </p:txBody>
+      </p:sp>
+    </p:spTree>
+    <p:extLst>
+      <p:ext uri="{BB962C8B-B14F-4D97-AF65-F5344CB8AC3E}">
+        <p14:creationId xmlns:p14="http://schemas.microsoft.com/office/powerpoint/2010/main" val="4164190410"/>
+      </p:ext>
+    </p:extLst>
+  </p:cSld>
+  <p:clrMapOvr>
+    <a:masterClrMapping/>
+  </p:clrMapOvr>
+</p:sld>
+</file>
+
+<file path=ppt/slides/slide39.xml><?xml version="1.0" encoding="utf-8"?>
+<p:sld xmlns:a="http://schemas.openxmlformats.org/drawingml/2006/main" xmlns:r="http://schemas.openxmlformats.org/officeDocument/2006/relationships" xmlns:p="http://schemas.openxmlformats.org/presentationml/2006/main">
+  <p:cSld>
+    <p:spTree>
+      <p:nvGrpSpPr>
+        <p:cNvPr id="1" name=""/>
+        <p:cNvGrpSpPr/>
+        <p:nvPr/>
+      </p:nvGrpSpPr>
+      <p:grpSpPr>
+        <a:xfrm>
+          <a:off x="0" y="0"/>
+          <a:ext cx="0" cy="0"/>
+          <a:chOff x="0" y="0"/>
+          <a:chExt cx="0" cy="0"/>
+        </a:xfrm>
+      </p:grpSpPr>
+      <p:sp>
+        <p:nvSpPr>
+          <p:cNvPr id="2" name="标题 1">
+            <a:extLst>
+              <a:ext uri="{FF2B5EF4-FFF2-40B4-BE49-F238E27FC236}">
+                <a16:creationId xmlns:a16="http://schemas.microsoft.com/office/drawing/2014/main" id="{D5048BD7-FC8C-48FF-BE63-A9C8D81D1557}"/>
+              </a:ext>
+            </a:extLst>
+          </p:cNvPr>
+          <p:cNvSpPr>
+            <a:spLocks noGrp="1"/>
+          </p:cNvSpPr>
+          <p:nvPr>
+            <p:ph type="title"/>
+          </p:nvPr>
+        </p:nvSpPr>
+        <p:spPr/>
+        <p:txBody>
+          <a:bodyPr/>
+          <a:lstStyle/>
+          <a:p>
+            <a:r>
+              <a:rPr lang="ja-JP" altLang="en-US" dirty="0"/>
+              <a:t>今後の課題</a:t>
+            </a:r>
+            <a:endParaRPr lang="zh-CN" altLang="en-US" dirty="0"/>
+          </a:p>
+        </p:txBody>
+      </p:sp>
+      <p:sp>
+        <p:nvSpPr>
+          <p:cNvPr id="3" name="内容占位符 2">
+            <a:extLst>
+              <a:ext uri="{FF2B5EF4-FFF2-40B4-BE49-F238E27FC236}">
+                <a16:creationId xmlns:a16="http://schemas.microsoft.com/office/drawing/2014/main" id="{62A7FCA5-335D-43C3-A940-3DE88C649610}"/>
+              </a:ext>
+            </a:extLst>
+          </p:cNvPr>
+          <p:cNvSpPr>
+            <a:spLocks noGrp="1"/>
+          </p:cNvSpPr>
+          <p:nvPr>
+            <p:ph idx="1"/>
+          </p:nvPr>
+        </p:nvSpPr>
+        <p:spPr/>
+        <p:txBody>
+          <a:bodyPr/>
+          <a:lstStyle/>
+          <a:p>
+            <a:endParaRPr lang="zh-CN" altLang="en-US" dirty="0"/>
+          </a:p>
+        </p:txBody>
+      </p:sp>
+    </p:spTree>
+    <p:extLst>
+      <p:ext uri="{BB962C8B-B14F-4D97-AF65-F5344CB8AC3E}">
+        <p14:creationId xmlns:p14="http://schemas.microsoft.com/office/powerpoint/2010/main" val="3809054258"/>
+      </p:ext>
+    </p:extLst>
+  </p:cSld>
+  <p:clrMapOvr>
+    <a:masterClrMapping/>
+  </p:clrMapOvr>
+</p:sld>
+</file>
+
+<file path=ppt/slides/slide4.xml><?xml version="1.0" encoding="utf-8"?>
+<p:sld xmlns:a="http://schemas.openxmlformats.org/drawingml/2006/main" xmlns:r="http://schemas.openxmlformats.org/officeDocument/2006/relationships" xmlns:p="http://schemas.openxmlformats.org/presentationml/2006/main">
+  <p:cSld>
+    <p:spTree>
+      <p:nvGrpSpPr>
+        <p:cNvPr id="1" name=""/>
+        <p:cNvGrpSpPr/>
+        <p:nvPr/>
+      </p:nvGrpSpPr>
+      <p:grpSpPr>
+        <a:xfrm>
+          <a:off x="0" y="0"/>
+          <a:ext cx="0" cy="0"/>
+          <a:chOff x="0" y="0"/>
+          <a:chExt cx="0" cy="0"/>
+        </a:xfrm>
+      </p:grpSpPr>
+      <p:sp>
+        <p:nvSpPr>
+          <p:cNvPr id="2" name="标题 1">
+            <a:extLst>
+              <a:ext uri="{FF2B5EF4-FFF2-40B4-BE49-F238E27FC236}">
+                <a16:creationId xmlns:a16="http://schemas.microsoft.com/office/drawing/2014/main" id="{72CBB6A5-334A-49CA-AB31-B162109E5591}"/>
+              </a:ext>
+            </a:extLst>
+          </p:cNvPr>
+          <p:cNvSpPr>
+            <a:spLocks noGrp="1"/>
+          </p:cNvSpPr>
+          <p:nvPr>
+            <p:ph type="title"/>
+          </p:nvPr>
+        </p:nvSpPr>
+        <p:spPr/>
+        <p:txBody>
+          <a:bodyPr/>
+          <a:lstStyle/>
+          <a:p>
+            <a:r>
+              <a:rPr lang="ja-JP" altLang="en-US" dirty="0"/>
+              <a:t>プロジェクトの背景</a:t>
+            </a:r>
+            <a:endParaRPr lang="zh-CN" altLang="en-US" dirty="0"/>
+          </a:p>
+        </p:txBody>
+      </p:sp>
+      <p:sp>
+        <p:nvSpPr>
+          <p:cNvPr id="4" name="Shape 217">
+            <a:extLst>
+              <a:ext uri="{FF2B5EF4-FFF2-40B4-BE49-F238E27FC236}">
+                <a16:creationId xmlns:a16="http://schemas.microsoft.com/office/drawing/2014/main" id="{2067547E-A34D-4939-B55F-2C0ECC110DA8}"/>
+              </a:ext>
+            </a:extLst>
+          </p:cNvPr>
+          <p:cNvSpPr txBox="1"/>
+          <p:nvPr/>
+        </p:nvSpPr>
+        <p:spPr>
+          <a:xfrm>
+            <a:off x="1221487" y="1881343"/>
+            <a:ext cx="818399" cy="461699"/>
+          </a:xfrm>
+          <a:prstGeom prst="rect">
+            <a:avLst/>
+          </a:prstGeom>
+          <a:noFill/>
+          <a:ln>
+            <a:noFill/>
+          </a:ln>
+        </p:spPr>
+        <p:txBody>
+          <a:bodyPr lIns="91425" tIns="45700" rIns="91425" bIns="45700" anchor="t" anchorCtr="0">
+            <a:noAutofit/>
+          </a:bodyPr>
+          <a:lstStyle/>
+          <a:p>
+            <a:pPr marL="0" marR="0" lvl="0" indent="0" algn="l" rtl="0">
+              <a:lnSpc>
+                <a:spcPct val="100000"/>
+              </a:lnSpc>
+              <a:spcBef>
+                <a:spcPts val="0"/>
+              </a:spcBef>
+              <a:spcAft>
+                <a:spcPts val="0"/>
+              </a:spcAft>
+              <a:buClr>
+                <a:schemeClr val="dk1"/>
+              </a:buClr>
+              <a:buSzPct val="25000"/>
+              <a:buFont typeface="Calibri" panose="020F0502020204030204"/>
+              <a:buNone/>
+            </a:pPr>
+            <a:r>
+              <a:rPr lang="ja-JP" sz="2400" b="0" i="0" u="none" strike="noStrike" cap="none" dirty="0">
+                <a:solidFill>
+                  <a:schemeClr val="dk1"/>
+                </a:solidFill>
+                <a:latin typeface="Calibri" panose="020F0502020204030204"/>
+                <a:ea typeface="Calibri" panose="020F0502020204030204"/>
+                <a:cs typeface="Calibri" panose="020F0502020204030204"/>
+                <a:sym typeface="Calibri" panose="020F0502020204030204"/>
+              </a:rPr>
+              <a:t>顧客</a:t>
+            </a:r>
+          </a:p>
+        </p:txBody>
+      </p:sp>
+      <p:pic>
+        <p:nvPicPr>
+          <p:cNvPr id="5" name="Picture 2" descr="&quot;色&quot;で洋服を提案するセレクトショップ 「IROZA (いろざ)」-色からモノを好きになる-">
+            <a:extLst>
+              <a:ext uri="{FF2B5EF4-FFF2-40B4-BE49-F238E27FC236}">
+                <a16:creationId xmlns:a16="http://schemas.microsoft.com/office/drawing/2014/main" id="{34FEE762-7D83-46BD-983A-B7D1088E7E7A}"/>
+              </a:ext>
+            </a:extLst>
+          </p:cNvPr>
+          <p:cNvPicPr>
+            <a:picLocks noChangeAspect="1" noChangeArrowheads="1"/>
+          </p:cNvPicPr>
+          <p:nvPr/>
+        </p:nvPicPr>
+        <p:blipFill>
+          <a:blip r:embed="rId2">
+            <a:extLst>
+              <a:ext uri="{28A0092B-C50C-407E-A947-70E740481C1C}">
+                <a14:useLocalDpi xmlns:a14="http://schemas.microsoft.com/office/drawing/2010/main" val="0"/>
+              </a:ext>
+            </a:extLst>
+          </a:blip>
+          <a:srcRect/>
+          <a:stretch>
+            <a:fillRect/>
+          </a:stretch>
+        </p:blipFill>
+        <p:spPr bwMode="auto">
+          <a:xfrm>
+            <a:off x="1221487" y="2487025"/>
+            <a:ext cx="2893313" cy="1823718"/>
+          </a:xfrm>
+          <a:prstGeom prst="rect">
+            <a:avLst/>
+          </a:prstGeom>
+          <a:noFill/>
+          <a:extLst>
+            <a:ext uri="{909E8E84-426E-40DD-AFC4-6F175D3DCCD1}">
+              <a14:hiddenFill xmlns:a14="http://schemas.microsoft.com/office/drawing/2010/main">
+                <a:solidFill>
+                  <a:srgbClr val="FFFFFF"/>
+                </a:solidFill>
+              </a14:hiddenFill>
+            </a:ext>
+          </a:extLst>
+        </p:spPr>
+      </p:pic>
+      <p:pic>
+        <p:nvPicPr>
+          <p:cNvPr id="6" name="Shape 216">
+            <a:extLst>
+              <a:ext uri="{FF2B5EF4-FFF2-40B4-BE49-F238E27FC236}">
+                <a16:creationId xmlns:a16="http://schemas.microsoft.com/office/drawing/2014/main" id="{41639DC6-5988-4B6F-BF75-9EDAF1900557}"/>
+              </a:ext>
+            </a:extLst>
+          </p:cNvPr>
+          <p:cNvPicPr preferRelativeResize="0">
+            <a:picLocks/>
+          </p:cNvPicPr>
+          <p:nvPr/>
+        </p:nvPicPr>
+        <p:blipFill rotWithShape="1">
+          <a:blip r:embed="rId3"/>
+          <a:srcRect/>
+          <a:stretch>
+            <a:fillRect/>
+          </a:stretch>
+        </p:blipFill>
+        <p:spPr>
+          <a:xfrm>
+            <a:off x="1221487" y="2487025"/>
+            <a:ext cx="2735510" cy="1423323"/>
+          </a:xfrm>
+          <a:prstGeom prst="rect">
+            <a:avLst/>
+          </a:prstGeom>
+          <a:noFill/>
+          <a:ln>
+            <a:noFill/>
+          </a:ln>
+        </p:spPr>
+      </p:pic>
+    </p:spTree>
+    <p:extLst>
+      <p:ext uri="{BB962C8B-B14F-4D97-AF65-F5344CB8AC3E}">
+        <p14:creationId xmlns:p14="http://schemas.microsoft.com/office/powerpoint/2010/main" val="2043246058"/>
+      </p:ext>
+    </p:extLst>
+  </p:cSld>
+  <p:clrMapOvr>
+    <a:masterClrMapping/>
+  </p:clrMapOvr>
+</p:sld>
+</file>
+
+<file path=ppt/slides/slide5.xml><?xml version="1.0" encoding="utf-8"?>
+<p:sld xmlns:a="http://schemas.openxmlformats.org/drawingml/2006/main" xmlns:r="http://schemas.openxmlformats.org/officeDocument/2006/relationships" xmlns:p="http://schemas.openxmlformats.org/presentationml/2006/main">
+  <p:cSld>
+    <p:spTree>
+      <p:nvGrpSpPr>
+        <p:cNvPr id="1" name=""/>
+        <p:cNvGrpSpPr/>
+        <p:nvPr/>
+      </p:nvGrpSpPr>
+      <p:grpSpPr>
+        <a:xfrm>
+          <a:off x="0" y="0"/>
+          <a:ext cx="0" cy="0"/>
+          <a:chOff x="0" y="0"/>
+          <a:chExt cx="0" cy="0"/>
+        </a:xfrm>
+      </p:grpSpPr>
+      <p:sp>
+        <p:nvSpPr>
+          <p:cNvPr id="2" name="标题 1">
+            <a:extLst>
+              <a:ext uri="{FF2B5EF4-FFF2-40B4-BE49-F238E27FC236}">
+                <a16:creationId xmlns:a16="http://schemas.microsoft.com/office/drawing/2014/main" id="{C1B7B953-EDF7-4C93-9975-FD6D9BEE0826}"/>
+              </a:ext>
+            </a:extLst>
+          </p:cNvPr>
+          <p:cNvSpPr>
+            <a:spLocks noGrp="1"/>
+          </p:cNvSpPr>
+          <p:nvPr>
+            <p:ph type="title"/>
+          </p:nvPr>
+        </p:nvSpPr>
+        <p:spPr/>
+        <p:txBody>
+          <a:bodyPr/>
+          <a:lstStyle/>
+          <a:p>
+            <a:r>
+              <a:rPr lang="ja-JP" altLang="en-US" dirty="0"/>
+              <a:t>開発体制</a:t>
+            </a:r>
+            <a:endParaRPr lang="zh-CN" altLang="en-US" dirty="0"/>
+          </a:p>
+        </p:txBody>
+      </p:sp>
+      <p:sp>
+        <p:nvSpPr>
+          <p:cNvPr id="3" name="内容占位符 2">
+            <a:extLst>
+              <a:ext uri="{FF2B5EF4-FFF2-40B4-BE49-F238E27FC236}">
+                <a16:creationId xmlns:a16="http://schemas.microsoft.com/office/drawing/2014/main" id="{C2C3DC17-13B8-487C-A628-1268B73F67DA}"/>
+              </a:ext>
+            </a:extLst>
+          </p:cNvPr>
+          <p:cNvSpPr>
+            <a:spLocks noGrp="1"/>
+          </p:cNvSpPr>
+          <p:nvPr>
+            <p:ph idx="1"/>
+          </p:nvPr>
+        </p:nvSpPr>
+        <p:spPr/>
+        <p:txBody>
+          <a:bodyPr/>
+          <a:lstStyle/>
+          <a:p>
+            <a:endParaRPr lang="zh-CN" altLang="en-US" dirty="0"/>
+          </a:p>
+        </p:txBody>
+      </p:sp>
+    </p:spTree>
+    <p:extLst>
+      <p:ext uri="{BB962C8B-B14F-4D97-AF65-F5344CB8AC3E}">
+        <p14:creationId xmlns:p14="http://schemas.microsoft.com/office/powerpoint/2010/main" val="3606146990"/>
+      </p:ext>
+    </p:extLst>
+  </p:cSld>
+  <p:clrMapOvr>
+    <a:masterClrMapping/>
+  </p:clrMapOvr>
+</p:sld>
+</file>
+
+<file path=ppt/slides/slide6.xml><?xml version="1.0" encoding="utf-8"?>
+<p:sld xmlns:a="http://schemas.openxmlformats.org/drawingml/2006/main" xmlns:r="http://schemas.openxmlformats.org/officeDocument/2006/relationships" xmlns:p="http://schemas.openxmlformats.org/presentationml/2006/main">
+  <p:cSld>
+    <p:spTree>
+      <p:nvGrpSpPr>
+        <p:cNvPr id="1" name=""/>
+        <p:cNvGrpSpPr/>
+        <p:nvPr/>
+      </p:nvGrpSpPr>
+      <p:grpSpPr>
+        <a:xfrm>
+          <a:off x="0" y="0"/>
+          <a:ext cx="0" cy="0"/>
+          <a:chOff x="0" y="0"/>
+          <a:chExt cx="0" cy="0"/>
+        </a:xfrm>
+      </p:grpSpPr>
+      <p:sp>
+        <p:nvSpPr>
+          <p:cNvPr id="2" name="标题 1">
+            <a:extLst>
+              <a:ext uri="{FF2B5EF4-FFF2-40B4-BE49-F238E27FC236}">
+                <a16:creationId xmlns:a16="http://schemas.microsoft.com/office/drawing/2014/main" id="{8961A1C8-2EE3-40FC-AA45-4CCE63CCF7EB}"/>
+              </a:ext>
+            </a:extLst>
+          </p:cNvPr>
+          <p:cNvSpPr>
+            <a:spLocks noGrp="1"/>
+          </p:cNvSpPr>
+          <p:nvPr>
+            <p:ph type="title"/>
+          </p:nvPr>
+        </p:nvSpPr>
+        <p:spPr/>
+        <p:txBody>
+          <a:bodyPr/>
+          <a:lstStyle/>
+          <a:p>
+            <a:r>
+              <a:rPr lang="ja-JP" altLang="en-US" dirty="0"/>
+              <a:t>関連研究と設計方針</a:t>
+            </a:r>
+            <a:endParaRPr lang="en-US" altLang="ja-JP" dirty="0"/>
+          </a:p>
+        </p:txBody>
+      </p:sp>
+      <p:sp>
+        <p:nvSpPr>
+          <p:cNvPr id="3" name="文本占位符 2">
+            <a:extLst>
+              <a:ext uri="{FF2B5EF4-FFF2-40B4-BE49-F238E27FC236}">
+                <a16:creationId xmlns:a16="http://schemas.microsoft.com/office/drawing/2014/main" id="{20B84D2A-CAB4-473E-A70C-EC2C747CAB00}"/>
+              </a:ext>
+            </a:extLst>
+          </p:cNvPr>
+          <p:cNvSpPr>
+            <a:spLocks noGrp="1"/>
+          </p:cNvSpPr>
+          <p:nvPr>
+            <p:ph type="body" idx="1"/>
+          </p:nvPr>
+        </p:nvSpPr>
+        <p:spPr/>
+        <p:txBody>
+          <a:bodyPr/>
+          <a:lstStyle/>
+          <a:p>
+            <a:endParaRPr lang="zh-CN" altLang="en-US" dirty="0"/>
+          </a:p>
+        </p:txBody>
+      </p:sp>
+    </p:spTree>
+    <p:extLst>
+      <p:ext uri="{BB962C8B-B14F-4D97-AF65-F5344CB8AC3E}">
+        <p14:creationId xmlns:p14="http://schemas.microsoft.com/office/powerpoint/2010/main" val="3939829353"/>
+      </p:ext>
+    </p:extLst>
+  </p:cSld>
+  <p:clrMapOvr>
+    <a:masterClrMapping/>
+  </p:clrMapOvr>
+</p:sld>
+</file>
+
+<file path=ppt/slides/slide7.xml><?xml version="1.0" encoding="utf-8"?>
+<p:sld xmlns:a="http://schemas.openxmlformats.org/drawingml/2006/main" xmlns:r="http://schemas.openxmlformats.org/officeDocument/2006/relationships" xmlns:p="http://schemas.openxmlformats.org/presentationml/2006/main">
+  <p:cSld>
+    <p:spTree>
+      <p:nvGrpSpPr>
+        <p:cNvPr id="1" name=""/>
+        <p:cNvGrpSpPr/>
+        <p:nvPr/>
+      </p:nvGrpSpPr>
+      <p:grpSpPr>
+        <a:xfrm>
+          <a:off x="0" y="0"/>
+          <a:ext cx="0" cy="0"/>
+          <a:chOff x="0" y="0"/>
+          <a:chExt cx="0" cy="0"/>
+        </a:xfrm>
+      </p:grpSpPr>
+      <p:sp>
+        <p:nvSpPr>
+          <p:cNvPr id="2" name="标题 1">
+            <a:extLst>
+              <a:ext uri="{FF2B5EF4-FFF2-40B4-BE49-F238E27FC236}">
+                <a16:creationId xmlns:a16="http://schemas.microsoft.com/office/drawing/2014/main" id="{78969922-AB0E-4BE9-8EC2-170F60C76248}"/>
+              </a:ext>
+            </a:extLst>
+          </p:cNvPr>
+          <p:cNvSpPr>
+            <a:spLocks noGrp="1"/>
+          </p:cNvSpPr>
+          <p:nvPr>
+            <p:ph type="title"/>
+          </p:nvPr>
+        </p:nvSpPr>
+        <p:spPr/>
+        <p:txBody>
+          <a:bodyPr/>
+          <a:lstStyle/>
+          <a:p>
+            <a:r>
+              <a:rPr lang="ja-JP" altLang="en-US" dirty="0"/>
+              <a:t>クロスモダリティと共感覚</a:t>
+            </a:r>
+            <a:endParaRPr lang="zh-CN" altLang="en-US" dirty="0"/>
+          </a:p>
+        </p:txBody>
+      </p:sp>
+      <p:sp>
+        <p:nvSpPr>
+          <p:cNvPr id="3" name="内容占位符 2">
+            <a:extLst>
+              <a:ext uri="{FF2B5EF4-FFF2-40B4-BE49-F238E27FC236}">
+                <a16:creationId xmlns:a16="http://schemas.microsoft.com/office/drawing/2014/main" id="{C5EA540F-DA6F-47EF-830F-AD325A64CEE2}"/>
+              </a:ext>
+            </a:extLst>
+          </p:cNvPr>
+          <p:cNvSpPr>
+            <a:spLocks noGrp="1"/>
+          </p:cNvSpPr>
+          <p:nvPr>
+            <p:ph idx="1"/>
+          </p:nvPr>
+        </p:nvSpPr>
+        <p:spPr/>
+        <p:txBody>
+          <a:bodyPr/>
+          <a:lstStyle/>
+          <a:p>
+            <a:endParaRPr lang="zh-CN" altLang="en-US"/>
+          </a:p>
+        </p:txBody>
+      </p:sp>
+    </p:spTree>
+    <p:extLst>
+      <p:ext uri="{BB962C8B-B14F-4D97-AF65-F5344CB8AC3E}">
+        <p14:creationId xmlns:p14="http://schemas.microsoft.com/office/powerpoint/2010/main" val="1276614903"/>
+      </p:ext>
+    </p:extLst>
+  </p:cSld>
+  <p:clrMapOvr>
+    <a:masterClrMapping/>
+  </p:clrMapOvr>
+</p:sld>
+</file>
+
+<file path=ppt/slides/slide8.xml><?xml version="1.0" encoding="utf-8"?>
+<p:sld xmlns:a="http://schemas.openxmlformats.org/drawingml/2006/main" xmlns:r="http://schemas.openxmlformats.org/officeDocument/2006/relationships" xmlns:p="http://schemas.openxmlformats.org/presentationml/2006/main">
+  <p:cSld>
+    <p:spTree>
+      <p:nvGrpSpPr>
+        <p:cNvPr id="1" name=""/>
+        <p:cNvGrpSpPr/>
+        <p:nvPr/>
+      </p:nvGrpSpPr>
+      <p:grpSpPr>
+        <a:xfrm>
+          <a:off x="0" y="0"/>
+          <a:ext cx="0" cy="0"/>
+          <a:chOff x="0" y="0"/>
+          <a:chExt cx="0" cy="0"/>
+        </a:xfrm>
+      </p:grpSpPr>
+      <p:sp>
+        <p:nvSpPr>
+          <p:cNvPr id="2" name="标题 1">
+            <a:extLst>
+              <a:ext uri="{FF2B5EF4-FFF2-40B4-BE49-F238E27FC236}">
+                <a16:creationId xmlns:a16="http://schemas.microsoft.com/office/drawing/2014/main" id="{AAF9AD45-6E90-45A2-BE97-BE04BCC283FF}"/>
+              </a:ext>
+            </a:extLst>
+          </p:cNvPr>
+          <p:cNvSpPr>
+            <a:spLocks noGrp="1"/>
+          </p:cNvSpPr>
+          <p:nvPr>
+            <p:ph type="title"/>
+          </p:nvPr>
+        </p:nvSpPr>
+        <p:spPr/>
+        <p:txBody>
+          <a:bodyPr/>
+          <a:lstStyle/>
+          <a:p>
+            <a:r>
+              <a:rPr lang="ja-JP" altLang="en-US" dirty="0"/>
+              <a:t>調性格と色聴共感覚</a:t>
+            </a:r>
+            <a:endParaRPr lang="zh-CN" altLang="en-US" dirty="0"/>
+          </a:p>
+        </p:txBody>
+      </p:sp>
+      <p:sp>
+        <p:nvSpPr>
+          <p:cNvPr id="3" name="内容占位符 2">
+            <a:extLst>
+              <a:ext uri="{FF2B5EF4-FFF2-40B4-BE49-F238E27FC236}">
+                <a16:creationId xmlns:a16="http://schemas.microsoft.com/office/drawing/2014/main" id="{F02D28D6-052F-4449-992E-25865E23E494}"/>
+              </a:ext>
+            </a:extLst>
+          </p:cNvPr>
+          <p:cNvSpPr>
+            <a:spLocks noGrp="1"/>
+          </p:cNvSpPr>
+          <p:nvPr>
+            <p:ph idx="1"/>
+          </p:nvPr>
+        </p:nvSpPr>
+        <p:spPr/>
+        <p:txBody>
+          <a:bodyPr/>
+          <a:lstStyle/>
+          <a:p>
+            <a:endParaRPr lang="zh-CN" altLang="en-US" dirty="0"/>
+          </a:p>
+        </p:txBody>
+      </p:sp>
+    </p:spTree>
+    <p:extLst>
+      <p:ext uri="{BB962C8B-B14F-4D97-AF65-F5344CB8AC3E}">
+        <p14:creationId xmlns:p14="http://schemas.microsoft.com/office/powerpoint/2010/main" val="1606586268"/>
+      </p:ext>
+    </p:extLst>
+  </p:cSld>
+  <p:clrMapOvr>
+    <a:masterClrMapping/>
+  </p:clrMapOvr>
+</p:sld>
+</file>
+
+<file path=ppt/slides/slide9.xml><?xml version="1.0" encoding="utf-8"?>
+<p:sld xmlns:a="http://schemas.openxmlformats.org/drawingml/2006/main" xmlns:r="http://schemas.openxmlformats.org/officeDocument/2006/relationships" xmlns:p="http://schemas.openxmlformats.org/presentationml/2006/main">
+  <p:cSld>
+    <p:spTree>
+      <p:nvGrpSpPr>
+        <p:cNvPr id="1" name=""/>
+        <p:cNvGrpSpPr/>
+        <p:nvPr/>
+      </p:nvGrpSpPr>
+      <p:grpSpPr>
+        <a:xfrm>
+          <a:off x="0" y="0"/>
+          <a:ext cx="0" cy="0"/>
+          <a:chOff x="0" y="0"/>
+          <a:chExt cx="0" cy="0"/>
+        </a:xfrm>
+      </p:grpSpPr>
+      <p:sp>
+        <p:nvSpPr>
+          <p:cNvPr id="2" name="标题 1">
+            <a:extLst>
+              <a:ext uri="{FF2B5EF4-FFF2-40B4-BE49-F238E27FC236}">
+                <a16:creationId xmlns:a16="http://schemas.microsoft.com/office/drawing/2014/main" id="{DA427783-A2B7-4AFF-830B-E9AF8566577D}"/>
+              </a:ext>
+            </a:extLst>
+          </p:cNvPr>
+          <p:cNvSpPr>
+            <a:spLocks noGrp="1"/>
+          </p:cNvSpPr>
+          <p:nvPr>
+            <p:ph type="title"/>
+          </p:nvPr>
+        </p:nvSpPr>
+        <p:spPr/>
+        <p:txBody>
+          <a:bodyPr/>
+          <a:lstStyle/>
+          <a:p>
+            <a:r>
+              <a:rPr lang="ja-JP" altLang="en-US" dirty="0"/>
+              <a:t>既存レコメンド手法調査</a:t>
+            </a:r>
+            <a:endParaRPr lang="zh-CN" altLang="en-US" dirty="0"/>
+          </a:p>
+        </p:txBody>
+      </p:sp>
+      <p:sp>
+        <p:nvSpPr>
+          <p:cNvPr id="3" name="内容占位符 2">
+            <a:extLst>
+              <a:ext uri="{FF2B5EF4-FFF2-40B4-BE49-F238E27FC236}">
+                <a16:creationId xmlns:a16="http://schemas.microsoft.com/office/drawing/2014/main" id="{B1131F97-DB22-4EBD-992F-C845829E3939}"/>
+              </a:ext>
+            </a:extLst>
+          </p:cNvPr>
+          <p:cNvSpPr>
+            <a:spLocks noGrp="1"/>
+          </p:cNvSpPr>
+          <p:nvPr>
+            <p:ph idx="1"/>
+          </p:nvPr>
+        </p:nvSpPr>
+        <p:spPr/>
+        <p:txBody>
+          <a:bodyPr>
+            <a:normAutofit/>
+          </a:bodyPr>
+          <a:lstStyle/>
+          <a:p>
+            <a:pPr>
+              <a:buFont typeface="Wingdings" panose="05000000000000000000" pitchFamily="2" charset="2"/>
+              <a:buChar char="l"/>
+            </a:pPr>
+            <a:r>
+              <a:rPr lang="ja-JP" altLang="en-US" sz="2800" dirty="0"/>
+              <a:t>協調フィルタリング</a:t>
+            </a:r>
+            <a:endParaRPr lang="en-US" altLang="ja-JP" sz="2800" dirty="0"/>
+          </a:p>
+          <a:p>
+            <a:pPr>
+              <a:buFont typeface="Wingdings" panose="05000000000000000000" pitchFamily="2" charset="2"/>
+              <a:buChar char="l"/>
+            </a:pPr>
+            <a:r>
+              <a:rPr lang="en-US" altLang="ja-JP" sz="2800" dirty="0"/>
+              <a:t>SVD</a:t>
+            </a:r>
+            <a:r>
+              <a:rPr lang="ja-JP" altLang="en-US" sz="2800" dirty="0"/>
+              <a:t>特異値分解</a:t>
+            </a:r>
+            <a:endParaRPr lang="en-US" altLang="ja-JP" sz="2800" dirty="0"/>
+          </a:p>
+          <a:p>
+            <a:pPr>
+              <a:buFont typeface="Wingdings" panose="05000000000000000000" pitchFamily="2" charset="2"/>
+              <a:buChar char="l"/>
+            </a:pPr>
+            <a:r>
+              <a:rPr lang="en-US" altLang="ja-JP" sz="2800" dirty="0"/>
+              <a:t>Restricted </a:t>
+            </a:r>
+            <a:r>
+              <a:rPr lang="en-US" altLang="ja-JP" sz="2800" dirty="0" err="1"/>
+              <a:t>Boltzman</a:t>
+            </a:r>
+            <a:r>
+              <a:rPr lang="en-US" altLang="ja-JP" sz="2800" dirty="0"/>
+              <a:t> Machines</a:t>
+            </a:r>
+            <a:endParaRPr lang="zh-CN" altLang="en-US" sz="2800" dirty="0"/>
+          </a:p>
+        </p:txBody>
+      </p:sp>
+    </p:spTree>
+    <p:extLst>
+      <p:ext uri="{BB962C8B-B14F-4D97-AF65-F5344CB8AC3E}">
+        <p14:creationId xmlns:p14="http://schemas.microsoft.com/office/powerpoint/2010/main" val="2198847191"/>
       </p:ext>
     </p:extLst>
   </p:cSld>
